--- a/Lectures/CITS1003-10 CI & CPS.pptx
+++ b/Lectures/CITS1003-10 CI & CPS.pptx
@@ -1191,7 +1191,7 @@
   <dgm:whole/>
   <dgm:extLst>
     <a:ext uri="http://schemas.microsoft.com/office/drawing/2008/diagram">
-      <dsp:dataModelExt xmlns:dsp="http://schemas.microsoft.com/office/drawing/2008/diagram" relId="rId7" minVer="http://schemas.openxmlformats.org/drawingml/2006/diagram"/>
+      <dsp:dataModelExt xmlns:dsp="http://schemas.microsoft.com/office/drawing/2008/diagram" relId="rId8" minVer="http://schemas.openxmlformats.org/drawingml/2006/diagram"/>
     </a:ext>
   </dgm:extLst>
 </dgm:dataModel>
@@ -3358,7 +3358,7 @@
           <a:p>
             <a:fld id="{6D6D7260-B7E4-B548-BD1F-84ED14536037}" type="datetimeFigureOut">
               <a:rPr lang="en-AU" smtClean="0"/>
-              <a:t>30/4/21</a:t>
+              <a:t>16/8/21</a:t>
             </a:fld>
             <a:endParaRPr lang="en-AU"/>
           </a:p>
@@ -3626,6 +3626,2106 @@
 </p:notesMaster>
 </file>
 
+<file path=ppt/notesSlides/notesSlide1.xml><?xml version="1.0" encoding="utf-8"?>
+<p:notes xmlns:a="http://schemas.openxmlformats.org/drawingml/2006/main" xmlns:r="http://schemas.openxmlformats.org/officeDocument/2006/relationships" xmlns:p="http://schemas.openxmlformats.org/presentationml/2006/main">
+  <p:cSld>
+    <p:spTree>
+      <p:nvGrpSpPr>
+        <p:cNvPr id="1" name=""/>
+        <p:cNvGrpSpPr/>
+        <p:nvPr/>
+      </p:nvGrpSpPr>
+      <p:grpSpPr>
+        <a:xfrm>
+          <a:off x="0" y="0"/>
+          <a:ext cx="0" cy="0"/>
+          <a:chOff x="0" y="0"/>
+          <a:chExt cx="0" cy="0"/>
+        </a:xfrm>
+      </p:grpSpPr>
+      <p:sp>
+        <p:nvSpPr>
+          <p:cNvPr id="2" name="Slide Image Placeholder 1"/>
+          <p:cNvSpPr>
+            <a:spLocks noGrp="1" noRot="1" noChangeAspect="1"/>
+          </p:cNvSpPr>
+          <p:nvPr>
+            <p:ph type="sldImg"/>
+          </p:nvPr>
+        </p:nvSpPr>
+        <p:spPr/>
+      </p:sp>
+      <p:sp>
+        <p:nvSpPr>
+          <p:cNvPr id="3" name="Notes Placeholder 2"/>
+          <p:cNvSpPr>
+            <a:spLocks noGrp="1"/>
+          </p:cNvSpPr>
+          <p:nvPr>
+            <p:ph type="body" idx="1"/>
+          </p:nvPr>
+        </p:nvSpPr>
+        <p:spPr/>
+        <p:txBody>
+          <a:bodyPr/>
+          <a:lstStyle/>
+          <a:p>
+            <a:endParaRPr lang="en-AU"/>
+          </a:p>
+        </p:txBody>
+      </p:sp>
+      <p:sp>
+        <p:nvSpPr>
+          <p:cNvPr id="4" name="Slide Number Placeholder 3"/>
+          <p:cNvSpPr>
+            <a:spLocks noGrp="1"/>
+          </p:cNvSpPr>
+          <p:nvPr>
+            <p:ph type="sldNum" sz="quarter" idx="5"/>
+          </p:nvPr>
+        </p:nvSpPr>
+        <p:spPr/>
+        <p:txBody>
+          <a:bodyPr/>
+          <a:lstStyle/>
+          <a:p>
+            <a:fld id="{DF030C05-EF6C-9847-8923-580D76870F8E}" type="slidenum">
+              <a:rPr lang="en-AU" smtClean="0"/>
+              <a:t>1</a:t>
+            </a:fld>
+            <a:endParaRPr lang="en-AU"/>
+          </a:p>
+        </p:txBody>
+      </p:sp>
+    </p:spTree>
+    <p:extLst>
+      <p:ext uri="{BB962C8B-B14F-4D97-AF65-F5344CB8AC3E}">
+        <p14:creationId xmlns:p14="http://schemas.microsoft.com/office/powerpoint/2010/main" val="1787712070"/>
+      </p:ext>
+    </p:extLst>
+  </p:cSld>
+  <p:clrMapOvr>
+    <a:masterClrMapping/>
+  </p:clrMapOvr>
+</p:notes>
+</file>
+
+<file path=ppt/notesSlides/notesSlide10.xml><?xml version="1.0" encoding="utf-8"?>
+<p:notes xmlns:a="http://schemas.openxmlformats.org/drawingml/2006/main" xmlns:r="http://schemas.openxmlformats.org/officeDocument/2006/relationships" xmlns:p="http://schemas.openxmlformats.org/presentationml/2006/main">
+  <p:cSld>
+    <p:spTree>
+      <p:nvGrpSpPr>
+        <p:cNvPr id="1" name=""/>
+        <p:cNvGrpSpPr/>
+        <p:nvPr/>
+      </p:nvGrpSpPr>
+      <p:grpSpPr>
+        <a:xfrm>
+          <a:off x="0" y="0"/>
+          <a:ext cx="0" cy="0"/>
+          <a:chOff x="0" y="0"/>
+          <a:chExt cx="0" cy="0"/>
+        </a:xfrm>
+      </p:grpSpPr>
+      <p:sp>
+        <p:nvSpPr>
+          <p:cNvPr id="2" name="Slide Image Placeholder 1"/>
+          <p:cNvSpPr>
+            <a:spLocks noGrp="1" noRot="1" noChangeAspect="1"/>
+          </p:cNvSpPr>
+          <p:nvPr>
+            <p:ph type="sldImg"/>
+          </p:nvPr>
+        </p:nvSpPr>
+        <p:spPr/>
+      </p:sp>
+      <p:sp>
+        <p:nvSpPr>
+          <p:cNvPr id="3" name="Notes Placeholder 2"/>
+          <p:cNvSpPr>
+            <a:spLocks noGrp="1"/>
+          </p:cNvSpPr>
+          <p:nvPr>
+            <p:ph type="body" idx="1"/>
+          </p:nvPr>
+        </p:nvSpPr>
+        <p:spPr/>
+        <p:txBody>
+          <a:bodyPr/>
+          <a:lstStyle/>
+          <a:p>
+            <a:endParaRPr lang="en-AU"/>
+          </a:p>
+        </p:txBody>
+      </p:sp>
+      <p:sp>
+        <p:nvSpPr>
+          <p:cNvPr id="4" name="Slide Number Placeholder 3"/>
+          <p:cNvSpPr>
+            <a:spLocks noGrp="1"/>
+          </p:cNvSpPr>
+          <p:nvPr>
+            <p:ph type="sldNum" sz="quarter" idx="5"/>
+          </p:nvPr>
+        </p:nvSpPr>
+        <p:spPr/>
+        <p:txBody>
+          <a:bodyPr/>
+          <a:lstStyle/>
+          <a:p>
+            <a:fld id="{DF030C05-EF6C-9847-8923-580D76870F8E}" type="slidenum">
+              <a:rPr lang="en-AU" smtClean="0"/>
+              <a:t>10</a:t>
+            </a:fld>
+            <a:endParaRPr lang="en-AU"/>
+          </a:p>
+        </p:txBody>
+      </p:sp>
+    </p:spTree>
+    <p:extLst>
+      <p:ext uri="{BB962C8B-B14F-4D97-AF65-F5344CB8AC3E}">
+        <p14:creationId xmlns:p14="http://schemas.microsoft.com/office/powerpoint/2010/main" val="1128771992"/>
+      </p:ext>
+    </p:extLst>
+  </p:cSld>
+  <p:clrMapOvr>
+    <a:masterClrMapping/>
+  </p:clrMapOvr>
+</p:notes>
+</file>
+
+<file path=ppt/notesSlides/notesSlide11.xml><?xml version="1.0" encoding="utf-8"?>
+<p:notes xmlns:a="http://schemas.openxmlformats.org/drawingml/2006/main" xmlns:r="http://schemas.openxmlformats.org/officeDocument/2006/relationships" xmlns:p="http://schemas.openxmlformats.org/presentationml/2006/main">
+  <p:cSld>
+    <p:spTree>
+      <p:nvGrpSpPr>
+        <p:cNvPr id="1" name=""/>
+        <p:cNvGrpSpPr/>
+        <p:nvPr/>
+      </p:nvGrpSpPr>
+      <p:grpSpPr>
+        <a:xfrm>
+          <a:off x="0" y="0"/>
+          <a:ext cx="0" cy="0"/>
+          <a:chOff x="0" y="0"/>
+          <a:chExt cx="0" cy="0"/>
+        </a:xfrm>
+      </p:grpSpPr>
+      <p:sp>
+        <p:nvSpPr>
+          <p:cNvPr id="2" name="Slide Image Placeholder 1"/>
+          <p:cNvSpPr>
+            <a:spLocks noGrp="1" noRot="1" noChangeAspect="1"/>
+          </p:cNvSpPr>
+          <p:nvPr>
+            <p:ph type="sldImg"/>
+          </p:nvPr>
+        </p:nvSpPr>
+        <p:spPr/>
+      </p:sp>
+      <p:sp>
+        <p:nvSpPr>
+          <p:cNvPr id="3" name="Notes Placeholder 2"/>
+          <p:cNvSpPr>
+            <a:spLocks noGrp="1"/>
+          </p:cNvSpPr>
+          <p:nvPr>
+            <p:ph type="body" idx="1"/>
+          </p:nvPr>
+        </p:nvSpPr>
+        <p:spPr/>
+        <p:txBody>
+          <a:bodyPr/>
+          <a:lstStyle/>
+          <a:p>
+            <a:endParaRPr lang="en-AU"/>
+          </a:p>
+        </p:txBody>
+      </p:sp>
+      <p:sp>
+        <p:nvSpPr>
+          <p:cNvPr id="4" name="Slide Number Placeholder 3"/>
+          <p:cNvSpPr>
+            <a:spLocks noGrp="1"/>
+          </p:cNvSpPr>
+          <p:nvPr>
+            <p:ph type="sldNum" sz="quarter" idx="5"/>
+          </p:nvPr>
+        </p:nvSpPr>
+        <p:spPr/>
+        <p:txBody>
+          <a:bodyPr/>
+          <a:lstStyle/>
+          <a:p>
+            <a:fld id="{DF030C05-EF6C-9847-8923-580D76870F8E}" type="slidenum">
+              <a:rPr lang="en-AU" smtClean="0"/>
+              <a:t>11</a:t>
+            </a:fld>
+            <a:endParaRPr lang="en-AU"/>
+          </a:p>
+        </p:txBody>
+      </p:sp>
+    </p:spTree>
+    <p:extLst>
+      <p:ext uri="{BB962C8B-B14F-4D97-AF65-F5344CB8AC3E}">
+        <p14:creationId xmlns:p14="http://schemas.microsoft.com/office/powerpoint/2010/main" val="2306703400"/>
+      </p:ext>
+    </p:extLst>
+  </p:cSld>
+  <p:clrMapOvr>
+    <a:masterClrMapping/>
+  </p:clrMapOvr>
+</p:notes>
+</file>
+
+<file path=ppt/notesSlides/notesSlide12.xml><?xml version="1.0" encoding="utf-8"?>
+<p:notes xmlns:a="http://schemas.openxmlformats.org/drawingml/2006/main" xmlns:r="http://schemas.openxmlformats.org/officeDocument/2006/relationships" xmlns:p="http://schemas.openxmlformats.org/presentationml/2006/main">
+  <p:cSld>
+    <p:spTree>
+      <p:nvGrpSpPr>
+        <p:cNvPr id="1" name=""/>
+        <p:cNvGrpSpPr/>
+        <p:nvPr/>
+      </p:nvGrpSpPr>
+      <p:grpSpPr>
+        <a:xfrm>
+          <a:off x="0" y="0"/>
+          <a:ext cx="0" cy="0"/>
+          <a:chOff x="0" y="0"/>
+          <a:chExt cx="0" cy="0"/>
+        </a:xfrm>
+      </p:grpSpPr>
+      <p:sp>
+        <p:nvSpPr>
+          <p:cNvPr id="2" name="Slide Image Placeholder 1"/>
+          <p:cNvSpPr>
+            <a:spLocks noGrp="1" noRot="1" noChangeAspect="1"/>
+          </p:cNvSpPr>
+          <p:nvPr>
+            <p:ph type="sldImg"/>
+          </p:nvPr>
+        </p:nvSpPr>
+        <p:spPr/>
+      </p:sp>
+      <p:sp>
+        <p:nvSpPr>
+          <p:cNvPr id="3" name="Notes Placeholder 2"/>
+          <p:cNvSpPr>
+            <a:spLocks noGrp="1"/>
+          </p:cNvSpPr>
+          <p:nvPr>
+            <p:ph type="body" idx="1"/>
+          </p:nvPr>
+        </p:nvSpPr>
+        <p:spPr/>
+        <p:txBody>
+          <a:bodyPr/>
+          <a:lstStyle/>
+          <a:p>
+            <a:endParaRPr lang="en-AU"/>
+          </a:p>
+        </p:txBody>
+      </p:sp>
+      <p:sp>
+        <p:nvSpPr>
+          <p:cNvPr id="4" name="Slide Number Placeholder 3"/>
+          <p:cNvSpPr>
+            <a:spLocks noGrp="1"/>
+          </p:cNvSpPr>
+          <p:nvPr>
+            <p:ph type="sldNum" sz="quarter" idx="5"/>
+          </p:nvPr>
+        </p:nvSpPr>
+        <p:spPr/>
+        <p:txBody>
+          <a:bodyPr/>
+          <a:lstStyle/>
+          <a:p>
+            <a:fld id="{DF030C05-EF6C-9847-8923-580D76870F8E}" type="slidenum">
+              <a:rPr lang="en-AU" smtClean="0"/>
+              <a:t>12</a:t>
+            </a:fld>
+            <a:endParaRPr lang="en-AU"/>
+          </a:p>
+        </p:txBody>
+      </p:sp>
+    </p:spTree>
+    <p:extLst>
+      <p:ext uri="{BB962C8B-B14F-4D97-AF65-F5344CB8AC3E}">
+        <p14:creationId xmlns:p14="http://schemas.microsoft.com/office/powerpoint/2010/main" val="3665405403"/>
+      </p:ext>
+    </p:extLst>
+  </p:cSld>
+  <p:clrMapOvr>
+    <a:masterClrMapping/>
+  </p:clrMapOvr>
+</p:notes>
+</file>
+
+<file path=ppt/notesSlides/notesSlide13.xml><?xml version="1.0" encoding="utf-8"?>
+<p:notes xmlns:a="http://schemas.openxmlformats.org/drawingml/2006/main" xmlns:r="http://schemas.openxmlformats.org/officeDocument/2006/relationships" xmlns:p="http://schemas.openxmlformats.org/presentationml/2006/main">
+  <p:cSld>
+    <p:spTree>
+      <p:nvGrpSpPr>
+        <p:cNvPr id="1" name=""/>
+        <p:cNvGrpSpPr/>
+        <p:nvPr/>
+      </p:nvGrpSpPr>
+      <p:grpSpPr>
+        <a:xfrm>
+          <a:off x="0" y="0"/>
+          <a:ext cx="0" cy="0"/>
+          <a:chOff x="0" y="0"/>
+          <a:chExt cx="0" cy="0"/>
+        </a:xfrm>
+      </p:grpSpPr>
+      <p:sp>
+        <p:nvSpPr>
+          <p:cNvPr id="2" name="Slide Image Placeholder 1"/>
+          <p:cNvSpPr>
+            <a:spLocks noGrp="1" noRot="1" noChangeAspect="1"/>
+          </p:cNvSpPr>
+          <p:nvPr>
+            <p:ph type="sldImg"/>
+          </p:nvPr>
+        </p:nvSpPr>
+        <p:spPr/>
+      </p:sp>
+      <p:sp>
+        <p:nvSpPr>
+          <p:cNvPr id="3" name="Notes Placeholder 2"/>
+          <p:cNvSpPr>
+            <a:spLocks noGrp="1"/>
+          </p:cNvSpPr>
+          <p:nvPr>
+            <p:ph type="body" idx="1"/>
+          </p:nvPr>
+        </p:nvSpPr>
+        <p:spPr/>
+        <p:txBody>
+          <a:bodyPr/>
+          <a:lstStyle/>
+          <a:p>
+            <a:endParaRPr lang="en-AU"/>
+          </a:p>
+        </p:txBody>
+      </p:sp>
+      <p:sp>
+        <p:nvSpPr>
+          <p:cNvPr id="4" name="Slide Number Placeholder 3"/>
+          <p:cNvSpPr>
+            <a:spLocks noGrp="1"/>
+          </p:cNvSpPr>
+          <p:nvPr>
+            <p:ph type="sldNum" sz="quarter" idx="5"/>
+          </p:nvPr>
+        </p:nvSpPr>
+        <p:spPr/>
+        <p:txBody>
+          <a:bodyPr/>
+          <a:lstStyle/>
+          <a:p>
+            <a:fld id="{DF030C05-EF6C-9847-8923-580D76870F8E}" type="slidenum">
+              <a:rPr lang="en-AU" smtClean="0"/>
+              <a:t>13</a:t>
+            </a:fld>
+            <a:endParaRPr lang="en-AU"/>
+          </a:p>
+        </p:txBody>
+      </p:sp>
+    </p:spTree>
+    <p:extLst>
+      <p:ext uri="{BB962C8B-B14F-4D97-AF65-F5344CB8AC3E}">
+        <p14:creationId xmlns:p14="http://schemas.microsoft.com/office/powerpoint/2010/main" val="1703803952"/>
+      </p:ext>
+    </p:extLst>
+  </p:cSld>
+  <p:clrMapOvr>
+    <a:masterClrMapping/>
+  </p:clrMapOvr>
+</p:notes>
+</file>
+
+<file path=ppt/notesSlides/notesSlide14.xml><?xml version="1.0" encoding="utf-8"?>
+<p:notes xmlns:a="http://schemas.openxmlformats.org/drawingml/2006/main" xmlns:r="http://schemas.openxmlformats.org/officeDocument/2006/relationships" xmlns:p="http://schemas.openxmlformats.org/presentationml/2006/main">
+  <p:cSld>
+    <p:spTree>
+      <p:nvGrpSpPr>
+        <p:cNvPr id="1" name=""/>
+        <p:cNvGrpSpPr/>
+        <p:nvPr/>
+      </p:nvGrpSpPr>
+      <p:grpSpPr>
+        <a:xfrm>
+          <a:off x="0" y="0"/>
+          <a:ext cx="0" cy="0"/>
+          <a:chOff x="0" y="0"/>
+          <a:chExt cx="0" cy="0"/>
+        </a:xfrm>
+      </p:grpSpPr>
+      <p:sp>
+        <p:nvSpPr>
+          <p:cNvPr id="2" name="Slide Image Placeholder 1"/>
+          <p:cNvSpPr>
+            <a:spLocks noGrp="1" noRot="1" noChangeAspect="1"/>
+          </p:cNvSpPr>
+          <p:nvPr>
+            <p:ph type="sldImg"/>
+          </p:nvPr>
+        </p:nvSpPr>
+        <p:spPr/>
+      </p:sp>
+      <p:sp>
+        <p:nvSpPr>
+          <p:cNvPr id="3" name="Notes Placeholder 2"/>
+          <p:cNvSpPr>
+            <a:spLocks noGrp="1"/>
+          </p:cNvSpPr>
+          <p:nvPr>
+            <p:ph type="body" idx="1"/>
+          </p:nvPr>
+        </p:nvSpPr>
+        <p:spPr/>
+        <p:txBody>
+          <a:bodyPr/>
+          <a:lstStyle/>
+          <a:p>
+            <a:endParaRPr lang="en-AU"/>
+          </a:p>
+        </p:txBody>
+      </p:sp>
+      <p:sp>
+        <p:nvSpPr>
+          <p:cNvPr id="4" name="Slide Number Placeholder 3"/>
+          <p:cNvSpPr>
+            <a:spLocks noGrp="1"/>
+          </p:cNvSpPr>
+          <p:nvPr>
+            <p:ph type="sldNum" sz="quarter" idx="5"/>
+          </p:nvPr>
+        </p:nvSpPr>
+        <p:spPr/>
+        <p:txBody>
+          <a:bodyPr/>
+          <a:lstStyle/>
+          <a:p>
+            <a:fld id="{DF030C05-EF6C-9847-8923-580D76870F8E}" type="slidenum">
+              <a:rPr lang="en-AU" smtClean="0"/>
+              <a:t>14</a:t>
+            </a:fld>
+            <a:endParaRPr lang="en-AU"/>
+          </a:p>
+        </p:txBody>
+      </p:sp>
+    </p:spTree>
+    <p:extLst>
+      <p:ext uri="{BB962C8B-B14F-4D97-AF65-F5344CB8AC3E}">
+        <p14:creationId xmlns:p14="http://schemas.microsoft.com/office/powerpoint/2010/main" val="1440144998"/>
+      </p:ext>
+    </p:extLst>
+  </p:cSld>
+  <p:clrMapOvr>
+    <a:masterClrMapping/>
+  </p:clrMapOvr>
+</p:notes>
+</file>
+
+<file path=ppt/notesSlides/notesSlide15.xml><?xml version="1.0" encoding="utf-8"?>
+<p:notes xmlns:a="http://schemas.openxmlformats.org/drawingml/2006/main" xmlns:r="http://schemas.openxmlformats.org/officeDocument/2006/relationships" xmlns:p="http://schemas.openxmlformats.org/presentationml/2006/main">
+  <p:cSld>
+    <p:spTree>
+      <p:nvGrpSpPr>
+        <p:cNvPr id="1" name=""/>
+        <p:cNvGrpSpPr/>
+        <p:nvPr/>
+      </p:nvGrpSpPr>
+      <p:grpSpPr>
+        <a:xfrm>
+          <a:off x="0" y="0"/>
+          <a:ext cx="0" cy="0"/>
+          <a:chOff x="0" y="0"/>
+          <a:chExt cx="0" cy="0"/>
+        </a:xfrm>
+      </p:grpSpPr>
+      <p:sp>
+        <p:nvSpPr>
+          <p:cNvPr id="2" name="Slide Image Placeholder 1"/>
+          <p:cNvSpPr>
+            <a:spLocks noGrp="1" noRot="1" noChangeAspect="1"/>
+          </p:cNvSpPr>
+          <p:nvPr>
+            <p:ph type="sldImg"/>
+          </p:nvPr>
+        </p:nvSpPr>
+        <p:spPr/>
+      </p:sp>
+      <p:sp>
+        <p:nvSpPr>
+          <p:cNvPr id="3" name="Notes Placeholder 2"/>
+          <p:cNvSpPr>
+            <a:spLocks noGrp="1"/>
+          </p:cNvSpPr>
+          <p:nvPr>
+            <p:ph type="body" idx="1"/>
+          </p:nvPr>
+        </p:nvSpPr>
+        <p:spPr/>
+        <p:txBody>
+          <a:bodyPr/>
+          <a:lstStyle/>
+          <a:p>
+            <a:endParaRPr lang="en-AU"/>
+          </a:p>
+        </p:txBody>
+      </p:sp>
+      <p:sp>
+        <p:nvSpPr>
+          <p:cNvPr id="4" name="Slide Number Placeholder 3"/>
+          <p:cNvSpPr>
+            <a:spLocks noGrp="1"/>
+          </p:cNvSpPr>
+          <p:nvPr>
+            <p:ph type="sldNum" sz="quarter" idx="5"/>
+          </p:nvPr>
+        </p:nvSpPr>
+        <p:spPr/>
+        <p:txBody>
+          <a:bodyPr/>
+          <a:lstStyle/>
+          <a:p>
+            <a:fld id="{DF030C05-EF6C-9847-8923-580D76870F8E}" type="slidenum">
+              <a:rPr lang="en-AU" smtClean="0"/>
+              <a:t>15</a:t>
+            </a:fld>
+            <a:endParaRPr lang="en-AU"/>
+          </a:p>
+        </p:txBody>
+      </p:sp>
+    </p:spTree>
+    <p:extLst>
+      <p:ext uri="{BB962C8B-B14F-4D97-AF65-F5344CB8AC3E}">
+        <p14:creationId xmlns:p14="http://schemas.microsoft.com/office/powerpoint/2010/main" val="3903925266"/>
+      </p:ext>
+    </p:extLst>
+  </p:cSld>
+  <p:clrMapOvr>
+    <a:masterClrMapping/>
+  </p:clrMapOvr>
+</p:notes>
+</file>
+
+<file path=ppt/notesSlides/notesSlide16.xml><?xml version="1.0" encoding="utf-8"?>
+<p:notes xmlns:a="http://schemas.openxmlformats.org/drawingml/2006/main" xmlns:r="http://schemas.openxmlformats.org/officeDocument/2006/relationships" xmlns:p="http://schemas.openxmlformats.org/presentationml/2006/main">
+  <p:cSld>
+    <p:spTree>
+      <p:nvGrpSpPr>
+        <p:cNvPr id="1" name=""/>
+        <p:cNvGrpSpPr/>
+        <p:nvPr/>
+      </p:nvGrpSpPr>
+      <p:grpSpPr>
+        <a:xfrm>
+          <a:off x="0" y="0"/>
+          <a:ext cx="0" cy="0"/>
+          <a:chOff x="0" y="0"/>
+          <a:chExt cx="0" cy="0"/>
+        </a:xfrm>
+      </p:grpSpPr>
+      <p:sp>
+        <p:nvSpPr>
+          <p:cNvPr id="2" name="Slide Image Placeholder 1"/>
+          <p:cNvSpPr>
+            <a:spLocks noGrp="1" noRot="1" noChangeAspect="1"/>
+          </p:cNvSpPr>
+          <p:nvPr>
+            <p:ph type="sldImg"/>
+          </p:nvPr>
+        </p:nvSpPr>
+        <p:spPr/>
+      </p:sp>
+      <p:sp>
+        <p:nvSpPr>
+          <p:cNvPr id="3" name="Notes Placeholder 2"/>
+          <p:cNvSpPr>
+            <a:spLocks noGrp="1"/>
+          </p:cNvSpPr>
+          <p:nvPr>
+            <p:ph type="body" idx="1"/>
+          </p:nvPr>
+        </p:nvSpPr>
+        <p:spPr/>
+        <p:txBody>
+          <a:bodyPr/>
+          <a:lstStyle/>
+          <a:p>
+            <a:endParaRPr lang="en-AU"/>
+          </a:p>
+        </p:txBody>
+      </p:sp>
+      <p:sp>
+        <p:nvSpPr>
+          <p:cNvPr id="4" name="Slide Number Placeholder 3"/>
+          <p:cNvSpPr>
+            <a:spLocks noGrp="1"/>
+          </p:cNvSpPr>
+          <p:nvPr>
+            <p:ph type="sldNum" sz="quarter" idx="5"/>
+          </p:nvPr>
+        </p:nvSpPr>
+        <p:spPr/>
+        <p:txBody>
+          <a:bodyPr/>
+          <a:lstStyle/>
+          <a:p>
+            <a:fld id="{DF030C05-EF6C-9847-8923-580D76870F8E}" type="slidenum">
+              <a:rPr lang="en-AU" smtClean="0"/>
+              <a:t>16</a:t>
+            </a:fld>
+            <a:endParaRPr lang="en-AU"/>
+          </a:p>
+        </p:txBody>
+      </p:sp>
+    </p:spTree>
+    <p:extLst>
+      <p:ext uri="{BB962C8B-B14F-4D97-AF65-F5344CB8AC3E}">
+        <p14:creationId xmlns:p14="http://schemas.microsoft.com/office/powerpoint/2010/main" val="3743550590"/>
+      </p:ext>
+    </p:extLst>
+  </p:cSld>
+  <p:clrMapOvr>
+    <a:masterClrMapping/>
+  </p:clrMapOvr>
+</p:notes>
+</file>
+
+<file path=ppt/notesSlides/notesSlide17.xml><?xml version="1.0" encoding="utf-8"?>
+<p:notes xmlns:a="http://schemas.openxmlformats.org/drawingml/2006/main" xmlns:r="http://schemas.openxmlformats.org/officeDocument/2006/relationships" xmlns:p="http://schemas.openxmlformats.org/presentationml/2006/main">
+  <p:cSld>
+    <p:spTree>
+      <p:nvGrpSpPr>
+        <p:cNvPr id="1" name=""/>
+        <p:cNvGrpSpPr/>
+        <p:nvPr/>
+      </p:nvGrpSpPr>
+      <p:grpSpPr>
+        <a:xfrm>
+          <a:off x="0" y="0"/>
+          <a:ext cx="0" cy="0"/>
+          <a:chOff x="0" y="0"/>
+          <a:chExt cx="0" cy="0"/>
+        </a:xfrm>
+      </p:grpSpPr>
+      <p:sp>
+        <p:nvSpPr>
+          <p:cNvPr id="2" name="Slide Image Placeholder 1"/>
+          <p:cNvSpPr>
+            <a:spLocks noGrp="1" noRot="1" noChangeAspect="1"/>
+          </p:cNvSpPr>
+          <p:nvPr>
+            <p:ph type="sldImg"/>
+          </p:nvPr>
+        </p:nvSpPr>
+        <p:spPr/>
+      </p:sp>
+      <p:sp>
+        <p:nvSpPr>
+          <p:cNvPr id="3" name="Notes Placeholder 2"/>
+          <p:cNvSpPr>
+            <a:spLocks noGrp="1"/>
+          </p:cNvSpPr>
+          <p:nvPr>
+            <p:ph type="body" idx="1"/>
+          </p:nvPr>
+        </p:nvSpPr>
+        <p:spPr/>
+        <p:txBody>
+          <a:bodyPr/>
+          <a:lstStyle/>
+          <a:p>
+            <a:endParaRPr lang="en-AU"/>
+          </a:p>
+        </p:txBody>
+      </p:sp>
+      <p:sp>
+        <p:nvSpPr>
+          <p:cNvPr id="4" name="Slide Number Placeholder 3"/>
+          <p:cNvSpPr>
+            <a:spLocks noGrp="1"/>
+          </p:cNvSpPr>
+          <p:nvPr>
+            <p:ph type="sldNum" sz="quarter" idx="5"/>
+          </p:nvPr>
+        </p:nvSpPr>
+        <p:spPr/>
+        <p:txBody>
+          <a:bodyPr/>
+          <a:lstStyle/>
+          <a:p>
+            <a:fld id="{DF030C05-EF6C-9847-8923-580D76870F8E}" type="slidenum">
+              <a:rPr lang="en-AU" smtClean="0"/>
+              <a:t>17</a:t>
+            </a:fld>
+            <a:endParaRPr lang="en-AU"/>
+          </a:p>
+        </p:txBody>
+      </p:sp>
+    </p:spTree>
+    <p:extLst>
+      <p:ext uri="{BB962C8B-B14F-4D97-AF65-F5344CB8AC3E}">
+        <p14:creationId xmlns:p14="http://schemas.microsoft.com/office/powerpoint/2010/main" val="1799135258"/>
+      </p:ext>
+    </p:extLst>
+  </p:cSld>
+  <p:clrMapOvr>
+    <a:masterClrMapping/>
+  </p:clrMapOvr>
+</p:notes>
+</file>
+
+<file path=ppt/notesSlides/notesSlide18.xml><?xml version="1.0" encoding="utf-8"?>
+<p:notes xmlns:a="http://schemas.openxmlformats.org/drawingml/2006/main" xmlns:r="http://schemas.openxmlformats.org/officeDocument/2006/relationships" xmlns:p="http://schemas.openxmlformats.org/presentationml/2006/main">
+  <p:cSld>
+    <p:spTree>
+      <p:nvGrpSpPr>
+        <p:cNvPr id="1" name=""/>
+        <p:cNvGrpSpPr/>
+        <p:nvPr/>
+      </p:nvGrpSpPr>
+      <p:grpSpPr>
+        <a:xfrm>
+          <a:off x="0" y="0"/>
+          <a:ext cx="0" cy="0"/>
+          <a:chOff x="0" y="0"/>
+          <a:chExt cx="0" cy="0"/>
+        </a:xfrm>
+      </p:grpSpPr>
+      <p:sp>
+        <p:nvSpPr>
+          <p:cNvPr id="2" name="Slide Image Placeholder 1"/>
+          <p:cNvSpPr>
+            <a:spLocks noGrp="1" noRot="1" noChangeAspect="1"/>
+          </p:cNvSpPr>
+          <p:nvPr>
+            <p:ph type="sldImg"/>
+          </p:nvPr>
+        </p:nvSpPr>
+        <p:spPr/>
+      </p:sp>
+      <p:sp>
+        <p:nvSpPr>
+          <p:cNvPr id="3" name="Notes Placeholder 2"/>
+          <p:cNvSpPr>
+            <a:spLocks noGrp="1"/>
+          </p:cNvSpPr>
+          <p:nvPr>
+            <p:ph type="body" idx="1"/>
+          </p:nvPr>
+        </p:nvSpPr>
+        <p:spPr/>
+        <p:txBody>
+          <a:bodyPr/>
+          <a:lstStyle/>
+          <a:p>
+            <a:endParaRPr lang="en-AU"/>
+          </a:p>
+        </p:txBody>
+      </p:sp>
+      <p:sp>
+        <p:nvSpPr>
+          <p:cNvPr id="4" name="Slide Number Placeholder 3"/>
+          <p:cNvSpPr>
+            <a:spLocks noGrp="1"/>
+          </p:cNvSpPr>
+          <p:nvPr>
+            <p:ph type="sldNum" sz="quarter" idx="5"/>
+          </p:nvPr>
+        </p:nvSpPr>
+        <p:spPr/>
+        <p:txBody>
+          <a:bodyPr/>
+          <a:lstStyle/>
+          <a:p>
+            <a:fld id="{DF030C05-EF6C-9847-8923-580D76870F8E}" type="slidenum">
+              <a:rPr lang="en-AU" smtClean="0"/>
+              <a:t>18</a:t>
+            </a:fld>
+            <a:endParaRPr lang="en-AU"/>
+          </a:p>
+        </p:txBody>
+      </p:sp>
+    </p:spTree>
+    <p:extLst>
+      <p:ext uri="{BB962C8B-B14F-4D97-AF65-F5344CB8AC3E}">
+        <p14:creationId xmlns:p14="http://schemas.microsoft.com/office/powerpoint/2010/main" val="1550845461"/>
+      </p:ext>
+    </p:extLst>
+  </p:cSld>
+  <p:clrMapOvr>
+    <a:masterClrMapping/>
+  </p:clrMapOvr>
+</p:notes>
+</file>
+
+<file path=ppt/notesSlides/notesSlide19.xml><?xml version="1.0" encoding="utf-8"?>
+<p:notes xmlns:a="http://schemas.openxmlformats.org/drawingml/2006/main" xmlns:r="http://schemas.openxmlformats.org/officeDocument/2006/relationships" xmlns:p="http://schemas.openxmlformats.org/presentationml/2006/main">
+  <p:cSld>
+    <p:spTree>
+      <p:nvGrpSpPr>
+        <p:cNvPr id="1" name=""/>
+        <p:cNvGrpSpPr/>
+        <p:nvPr/>
+      </p:nvGrpSpPr>
+      <p:grpSpPr>
+        <a:xfrm>
+          <a:off x="0" y="0"/>
+          <a:ext cx="0" cy="0"/>
+          <a:chOff x="0" y="0"/>
+          <a:chExt cx="0" cy="0"/>
+        </a:xfrm>
+      </p:grpSpPr>
+      <p:sp>
+        <p:nvSpPr>
+          <p:cNvPr id="2" name="Slide Image Placeholder 1"/>
+          <p:cNvSpPr>
+            <a:spLocks noGrp="1" noRot="1" noChangeAspect="1"/>
+          </p:cNvSpPr>
+          <p:nvPr>
+            <p:ph type="sldImg"/>
+          </p:nvPr>
+        </p:nvSpPr>
+        <p:spPr/>
+      </p:sp>
+      <p:sp>
+        <p:nvSpPr>
+          <p:cNvPr id="3" name="Notes Placeholder 2"/>
+          <p:cNvSpPr>
+            <a:spLocks noGrp="1"/>
+          </p:cNvSpPr>
+          <p:nvPr>
+            <p:ph type="body" idx="1"/>
+          </p:nvPr>
+        </p:nvSpPr>
+        <p:spPr/>
+        <p:txBody>
+          <a:bodyPr/>
+          <a:lstStyle/>
+          <a:p>
+            <a:endParaRPr lang="en-AU"/>
+          </a:p>
+        </p:txBody>
+      </p:sp>
+      <p:sp>
+        <p:nvSpPr>
+          <p:cNvPr id="4" name="Slide Number Placeholder 3"/>
+          <p:cNvSpPr>
+            <a:spLocks noGrp="1"/>
+          </p:cNvSpPr>
+          <p:nvPr>
+            <p:ph type="sldNum" sz="quarter" idx="5"/>
+          </p:nvPr>
+        </p:nvSpPr>
+        <p:spPr/>
+        <p:txBody>
+          <a:bodyPr/>
+          <a:lstStyle/>
+          <a:p>
+            <a:fld id="{DF030C05-EF6C-9847-8923-580D76870F8E}" type="slidenum">
+              <a:rPr lang="en-AU" smtClean="0"/>
+              <a:t>19</a:t>
+            </a:fld>
+            <a:endParaRPr lang="en-AU"/>
+          </a:p>
+        </p:txBody>
+      </p:sp>
+    </p:spTree>
+    <p:extLst>
+      <p:ext uri="{BB962C8B-B14F-4D97-AF65-F5344CB8AC3E}">
+        <p14:creationId xmlns:p14="http://schemas.microsoft.com/office/powerpoint/2010/main" val="2650671941"/>
+      </p:ext>
+    </p:extLst>
+  </p:cSld>
+  <p:clrMapOvr>
+    <a:masterClrMapping/>
+  </p:clrMapOvr>
+</p:notes>
+</file>
+
+<file path=ppt/notesSlides/notesSlide2.xml><?xml version="1.0" encoding="utf-8"?>
+<p:notes xmlns:a="http://schemas.openxmlformats.org/drawingml/2006/main" xmlns:r="http://schemas.openxmlformats.org/officeDocument/2006/relationships" xmlns:p="http://schemas.openxmlformats.org/presentationml/2006/main">
+  <p:cSld>
+    <p:spTree>
+      <p:nvGrpSpPr>
+        <p:cNvPr id="1" name=""/>
+        <p:cNvGrpSpPr/>
+        <p:nvPr/>
+      </p:nvGrpSpPr>
+      <p:grpSpPr>
+        <a:xfrm>
+          <a:off x="0" y="0"/>
+          <a:ext cx="0" cy="0"/>
+          <a:chOff x="0" y="0"/>
+          <a:chExt cx="0" cy="0"/>
+        </a:xfrm>
+      </p:grpSpPr>
+      <p:sp>
+        <p:nvSpPr>
+          <p:cNvPr id="2" name="Slide Image Placeholder 1"/>
+          <p:cNvSpPr>
+            <a:spLocks noGrp="1" noRot="1" noChangeAspect="1"/>
+          </p:cNvSpPr>
+          <p:nvPr>
+            <p:ph type="sldImg"/>
+          </p:nvPr>
+        </p:nvSpPr>
+        <p:spPr/>
+      </p:sp>
+      <p:sp>
+        <p:nvSpPr>
+          <p:cNvPr id="3" name="Notes Placeholder 2"/>
+          <p:cNvSpPr>
+            <a:spLocks noGrp="1"/>
+          </p:cNvSpPr>
+          <p:nvPr>
+            <p:ph type="body" idx="1"/>
+          </p:nvPr>
+        </p:nvSpPr>
+        <p:spPr/>
+        <p:txBody>
+          <a:bodyPr/>
+          <a:lstStyle/>
+          <a:p>
+            <a:endParaRPr lang="en-AU"/>
+          </a:p>
+        </p:txBody>
+      </p:sp>
+      <p:sp>
+        <p:nvSpPr>
+          <p:cNvPr id="4" name="Slide Number Placeholder 3"/>
+          <p:cNvSpPr>
+            <a:spLocks noGrp="1"/>
+          </p:cNvSpPr>
+          <p:nvPr>
+            <p:ph type="sldNum" sz="quarter" idx="5"/>
+          </p:nvPr>
+        </p:nvSpPr>
+        <p:spPr/>
+        <p:txBody>
+          <a:bodyPr/>
+          <a:lstStyle/>
+          <a:p>
+            <a:fld id="{DF030C05-EF6C-9847-8923-580D76870F8E}" type="slidenum">
+              <a:rPr lang="en-AU" smtClean="0"/>
+              <a:t>2</a:t>
+            </a:fld>
+            <a:endParaRPr lang="en-AU"/>
+          </a:p>
+        </p:txBody>
+      </p:sp>
+    </p:spTree>
+    <p:extLst>
+      <p:ext uri="{BB962C8B-B14F-4D97-AF65-F5344CB8AC3E}">
+        <p14:creationId xmlns:p14="http://schemas.microsoft.com/office/powerpoint/2010/main" val="3028024225"/>
+      </p:ext>
+    </p:extLst>
+  </p:cSld>
+  <p:clrMapOvr>
+    <a:masterClrMapping/>
+  </p:clrMapOvr>
+</p:notes>
+</file>
+
+<file path=ppt/notesSlides/notesSlide20.xml><?xml version="1.0" encoding="utf-8"?>
+<p:notes xmlns:a="http://schemas.openxmlformats.org/drawingml/2006/main" xmlns:r="http://schemas.openxmlformats.org/officeDocument/2006/relationships" xmlns:p="http://schemas.openxmlformats.org/presentationml/2006/main">
+  <p:cSld>
+    <p:spTree>
+      <p:nvGrpSpPr>
+        <p:cNvPr id="1" name=""/>
+        <p:cNvGrpSpPr/>
+        <p:nvPr/>
+      </p:nvGrpSpPr>
+      <p:grpSpPr>
+        <a:xfrm>
+          <a:off x="0" y="0"/>
+          <a:ext cx="0" cy="0"/>
+          <a:chOff x="0" y="0"/>
+          <a:chExt cx="0" cy="0"/>
+        </a:xfrm>
+      </p:grpSpPr>
+      <p:sp>
+        <p:nvSpPr>
+          <p:cNvPr id="2" name="Slide Image Placeholder 1"/>
+          <p:cNvSpPr>
+            <a:spLocks noGrp="1" noRot="1" noChangeAspect="1"/>
+          </p:cNvSpPr>
+          <p:nvPr>
+            <p:ph type="sldImg"/>
+          </p:nvPr>
+        </p:nvSpPr>
+        <p:spPr/>
+      </p:sp>
+      <p:sp>
+        <p:nvSpPr>
+          <p:cNvPr id="3" name="Notes Placeholder 2"/>
+          <p:cNvSpPr>
+            <a:spLocks noGrp="1"/>
+          </p:cNvSpPr>
+          <p:nvPr>
+            <p:ph type="body" idx="1"/>
+          </p:nvPr>
+        </p:nvSpPr>
+        <p:spPr/>
+        <p:txBody>
+          <a:bodyPr/>
+          <a:lstStyle/>
+          <a:p>
+            <a:endParaRPr lang="en-AU"/>
+          </a:p>
+        </p:txBody>
+      </p:sp>
+      <p:sp>
+        <p:nvSpPr>
+          <p:cNvPr id="4" name="Slide Number Placeholder 3"/>
+          <p:cNvSpPr>
+            <a:spLocks noGrp="1"/>
+          </p:cNvSpPr>
+          <p:nvPr>
+            <p:ph type="sldNum" sz="quarter" idx="5"/>
+          </p:nvPr>
+        </p:nvSpPr>
+        <p:spPr/>
+        <p:txBody>
+          <a:bodyPr/>
+          <a:lstStyle/>
+          <a:p>
+            <a:fld id="{DF030C05-EF6C-9847-8923-580D76870F8E}" type="slidenum">
+              <a:rPr lang="en-AU" smtClean="0"/>
+              <a:t>20</a:t>
+            </a:fld>
+            <a:endParaRPr lang="en-AU"/>
+          </a:p>
+        </p:txBody>
+      </p:sp>
+    </p:spTree>
+    <p:extLst>
+      <p:ext uri="{BB962C8B-B14F-4D97-AF65-F5344CB8AC3E}">
+        <p14:creationId xmlns:p14="http://schemas.microsoft.com/office/powerpoint/2010/main" val="4164916719"/>
+      </p:ext>
+    </p:extLst>
+  </p:cSld>
+  <p:clrMapOvr>
+    <a:masterClrMapping/>
+  </p:clrMapOvr>
+</p:notes>
+</file>
+
+<file path=ppt/notesSlides/notesSlide21.xml><?xml version="1.0" encoding="utf-8"?>
+<p:notes xmlns:a="http://schemas.openxmlformats.org/drawingml/2006/main" xmlns:r="http://schemas.openxmlformats.org/officeDocument/2006/relationships" xmlns:p="http://schemas.openxmlformats.org/presentationml/2006/main">
+  <p:cSld>
+    <p:spTree>
+      <p:nvGrpSpPr>
+        <p:cNvPr id="1" name=""/>
+        <p:cNvGrpSpPr/>
+        <p:nvPr/>
+      </p:nvGrpSpPr>
+      <p:grpSpPr>
+        <a:xfrm>
+          <a:off x="0" y="0"/>
+          <a:ext cx="0" cy="0"/>
+          <a:chOff x="0" y="0"/>
+          <a:chExt cx="0" cy="0"/>
+        </a:xfrm>
+      </p:grpSpPr>
+      <p:sp>
+        <p:nvSpPr>
+          <p:cNvPr id="2" name="Slide Image Placeholder 1"/>
+          <p:cNvSpPr>
+            <a:spLocks noGrp="1" noRot="1" noChangeAspect="1"/>
+          </p:cNvSpPr>
+          <p:nvPr>
+            <p:ph type="sldImg"/>
+          </p:nvPr>
+        </p:nvSpPr>
+        <p:spPr/>
+      </p:sp>
+      <p:sp>
+        <p:nvSpPr>
+          <p:cNvPr id="3" name="Notes Placeholder 2"/>
+          <p:cNvSpPr>
+            <a:spLocks noGrp="1"/>
+          </p:cNvSpPr>
+          <p:nvPr>
+            <p:ph type="body" idx="1"/>
+          </p:nvPr>
+        </p:nvSpPr>
+        <p:spPr/>
+        <p:txBody>
+          <a:bodyPr/>
+          <a:lstStyle/>
+          <a:p>
+            <a:endParaRPr lang="en-AU"/>
+          </a:p>
+        </p:txBody>
+      </p:sp>
+      <p:sp>
+        <p:nvSpPr>
+          <p:cNvPr id="4" name="Slide Number Placeholder 3"/>
+          <p:cNvSpPr>
+            <a:spLocks noGrp="1"/>
+          </p:cNvSpPr>
+          <p:nvPr>
+            <p:ph type="sldNum" sz="quarter" idx="5"/>
+          </p:nvPr>
+        </p:nvSpPr>
+        <p:spPr/>
+        <p:txBody>
+          <a:bodyPr/>
+          <a:lstStyle/>
+          <a:p>
+            <a:fld id="{DF030C05-EF6C-9847-8923-580D76870F8E}" type="slidenum">
+              <a:rPr lang="en-AU" smtClean="0"/>
+              <a:t>21</a:t>
+            </a:fld>
+            <a:endParaRPr lang="en-AU"/>
+          </a:p>
+        </p:txBody>
+      </p:sp>
+    </p:spTree>
+    <p:extLst>
+      <p:ext uri="{BB962C8B-B14F-4D97-AF65-F5344CB8AC3E}">
+        <p14:creationId xmlns:p14="http://schemas.microsoft.com/office/powerpoint/2010/main" val="818747615"/>
+      </p:ext>
+    </p:extLst>
+  </p:cSld>
+  <p:clrMapOvr>
+    <a:masterClrMapping/>
+  </p:clrMapOvr>
+</p:notes>
+</file>
+
+<file path=ppt/notesSlides/notesSlide22.xml><?xml version="1.0" encoding="utf-8"?>
+<p:notes xmlns:a="http://schemas.openxmlformats.org/drawingml/2006/main" xmlns:r="http://schemas.openxmlformats.org/officeDocument/2006/relationships" xmlns:p="http://schemas.openxmlformats.org/presentationml/2006/main">
+  <p:cSld>
+    <p:spTree>
+      <p:nvGrpSpPr>
+        <p:cNvPr id="1" name=""/>
+        <p:cNvGrpSpPr/>
+        <p:nvPr/>
+      </p:nvGrpSpPr>
+      <p:grpSpPr>
+        <a:xfrm>
+          <a:off x="0" y="0"/>
+          <a:ext cx="0" cy="0"/>
+          <a:chOff x="0" y="0"/>
+          <a:chExt cx="0" cy="0"/>
+        </a:xfrm>
+      </p:grpSpPr>
+      <p:sp>
+        <p:nvSpPr>
+          <p:cNvPr id="2" name="Slide Image Placeholder 1"/>
+          <p:cNvSpPr>
+            <a:spLocks noGrp="1" noRot="1" noChangeAspect="1"/>
+          </p:cNvSpPr>
+          <p:nvPr>
+            <p:ph type="sldImg"/>
+          </p:nvPr>
+        </p:nvSpPr>
+        <p:spPr/>
+      </p:sp>
+      <p:sp>
+        <p:nvSpPr>
+          <p:cNvPr id="3" name="Notes Placeholder 2"/>
+          <p:cNvSpPr>
+            <a:spLocks noGrp="1"/>
+          </p:cNvSpPr>
+          <p:nvPr>
+            <p:ph type="body" idx="1"/>
+          </p:nvPr>
+        </p:nvSpPr>
+        <p:spPr/>
+        <p:txBody>
+          <a:bodyPr/>
+          <a:lstStyle/>
+          <a:p>
+            <a:endParaRPr lang="en-AU"/>
+          </a:p>
+        </p:txBody>
+      </p:sp>
+      <p:sp>
+        <p:nvSpPr>
+          <p:cNvPr id="4" name="Slide Number Placeholder 3"/>
+          <p:cNvSpPr>
+            <a:spLocks noGrp="1"/>
+          </p:cNvSpPr>
+          <p:nvPr>
+            <p:ph type="sldNum" sz="quarter" idx="5"/>
+          </p:nvPr>
+        </p:nvSpPr>
+        <p:spPr/>
+        <p:txBody>
+          <a:bodyPr/>
+          <a:lstStyle/>
+          <a:p>
+            <a:fld id="{DF030C05-EF6C-9847-8923-580D76870F8E}" type="slidenum">
+              <a:rPr lang="en-AU" smtClean="0"/>
+              <a:t>22</a:t>
+            </a:fld>
+            <a:endParaRPr lang="en-AU"/>
+          </a:p>
+        </p:txBody>
+      </p:sp>
+    </p:spTree>
+    <p:extLst>
+      <p:ext uri="{BB962C8B-B14F-4D97-AF65-F5344CB8AC3E}">
+        <p14:creationId xmlns:p14="http://schemas.microsoft.com/office/powerpoint/2010/main" val="421067227"/>
+      </p:ext>
+    </p:extLst>
+  </p:cSld>
+  <p:clrMapOvr>
+    <a:masterClrMapping/>
+  </p:clrMapOvr>
+</p:notes>
+</file>
+
+<file path=ppt/notesSlides/notesSlide23.xml><?xml version="1.0" encoding="utf-8"?>
+<p:notes xmlns:a="http://schemas.openxmlformats.org/drawingml/2006/main" xmlns:r="http://schemas.openxmlformats.org/officeDocument/2006/relationships" xmlns:p="http://schemas.openxmlformats.org/presentationml/2006/main">
+  <p:cSld>
+    <p:spTree>
+      <p:nvGrpSpPr>
+        <p:cNvPr id="1" name=""/>
+        <p:cNvGrpSpPr/>
+        <p:nvPr/>
+      </p:nvGrpSpPr>
+      <p:grpSpPr>
+        <a:xfrm>
+          <a:off x="0" y="0"/>
+          <a:ext cx="0" cy="0"/>
+          <a:chOff x="0" y="0"/>
+          <a:chExt cx="0" cy="0"/>
+        </a:xfrm>
+      </p:grpSpPr>
+      <p:sp>
+        <p:nvSpPr>
+          <p:cNvPr id="2" name="Slide Image Placeholder 1"/>
+          <p:cNvSpPr>
+            <a:spLocks noGrp="1" noRot="1" noChangeAspect="1"/>
+          </p:cNvSpPr>
+          <p:nvPr>
+            <p:ph type="sldImg"/>
+          </p:nvPr>
+        </p:nvSpPr>
+        <p:spPr/>
+      </p:sp>
+      <p:sp>
+        <p:nvSpPr>
+          <p:cNvPr id="3" name="Notes Placeholder 2"/>
+          <p:cNvSpPr>
+            <a:spLocks noGrp="1"/>
+          </p:cNvSpPr>
+          <p:nvPr>
+            <p:ph type="body" idx="1"/>
+          </p:nvPr>
+        </p:nvSpPr>
+        <p:spPr/>
+        <p:txBody>
+          <a:bodyPr/>
+          <a:lstStyle/>
+          <a:p>
+            <a:endParaRPr lang="en-AU"/>
+          </a:p>
+        </p:txBody>
+      </p:sp>
+      <p:sp>
+        <p:nvSpPr>
+          <p:cNvPr id="4" name="Slide Number Placeholder 3"/>
+          <p:cNvSpPr>
+            <a:spLocks noGrp="1"/>
+          </p:cNvSpPr>
+          <p:nvPr>
+            <p:ph type="sldNum" sz="quarter" idx="5"/>
+          </p:nvPr>
+        </p:nvSpPr>
+        <p:spPr/>
+        <p:txBody>
+          <a:bodyPr/>
+          <a:lstStyle/>
+          <a:p>
+            <a:fld id="{DF030C05-EF6C-9847-8923-580D76870F8E}" type="slidenum">
+              <a:rPr lang="en-AU" smtClean="0"/>
+              <a:t>23</a:t>
+            </a:fld>
+            <a:endParaRPr lang="en-AU"/>
+          </a:p>
+        </p:txBody>
+      </p:sp>
+    </p:spTree>
+    <p:extLst>
+      <p:ext uri="{BB962C8B-B14F-4D97-AF65-F5344CB8AC3E}">
+        <p14:creationId xmlns:p14="http://schemas.microsoft.com/office/powerpoint/2010/main" val="863644059"/>
+      </p:ext>
+    </p:extLst>
+  </p:cSld>
+  <p:clrMapOvr>
+    <a:masterClrMapping/>
+  </p:clrMapOvr>
+</p:notes>
+</file>
+
+<file path=ppt/notesSlides/notesSlide24.xml><?xml version="1.0" encoding="utf-8"?>
+<p:notes xmlns:a="http://schemas.openxmlformats.org/drawingml/2006/main" xmlns:r="http://schemas.openxmlformats.org/officeDocument/2006/relationships" xmlns:p="http://schemas.openxmlformats.org/presentationml/2006/main">
+  <p:cSld>
+    <p:spTree>
+      <p:nvGrpSpPr>
+        <p:cNvPr id="1" name=""/>
+        <p:cNvGrpSpPr/>
+        <p:nvPr/>
+      </p:nvGrpSpPr>
+      <p:grpSpPr>
+        <a:xfrm>
+          <a:off x="0" y="0"/>
+          <a:ext cx="0" cy="0"/>
+          <a:chOff x="0" y="0"/>
+          <a:chExt cx="0" cy="0"/>
+        </a:xfrm>
+      </p:grpSpPr>
+      <p:sp>
+        <p:nvSpPr>
+          <p:cNvPr id="2" name="Slide Image Placeholder 1"/>
+          <p:cNvSpPr>
+            <a:spLocks noGrp="1" noRot="1" noChangeAspect="1"/>
+          </p:cNvSpPr>
+          <p:nvPr>
+            <p:ph type="sldImg"/>
+          </p:nvPr>
+        </p:nvSpPr>
+        <p:spPr/>
+      </p:sp>
+      <p:sp>
+        <p:nvSpPr>
+          <p:cNvPr id="3" name="Notes Placeholder 2"/>
+          <p:cNvSpPr>
+            <a:spLocks noGrp="1"/>
+          </p:cNvSpPr>
+          <p:nvPr>
+            <p:ph type="body" idx="1"/>
+          </p:nvPr>
+        </p:nvSpPr>
+        <p:spPr/>
+        <p:txBody>
+          <a:bodyPr/>
+          <a:lstStyle/>
+          <a:p>
+            <a:endParaRPr lang="en-AU"/>
+          </a:p>
+        </p:txBody>
+      </p:sp>
+      <p:sp>
+        <p:nvSpPr>
+          <p:cNvPr id="4" name="Slide Number Placeholder 3"/>
+          <p:cNvSpPr>
+            <a:spLocks noGrp="1"/>
+          </p:cNvSpPr>
+          <p:nvPr>
+            <p:ph type="sldNum" sz="quarter" idx="5"/>
+          </p:nvPr>
+        </p:nvSpPr>
+        <p:spPr/>
+        <p:txBody>
+          <a:bodyPr/>
+          <a:lstStyle/>
+          <a:p>
+            <a:fld id="{DF030C05-EF6C-9847-8923-580D76870F8E}" type="slidenum">
+              <a:rPr lang="en-AU" smtClean="0"/>
+              <a:t>24</a:t>
+            </a:fld>
+            <a:endParaRPr lang="en-AU"/>
+          </a:p>
+        </p:txBody>
+      </p:sp>
+    </p:spTree>
+    <p:extLst>
+      <p:ext uri="{BB962C8B-B14F-4D97-AF65-F5344CB8AC3E}">
+        <p14:creationId xmlns:p14="http://schemas.microsoft.com/office/powerpoint/2010/main" val="2287522455"/>
+      </p:ext>
+    </p:extLst>
+  </p:cSld>
+  <p:clrMapOvr>
+    <a:masterClrMapping/>
+  </p:clrMapOvr>
+</p:notes>
+</file>
+
+<file path=ppt/notesSlides/notesSlide25.xml><?xml version="1.0" encoding="utf-8"?>
+<p:notes xmlns:a="http://schemas.openxmlformats.org/drawingml/2006/main" xmlns:r="http://schemas.openxmlformats.org/officeDocument/2006/relationships" xmlns:p="http://schemas.openxmlformats.org/presentationml/2006/main">
+  <p:cSld>
+    <p:spTree>
+      <p:nvGrpSpPr>
+        <p:cNvPr id="1" name=""/>
+        <p:cNvGrpSpPr/>
+        <p:nvPr/>
+      </p:nvGrpSpPr>
+      <p:grpSpPr>
+        <a:xfrm>
+          <a:off x="0" y="0"/>
+          <a:ext cx="0" cy="0"/>
+          <a:chOff x="0" y="0"/>
+          <a:chExt cx="0" cy="0"/>
+        </a:xfrm>
+      </p:grpSpPr>
+      <p:sp>
+        <p:nvSpPr>
+          <p:cNvPr id="2" name="Slide Image Placeholder 1"/>
+          <p:cNvSpPr>
+            <a:spLocks noGrp="1" noRot="1" noChangeAspect="1"/>
+          </p:cNvSpPr>
+          <p:nvPr>
+            <p:ph type="sldImg"/>
+          </p:nvPr>
+        </p:nvSpPr>
+        <p:spPr/>
+      </p:sp>
+      <p:sp>
+        <p:nvSpPr>
+          <p:cNvPr id="3" name="Notes Placeholder 2"/>
+          <p:cNvSpPr>
+            <a:spLocks noGrp="1"/>
+          </p:cNvSpPr>
+          <p:nvPr>
+            <p:ph type="body" idx="1"/>
+          </p:nvPr>
+        </p:nvSpPr>
+        <p:spPr/>
+        <p:txBody>
+          <a:bodyPr/>
+          <a:lstStyle/>
+          <a:p>
+            <a:endParaRPr lang="en-AU"/>
+          </a:p>
+        </p:txBody>
+      </p:sp>
+      <p:sp>
+        <p:nvSpPr>
+          <p:cNvPr id="4" name="Slide Number Placeholder 3"/>
+          <p:cNvSpPr>
+            <a:spLocks noGrp="1"/>
+          </p:cNvSpPr>
+          <p:nvPr>
+            <p:ph type="sldNum" sz="quarter" idx="5"/>
+          </p:nvPr>
+        </p:nvSpPr>
+        <p:spPr/>
+        <p:txBody>
+          <a:bodyPr/>
+          <a:lstStyle/>
+          <a:p>
+            <a:fld id="{DF030C05-EF6C-9847-8923-580D76870F8E}" type="slidenum">
+              <a:rPr lang="en-AU" smtClean="0"/>
+              <a:t>25</a:t>
+            </a:fld>
+            <a:endParaRPr lang="en-AU"/>
+          </a:p>
+        </p:txBody>
+      </p:sp>
+    </p:spTree>
+    <p:extLst>
+      <p:ext uri="{BB962C8B-B14F-4D97-AF65-F5344CB8AC3E}">
+        <p14:creationId xmlns:p14="http://schemas.microsoft.com/office/powerpoint/2010/main" val="2387210987"/>
+      </p:ext>
+    </p:extLst>
+  </p:cSld>
+  <p:clrMapOvr>
+    <a:masterClrMapping/>
+  </p:clrMapOvr>
+</p:notes>
+</file>
+
+<file path=ppt/notesSlides/notesSlide3.xml><?xml version="1.0" encoding="utf-8"?>
+<p:notes xmlns:a="http://schemas.openxmlformats.org/drawingml/2006/main" xmlns:r="http://schemas.openxmlformats.org/officeDocument/2006/relationships" xmlns:p="http://schemas.openxmlformats.org/presentationml/2006/main">
+  <p:cSld>
+    <p:spTree>
+      <p:nvGrpSpPr>
+        <p:cNvPr id="1" name=""/>
+        <p:cNvGrpSpPr/>
+        <p:nvPr/>
+      </p:nvGrpSpPr>
+      <p:grpSpPr>
+        <a:xfrm>
+          <a:off x="0" y="0"/>
+          <a:ext cx="0" cy="0"/>
+          <a:chOff x="0" y="0"/>
+          <a:chExt cx="0" cy="0"/>
+        </a:xfrm>
+      </p:grpSpPr>
+      <p:sp>
+        <p:nvSpPr>
+          <p:cNvPr id="2" name="Slide Image Placeholder 1"/>
+          <p:cNvSpPr>
+            <a:spLocks noGrp="1" noRot="1" noChangeAspect="1"/>
+          </p:cNvSpPr>
+          <p:nvPr>
+            <p:ph type="sldImg"/>
+          </p:nvPr>
+        </p:nvSpPr>
+        <p:spPr/>
+      </p:sp>
+      <p:sp>
+        <p:nvSpPr>
+          <p:cNvPr id="3" name="Notes Placeholder 2"/>
+          <p:cNvSpPr>
+            <a:spLocks noGrp="1"/>
+          </p:cNvSpPr>
+          <p:nvPr>
+            <p:ph type="body" idx="1"/>
+          </p:nvPr>
+        </p:nvSpPr>
+        <p:spPr/>
+        <p:txBody>
+          <a:bodyPr/>
+          <a:lstStyle/>
+          <a:p>
+            <a:endParaRPr lang="en-AU"/>
+          </a:p>
+        </p:txBody>
+      </p:sp>
+      <p:sp>
+        <p:nvSpPr>
+          <p:cNvPr id="4" name="Slide Number Placeholder 3"/>
+          <p:cNvSpPr>
+            <a:spLocks noGrp="1"/>
+          </p:cNvSpPr>
+          <p:nvPr>
+            <p:ph type="sldNum" sz="quarter" idx="5"/>
+          </p:nvPr>
+        </p:nvSpPr>
+        <p:spPr/>
+        <p:txBody>
+          <a:bodyPr/>
+          <a:lstStyle/>
+          <a:p>
+            <a:fld id="{DF030C05-EF6C-9847-8923-580D76870F8E}" type="slidenum">
+              <a:rPr lang="en-AU" smtClean="0"/>
+              <a:t>3</a:t>
+            </a:fld>
+            <a:endParaRPr lang="en-AU"/>
+          </a:p>
+        </p:txBody>
+      </p:sp>
+    </p:spTree>
+    <p:extLst>
+      <p:ext uri="{BB962C8B-B14F-4D97-AF65-F5344CB8AC3E}">
+        <p14:creationId xmlns:p14="http://schemas.microsoft.com/office/powerpoint/2010/main" val="2168103013"/>
+      </p:ext>
+    </p:extLst>
+  </p:cSld>
+  <p:clrMapOvr>
+    <a:masterClrMapping/>
+  </p:clrMapOvr>
+</p:notes>
+</file>
+
+<file path=ppt/notesSlides/notesSlide4.xml><?xml version="1.0" encoding="utf-8"?>
+<p:notes xmlns:a="http://schemas.openxmlformats.org/drawingml/2006/main" xmlns:r="http://schemas.openxmlformats.org/officeDocument/2006/relationships" xmlns:p="http://schemas.openxmlformats.org/presentationml/2006/main">
+  <p:cSld>
+    <p:spTree>
+      <p:nvGrpSpPr>
+        <p:cNvPr id="1" name=""/>
+        <p:cNvGrpSpPr/>
+        <p:nvPr/>
+      </p:nvGrpSpPr>
+      <p:grpSpPr>
+        <a:xfrm>
+          <a:off x="0" y="0"/>
+          <a:ext cx="0" cy="0"/>
+          <a:chOff x="0" y="0"/>
+          <a:chExt cx="0" cy="0"/>
+        </a:xfrm>
+      </p:grpSpPr>
+      <p:sp>
+        <p:nvSpPr>
+          <p:cNvPr id="2" name="Slide Image Placeholder 1"/>
+          <p:cNvSpPr>
+            <a:spLocks noGrp="1" noRot="1" noChangeAspect="1"/>
+          </p:cNvSpPr>
+          <p:nvPr>
+            <p:ph type="sldImg"/>
+          </p:nvPr>
+        </p:nvSpPr>
+        <p:spPr/>
+      </p:sp>
+      <p:sp>
+        <p:nvSpPr>
+          <p:cNvPr id="3" name="Notes Placeholder 2"/>
+          <p:cNvSpPr>
+            <a:spLocks noGrp="1"/>
+          </p:cNvSpPr>
+          <p:nvPr>
+            <p:ph type="body" idx="1"/>
+          </p:nvPr>
+        </p:nvSpPr>
+        <p:spPr/>
+        <p:txBody>
+          <a:bodyPr/>
+          <a:lstStyle/>
+          <a:p>
+            <a:endParaRPr lang="en-AU"/>
+          </a:p>
+        </p:txBody>
+      </p:sp>
+      <p:sp>
+        <p:nvSpPr>
+          <p:cNvPr id="4" name="Slide Number Placeholder 3"/>
+          <p:cNvSpPr>
+            <a:spLocks noGrp="1"/>
+          </p:cNvSpPr>
+          <p:nvPr>
+            <p:ph type="sldNum" sz="quarter" idx="5"/>
+          </p:nvPr>
+        </p:nvSpPr>
+        <p:spPr/>
+        <p:txBody>
+          <a:bodyPr/>
+          <a:lstStyle/>
+          <a:p>
+            <a:fld id="{DF030C05-EF6C-9847-8923-580D76870F8E}" type="slidenum">
+              <a:rPr lang="en-AU" smtClean="0"/>
+              <a:t>4</a:t>
+            </a:fld>
+            <a:endParaRPr lang="en-AU"/>
+          </a:p>
+        </p:txBody>
+      </p:sp>
+    </p:spTree>
+    <p:extLst>
+      <p:ext uri="{BB962C8B-B14F-4D97-AF65-F5344CB8AC3E}">
+        <p14:creationId xmlns:p14="http://schemas.microsoft.com/office/powerpoint/2010/main" val="730343057"/>
+      </p:ext>
+    </p:extLst>
+  </p:cSld>
+  <p:clrMapOvr>
+    <a:masterClrMapping/>
+  </p:clrMapOvr>
+</p:notes>
+</file>
+
+<file path=ppt/notesSlides/notesSlide5.xml><?xml version="1.0" encoding="utf-8"?>
+<p:notes xmlns:a="http://schemas.openxmlformats.org/drawingml/2006/main" xmlns:r="http://schemas.openxmlformats.org/officeDocument/2006/relationships" xmlns:p="http://schemas.openxmlformats.org/presentationml/2006/main">
+  <p:cSld>
+    <p:spTree>
+      <p:nvGrpSpPr>
+        <p:cNvPr id="1" name=""/>
+        <p:cNvGrpSpPr/>
+        <p:nvPr/>
+      </p:nvGrpSpPr>
+      <p:grpSpPr>
+        <a:xfrm>
+          <a:off x="0" y="0"/>
+          <a:ext cx="0" cy="0"/>
+          <a:chOff x="0" y="0"/>
+          <a:chExt cx="0" cy="0"/>
+        </a:xfrm>
+      </p:grpSpPr>
+      <p:sp>
+        <p:nvSpPr>
+          <p:cNvPr id="2" name="Slide Image Placeholder 1"/>
+          <p:cNvSpPr>
+            <a:spLocks noGrp="1" noRot="1" noChangeAspect="1"/>
+          </p:cNvSpPr>
+          <p:nvPr>
+            <p:ph type="sldImg"/>
+          </p:nvPr>
+        </p:nvSpPr>
+        <p:spPr/>
+      </p:sp>
+      <p:sp>
+        <p:nvSpPr>
+          <p:cNvPr id="3" name="Notes Placeholder 2"/>
+          <p:cNvSpPr>
+            <a:spLocks noGrp="1"/>
+          </p:cNvSpPr>
+          <p:nvPr>
+            <p:ph type="body" idx="1"/>
+          </p:nvPr>
+        </p:nvSpPr>
+        <p:spPr/>
+        <p:txBody>
+          <a:bodyPr/>
+          <a:lstStyle/>
+          <a:p>
+            <a:endParaRPr lang="en-AU"/>
+          </a:p>
+        </p:txBody>
+      </p:sp>
+      <p:sp>
+        <p:nvSpPr>
+          <p:cNvPr id="4" name="Slide Number Placeholder 3"/>
+          <p:cNvSpPr>
+            <a:spLocks noGrp="1"/>
+          </p:cNvSpPr>
+          <p:nvPr>
+            <p:ph type="sldNum" sz="quarter" idx="5"/>
+          </p:nvPr>
+        </p:nvSpPr>
+        <p:spPr/>
+        <p:txBody>
+          <a:bodyPr/>
+          <a:lstStyle/>
+          <a:p>
+            <a:fld id="{DF030C05-EF6C-9847-8923-580D76870F8E}" type="slidenum">
+              <a:rPr lang="en-AU" smtClean="0"/>
+              <a:t>5</a:t>
+            </a:fld>
+            <a:endParaRPr lang="en-AU"/>
+          </a:p>
+        </p:txBody>
+      </p:sp>
+    </p:spTree>
+    <p:extLst>
+      <p:ext uri="{BB962C8B-B14F-4D97-AF65-F5344CB8AC3E}">
+        <p14:creationId xmlns:p14="http://schemas.microsoft.com/office/powerpoint/2010/main" val="3210602284"/>
+      </p:ext>
+    </p:extLst>
+  </p:cSld>
+  <p:clrMapOvr>
+    <a:masterClrMapping/>
+  </p:clrMapOvr>
+</p:notes>
+</file>
+
+<file path=ppt/notesSlides/notesSlide6.xml><?xml version="1.0" encoding="utf-8"?>
+<p:notes xmlns:a="http://schemas.openxmlformats.org/drawingml/2006/main" xmlns:r="http://schemas.openxmlformats.org/officeDocument/2006/relationships" xmlns:p="http://schemas.openxmlformats.org/presentationml/2006/main">
+  <p:cSld>
+    <p:spTree>
+      <p:nvGrpSpPr>
+        <p:cNvPr id="1" name=""/>
+        <p:cNvGrpSpPr/>
+        <p:nvPr/>
+      </p:nvGrpSpPr>
+      <p:grpSpPr>
+        <a:xfrm>
+          <a:off x="0" y="0"/>
+          <a:ext cx="0" cy="0"/>
+          <a:chOff x="0" y="0"/>
+          <a:chExt cx="0" cy="0"/>
+        </a:xfrm>
+      </p:grpSpPr>
+      <p:sp>
+        <p:nvSpPr>
+          <p:cNvPr id="2" name="Slide Image Placeholder 1"/>
+          <p:cNvSpPr>
+            <a:spLocks noGrp="1" noRot="1" noChangeAspect="1"/>
+          </p:cNvSpPr>
+          <p:nvPr>
+            <p:ph type="sldImg"/>
+          </p:nvPr>
+        </p:nvSpPr>
+        <p:spPr/>
+      </p:sp>
+      <p:sp>
+        <p:nvSpPr>
+          <p:cNvPr id="3" name="Notes Placeholder 2"/>
+          <p:cNvSpPr>
+            <a:spLocks noGrp="1"/>
+          </p:cNvSpPr>
+          <p:nvPr>
+            <p:ph type="body" idx="1"/>
+          </p:nvPr>
+        </p:nvSpPr>
+        <p:spPr/>
+        <p:txBody>
+          <a:bodyPr/>
+          <a:lstStyle/>
+          <a:p>
+            <a:endParaRPr lang="en-AU"/>
+          </a:p>
+        </p:txBody>
+      </p:sp>
+      <p:sp>
+        <p:nvSpPr>
+          <p:cNvPr id="4" name="Slide Number Placeholder 3"/>
+          <p:cNvSpPr>
+            <a:spLocks noGrp="1"/>
+          </p:cNvSpPr>
+          <p:nvPr>
+            <p:ph type="sldNum" sz="quarter" idx="5"/>
+          </p:nvPr>
+        </p:nvSpPr>
+        <p:spPr/>
+        <p:txBody>
+          <a:bodyPr/>
+          <a:lstStyle/>
+          <a:p>
+            <a:fld id="{DF030C05-EF6C-9847-8923-580D76870F8E}" type="slidenum">
+              <a:rPr lang="en-AU" smtClean="0"/>
+              <a:t>6</a:t>
+            </a:fld>
+            <a:endParaRPr lang="en-AU"/>
+          </a:p>
+        </p:txBody>
+      </p:sp>
+    </p:spTree>
+    <p:extLst>
+      <p:ext uri="{BB962C8B-B14F-4D97-AF65-F5344CB8AC3E}">
+        <p14:creationId xmlns:p14="http://schemas.microsoft.com/office/powerpoint/2010/main" val="2482090779"/>
+      </p:ext>
+    </p:extLst>
+  </p:cSld>
+  <p:clrMapOvr>
+    <a:masterClrMapping/>
+  </p:clrMapOvr>
+</p:notes>
+</file>
+
+<file path=ppt/notesSlides/notesSlide7.xml><?xml version="1.0" encoding="utf-8"?>
+<p:notes xmlns:a="http://schemas.openxmlformats.org/drawingml/2006/main" xmlns:r="http://schemas.openxmlformats.org/officeDocument/2006/relationships" xmlns:p="http://schemas.openxmlformats.org/presentationml/2006/main">
+  <p:cSld>
+    <p:spTree>
+      <p:nvGrpSpPr>
+        <p:cNvPr id="1" name=""/>
+        <p:cNvGrpSpPr/>
+        <p:nvPr/>
+      </p:nvGrpSpPr>
+      <p:grpSpPr>
+        <a:xfrm>
+          <a:off x="0" y="0"/>
+          <a:ext cx="0" cy="0"/>
+          <a:chOff x="0" y="0"/>
+          <a:chExt cx="0" cy="0"/>
+        </a:xfrm>
+      </p:grpSpPr>
+      <p:sp>
+        <p:nvSpPr>
+          <p:cNvPr id="2" name="Slide Image Placeholder 1"/>
+          <p:cNvSpPr>
+            <a:spLocks noGrp="1" noRot="1" noChangeAspect="1"/>
+          </p:cNvSpPr>
+          <p:nvPr>
+            <p:ph type="sldImg"/>
+          </p:nvPr>
+        </p:nvSpPr>
+        <p:spPr/>
+      </p:sp>
+      <p:sp>
+        <p:nvSpPr>
+          <p:cNvPr id="3" name="Notes Placeholder 2"/>
+          <p:cNvSpPr>
+            <a:spLocks noGrp="1"/>
+          </p:cNvSpPr>
+          <p:nvPr>
+            <p:ph type="body" idx="1"/>
+          </p:nvPr>
+        </p:nvSpPr>
+        <p:spPr/>
+        <p:txBody>
+          <a:bodyPr/>
+          <a:lstStyle/>
+          <a:p>
+            <a:endParaRPr lang="en-AU"/>
+          </a:p>
+        </p:txBody>
+      </p:sp>
+      <p:sp>
+        <p:nvSpPr>
+          <p:cNvPr id="4" name="Slide Number Placeholder 3"/>
+          <p:cNvSpPr>
+            <a:spLocks noGrp="1"/>
+          </p:cNvSpPr>
+          <p:nvPr>
+            <p:ph type="sldNum" sz="quarter" idx="5"/>
+          </p:nvPr>
+        </p:nvSpPr>
+        <p:spPr/>
+        <p:txBody>
+          <a:bodyPr/>
+          <a:lstStyle/>
+          <a:p>
+            <a:fld id="{DF030C05-EF6C-9847-8923-580D76870F8E}" type="slidenum">
+              <a:rPr lang="en-AU" smtClean="0"/>
+              <a:t>7</a:t>
+            </a:fld>
+            <a:endParaRPr lang="en-AU"/>
+          </a:p>
+        </p:txBody>
+      </p:sp>
+    </p:spTree>
+    <p:extLst>
+      <p:ext uri="{BB962C8B-B14F-4D97-AF65-F5344CB8AC3E}">
+        <p14:creationId xmlns:p14="http://schemas.microsoft.com/office/powerpoint/2010/main" val="81752801"/>
+      </p:ext>
+    </p:extLst>
+  </p:cSld>
+  <p:clrMapOvr>
+    <a:masterClrMapping/>
+  </p:clrMapOvr>
+</p:notes>
+</file>
+
+<file path=ppt/notesSlides/notesSlide8.xml><?xml version="1.0" encoding="utf-8"?>
+<p:notes xmlns:a="http://schemas.openxmlformats.org/drawingml/2006/main" xmlns:r="http://schemas.openxmlformats.org/officeDocument/2006/relationships" xmlns:p="http://schemas.openxmlformats.org/presentationml/2006/main">
+  <p:cSld>
+    <p:spTree>
+      <p:nvGrpSpPr>
+        <p:cNvPr id="1" name=""/>
+        <p:cNvGrpSpPr/>
+        <p:nvPr/>
+      </p:nvGrpSpPr>
+      <p:grpSpPr>
+        <a:xfrm>
+          <a:off x="0" y="0"/>
+          <a:ext cx="0" cy="0"/>
+          <a:chOff x="0" y="0"/>
+          <a:chExt cx="0" cy="0"/>
+        </a:xfrm>
+      </p:grpSpPr>
+      <p:sp>
+        <p:nvSpPr>
+          <p:cNvPr id="2" name="Slide Image Placeholder 1"/>
+          <p:cNvSpPr>
+            <a:spLocks noGrp="1" noRot="1" noChangeAspect="1"/>
+          </p:cNvSpPr>
+          <p:nvPr>
+            <p:ph type="sldImg"/>
+          </p:nvPr>
+        </p:nvSpPr>
+        <p:spPr/>
+      </p:sp>
+      <p:sp>
+        <p:nvSpPr>
+          <p:cNvPr id="3" name="Notes Placeholder 2"/>
+          <p:cNvSpPr>
+            <a:spLocks noGrp="1"/>
+          </p:cNvSpPr>
+          <p:nvPr>
+            <p:ph type="body" idx="1"/>
+          </p:nvPr>
+        </p:nvSpPr>
+        <p:spPr/>
+        <p:txBody>
+          <a:bodyPr/>
+          <a:lstStyle/>
+          <a:p>
+            <a:endParaRPr lang="en-AU"/>
+          </a:p>
+        </p:txBody>
+      </p:sp>
+      <p:sp>
+        <p:nvSpPr>
+          <p:cNvPr id="4" name="Slide Number Placeholder 3"/>
+          <p:cNvSpPr>
+            <a:spLocks noGrp="1"/>
+          </p:cNvSpPr>
+          <p:nvPr>
+            <p:ph type="sldNum" sz="quarter" idx="5"/>
+          </p:nvPr>
+        </p:nvSpPr>
+        <p:spPr/>
+        <p:txBody>
+          <a:bodyPr/>
+          <a:lstStyle/>
+          <a:p>
+            <a:fld id="{DF030C05-EF6C-9847-8923-580D76870F8E}" type="slidenum">
+              <a:rPr lang="en-AU" smtClean="0"/>
+              <a:t>8</a:t>
+            </a:fld>
+            <a:endParaRPr lang="en-AU"/>
+          </a:p>
+        </p:txBody>
+      </p:sp>
+    </p:spTree>
+    <p:extLst>
+      <p:ext uri="{BB962C8B-B14F-4D97-AF65-F5344CB8AC3E}">
+        <p14:creationId xmlns:p14="http://schemas.microsoft.com/office/powerpoint/2010/main" val="2291610308"/>
+      </p:ext>
+    </p:extLst>
+  </p:cSld>
+  <p:clrMapOvr>
+    <a:masterClrMapping/>
+  </p:clrMapOvr>
+</p:notes>
+</file>
+
+<file path=ppt/notesSlides/notesSlide9.xml><?xml version="1.0" encoding="utf-8"?>
+<p:notes xmlns:a="http://schemas.openxmlformats.org/drawingml/2006/main" xmlns:r="http://schemas.openxmlformats.org/officeDocument/2006/relationships" xmlns:p="http://schemas.openxmlformats.org/presentationml/2006/main">
+  <p:cSld>
+    <p:spTree>
+      <p:nvGrpSpPr>
+        <p:cNvPr id="1" name=""/>
+        <p:cNvGrpSpPr/>
+        <p:nvPr/>
+      </p:nvGrpSpPr>
+      <p:grpSpPr>
+        <a:xfrm>
+          <a:off x="0" y="0"/>
+          <a:ext cx="0" cy="0"/>
+          <a:chOff x="0" y="0"/>
+          <a:chExt cx="0" cy="0"/>
+        </a:xfrm>
+      </p:grpSpPr>
+      <p:sp>
+        <p:nvSpPr>
+          <p:cNvPr id="2" name="Slide Image Placeholder 1"/>
+          <p:cNvSpPr>
+            <a:spLocks noGrp="1" noRot="1" noChangeAspect="1"/>
+          </p:cNvSpPr>
+          <p:nvPr>
+            <p:ph type="sldImg"/>
+          </p:nvPr>
+        </p:nvSpPr>
+        <p:spPr/>
+      </p:sp>
+      <p:sp>
+        <p:nvSpPr>
+          <p:cNvPr id="3" name="Notes Placeholder 2"/>
+          <p:cNvSpPr>
+            <a:spLocks noGrp="1"/>
+          </p:cNvSpPr>
+          <p:nvPr>
+            <p:ph type="body" idx="1"/>
+          </p:nvPr>
+        </p:nvSpPr>
+        <p:spPr/>
+        <p:txBody>
+          <a:bodyPr/>
+          <a:lstStyle/>
+          <a:p>
+            <a:endParaRPr lang="en-AU"/>
+          </a:p>
+        </p:txBody>
+      </p:sp>
+      <p:sp>
+        <p:nvSpPr>
+          <p:cNvPr id="4" name="Slide Number Placeholder 3"/>
+          <p:cNvSpPr>
+            <a:spLocks noGrp="1"/>
+          </p:cNvSpPr>
+          <p:nvPr>
+            <p:ph type="sldNum" sz="quarter" idx="5"/>
+          </p:nvPr>
+        </p:nvSpPr>
+        <p:spPr/>
+        <p:txBody>
+          <a:bodyPr/>
+          <a:lstStyle/>
+          <a:p>
+            <a:fld id="{DF030C05-EF6C-9847-8923-580D76870F8E}" type="slidenum">
+              <a:rPr lang="en-AU" smtClean="0"/>
+              <a:t>9</a:t>
+            </a:fld>
+            <a:endParaRPr lang="en-AU"/>
+          </a:p>
+        </p:txBody>
+      </p:sp>
+    </p:spTree>
+    <p:extLst>
+      <p:ext uri="{BB962C8B-B14F-4D97-AF65-F5344CB8AC3E}">
+        <p14:creationId xmlns:p14="http://schemas.microsoft.com/office/powerpoint/2010/main" val="3230365613"/>
+      </p:ext>
+    </p:extLst>
+  </p:cSld>
+  <p:clrMapOvr>
+    <a:masterClrMapping/>
+  </p:clrMapOvr>
+</p:notes>
+</file>
+
 <file path=ppt/slideLayouts/slideLayout1.xml><?xml version="1.0" encoding="utf-8"?>
 <p:sldLayout xmlns:a="http://schemas.openxmlformats.org/drawingml/2006/main" xmlns:r="http://schemas.openxmlformats.org/officeDocument/2006/relationships" xmlns:p="http://schemas.openxmlformats.org/presentationml/2006/main" type="title" preserve="1">
   <p:cSld name="Title Slide">
@@ -3811,7 +5911,7 @@
           <a:p>
             <a:fld id="{88D38747-4367-4BD2-8D51-C97E202738E2}" type="datetime1">
               <a:rPr lang="en-US" smtClean="0"/>
-              <a:t>4/30/21</a:t>
+              <a:t>8/16/21</a:t>
             </a:fld>
             <a:endParaRPr lang="en-US" dirty="0"/>
           </a:p>
@@ -4116,7 +6216,7 @@
           <a:p>
             <a:fld id="{11F1B079-7EF0-44EE-B798-BCC497C9F3B2}" type="datetime1">
               <a:rPr lang="en-US" smtClean="0"/>
-              <a:t>4/30/21</a:t>
+              <a:t>8/16/21</a:t>
             </a:fld>
             <a:endParaRPr lang="en-US" dirty="0"/>
           </a:p>
@@ -4310,7 +6410,7 @@
           <a:p>
             <a:fld id="{28FF70A8-1D13-4657-95F0-A9EA54967B8D}" type="datetime1">
               <a:rPr lang="en-US" smtClean="0"/>
-              <a:t>4/30/21</a:t>
+              <a:t>8/16/21</a:t>
             </a:fld>
             <a:endParaRPr lang="en-US" dirty="0"/>
           </a:p>
@@ -4573,7 +6673,7 @@
           <a:p>
             <a:fld id="{21EB90AC-71BD-4C7F-8ACA-7B3F18292E63}" type="datetime1">
               <a:rPr lang="en-US" smtClean="0"/>
-              <a:t>4/30/21</a:t>
+              <a:t>8/16/21</a:t>
             </a:fld>
             <a:endParaRPr lang="en-US" dirty="0"/>
           </a:p>
@@ -5009,7 +7109,7 @@
           <a:p>
             <a:fld id="{4E6EFC2C-8905-46F0-B443-CE905B76BA01}" type="datetime1">
               <a:rPr lang="en-US" smtClean="0"/>
-              <a:t>4/30/21</a:t>
+              <a:t>8/16/21</a:t>
             </a:fld>
             <a:endParaRPr lang="en-US" dirty="0"/>
           </a:p>
@@ -5546,7 +7646,7 @@
           <a:p>
             <a:fld id="{D9079DC3-C9B5-499E-9140-0DC28B7074E2}" type="datetime1">
               <a:rPr lang="en-US" smtClean="0"/>
-              <a:t>4/30/21</a:t>
+              <a:t>8/16/21</a:t>
             </a:fld>
             <a:endParaRPr lang="en-US" dirty="0"/>
           </a:p>
@@ -6428,7 +8528,7 @@
           <a:p>
             <a:fld id="{30BB33EA-E472-4D22-9C03-A9C14AA21CED}" type="datetime1">
               <a:rPr lang="en-US" smtClean="0"/>
-              <a:t>4/30/21</a:t>
+              <a:t>8/16/21</a:t>
             </a:fld>
             <a:endParaRPr lang="en-US" dirty="0"/>
           </a:p>
@@ -6598,7 +8698,7 @@
           <a:p>
             <a:fld id="{217E833E-1B6D-415F-AD29-75AE8C43BD0D}" type="datetime1">
               <a:rPr lang="en-US" smtClean="0"/>
-              <a:t>4/30/21</a:t>
+              <a:t>8/16/21</a:t>
             </a:fld>
             <a:endParaRPr lang="en-US" dirty="0"/>
           </a:p>
@@ -6782,7 +8882,7 @@
           <a:p>
             <a:fld id="{8452596F-08A7-4B70-989A-F2B1CF31E66B}" type="datetime1">
               <a:rPr lang="en-US" smtClean="0"/>
-              <a:t>4/30/21</a:t>
+              <a:t>8/16/21</a:t>
             </a:fld>
             <a:endParaRPr lang="en-US" dirty="0"/>
           </a:p>
@@ -6952,7 +9052,7 @@
           <a:p>
             <a:fld id="{73C55A3C-5767-4844-A0A3-83778C2E5409}" type="datetime1">
               <a:rPr lang="en-US" smtClean="0"/>
-              <a:t>4/30/21</a:t>
+              <a:t>8/16/21</a:t>
             </a:fld>
             <a:endParaRPr lang="en-US" dirty="0"/>
           </a:p>
@@ -7196,7 +9296,7 @@
           <a:p>
             <a:fld id="{CAE507A8-A5CF-4D38-AB86-7EDDA87A85D4}" type="datetime1">
               <a:rPr lang="en-US" smtClean="0"/>
-              <a:t>4/30/21</a:t>
+              <a:t>8/16/21</a:t>
             </a:fld>
             <a:endParaRPr lang="en-US" dirty="0"/>
           </a:p>
@@ -7438,7 +9538,7 @@
           <a:p>
             <a:fld id="{BDFCD27C-8599-43EF-BA1D-14DDC1946E06}" type="datetime1">
               <a:rPr lang="en-US" smtClean="0"/>
-              <a:t>4/30/21</a:t>
+              <a:t>8/16/21</a:t>
             </a:fld>
             <a:endParaRPr lang="en-US" dirty="0"/>
           </a:p>
@@ -7919,7 +10019,7 @@
           <a:p>
             <a:fld id="{49343D99-809A-49C0-96E5-4250D0B498EE}" type="datetime1">
               <a:rPr lang="en-US" smtClean="0"/>
-              <a:t>4/30/21</a:t>
+              <a:t>8/16/21</a:t>
             </a:fld>
             <a:endParaRPr lang="en-US" dirty="0"/>
           </a:p>
@@ -8037,7 +10137,7 @@
           <a:p>
             <a:fld id="{A143DE9B-B678-4EFB-BB7D-A4370204A0B0}" type="datetime1">
               <a:rPr lang="en-US" smtClean="0"/>
-              <a:t>4/30/21</a:t>
+              <a:t>8/16/21</a:t>
             </a:fld>
             <a:endParaRPr lang="en-US" dirty="0"/>
           </a:p>
@@ -8132,7 +10232,7 @@
           <a:p>
             <a:fld id="{E68812DA-F765-4142-A6A3-A8ED7235E082}" type="datetime1">
               <a:rPr lang="en-US" smtClean="0"/>
-              <a:t>4/30/21</a:t>
+              <a:t>8/16/21</a:t>
             </a:fld>
             <a:endParaRPr lang="en-US" dirty="0"/>
           </a:p>
@@ -8387,7 +10487,7 @@
           <a:p>
             <a:fld id="{3E0277FD-7DE6-41D4-930D-AC99F5AFE54E}" type="datetime1">
               <a:rPr lang="en-US" smtClean="0"/>
-              <a:t>4/30/21</a:t>
+              <a:t>8/16/21</a:t>
             </a:fld>
             <a:endParaRPr lang="en-US" dirty="0"/>
           </a:p>
@@ -8694,7 +10794,7 @@
           <a:p>
             <a:fld id="{9EA15526-7079-4B7B-987C-1B5FAE11A0FF}" type="datetime1">
               <a:rPr lang="en-US" smtClean="0"/>
-              <a:t>4/30/21</a:t>
+              <a:t>8/16/21</a:t>
             </a:fld>
             <a:endParaRPr lang="en-US" dirty="0"/>
           </a:p>
@@ -8929,7 +11029,7 @@
           <a:p>
             <a:fld id="{073ED0CC-082F-4160-86E5-0D6041F12778}" type="datetime1">
               <a:rPr lang="en-US" smtClean="0"/>
-              <a:t>4/30/21</a:t>
+              <a:t>8/16/21</a:t>
             </a:fld>
             <a:endParaRPr lang="en-US" dirty="0"/>
           </a:p>
@@ -9599,7 +11699,7 @@
     <p:bg>
       <p:bgPr>
         <a:blipFill rotWithShape="1">
-          <a:blip r:embed="rId2">
+          <a:blip r:embed="rId3">
             <a:duotone>
               <a:schemeClr val="bg1">
                 <a:shade val="80000"/>
@@ -9644,7 +11744,7 @@
           <p:nvPr/>
         </p:nvPicPr>
         <p:blipFill rotWithShape="1">
-          <a:blip r:embed="rId3"/>
+          <a:blip r:embed="rId4"/>
           <a:srcRect t="13986" b="1744"/>
           <a:stretch/>
         </p:blipFill>
@@ -9685,6 +11785,991 @@
           <a:xfrm>
             <a:off x="2271651" y="1762886"/>
             <a:ext cx="7656919" cy="3332229"/>
+          </a:xfrm>
+          <a:custGeom>
+            <a:avLst/>
+            <a:gdLst>
+              <a:gd name="T0" fmla="*/ 1577 w 1601"/>
+              <a:gd name="T1" fmla="*/ 0 h 696"/>
+              <a:gd name="T2" fmla="*/ 833 w 1601"/>
+              <a:gd name="T3" fmla="*/ 0 h 696"/>
+              <a:gd name="T4" fmla="*/ 768 w 1601"/>
+              <a:gd name="T5" fmla="*/ 0 h 696"/>
+              <a:gd name="T6" fmla="*/ 24 w 1601"/>
+              <a:gd name="T7" fmla="*/ 0 h 696"/>
+              <a:gd name="T8" fmla="*/ 0 w 1601"/>
+              <a:gd name="T9" fmla="*/ 27 h 696"/>
+              <a:gd name="T10" fmla="*/ 0 w 1601"/>
+              <a:gd name="T11" fmla="*/ 669 h 696"/>
+              <a:gd name="T12" fmla="*/ 24 w 1601"/>
+              <a:gd name="T13" fmla="*/ 696 h 696"/>
+              <a:gd name="T14" fmla="*/ 768 w 1601"/>
+              <a:gd name="T15" fmla="*/ 696 h 696"/>
+              <a:gd name="T16" fmla="*/ 833 w 1601"/>
+              <a:gd name="T17" fmla="*/ 696 h 696"/>
+              <a:gd name="T18" fmla="*/ 1577 w 1601"/>
+              <a:gd name="T19" fmla="*/ 696 h 696"/>
+              <a:gd name="T20" fmla="*/ 1601 w 1601"/>
+              <a:gd name="T21" fmla="*/ 669 h 696"/>
+              <a:gd name="T22" fmla="*/ 1601 w 1601"/>
+              <a:gd name="T23" fmla="*/ 27 h 696"/>
+              <a:gd name="T24" fmla="*/ 1577 w 1601"/>
+              <a:gd name="T25" fmla="*/ 0 h 696"/>
+            </a:gdLst>
+            <a:ahLst/>
+            <a:cxnLst>
+              <a:cxn ang="0">
+                <a:pos x="T0" y="T1"/>
+              </a:cxn>
+              <a:cxn ang="0">
+                <a:pos x="T2" y="T3"/>
+              </a:cxn>
+              <a:cxn ang="0">
+                <a:pos x="T4" y="T5"/>
+              </a:cxn>
+              <a:cxn ang="0">
+                <a:pos x="T6" y="T7"/>
+              </a:cxn>
+              <a:cxn ang="0">
+                <a:pos x="T8" y="T9"/>
+              </a:cxn>
+              <a:cxn ang="0">
+                <a:pos x="T10" y="T11"/>
+              </a:cxn>
+              <a:cxn ang="0">
+                <a:pos x="T12" y="T13"/>
+              </a:cxn>
+              <a:cxn ang="0">
+                <a:pos x="T14" y="T15"/>
+              </a:cxn>
+              <a:cxn ang="0">
+                <a:pos x="T16" y="T17"/>
+              </a:cxn>
+              <a:cxn ang="0">
+                <a:pos x="T18" y="T19"/>
+              </a:cxn>
+              <a:cxn ang="0">
+                <a:pos x="T20" y="T21"/>
+              </a:cxn>
+              <a:cxn ang="0">
+                <a:pos x="T22" y="T23"/>
+              </a:cxn>
+              <a:cxn ang="0">
+                <a:pos x="T24" y="T25"/>
+              </a:cxn>
+            </a:cxnLst>
+            <a:rect l="0" t="0" r="r" b="b"/>
+            <a:pathLst>
+              <a:path w="1601" h="696">
+                <a:moveTo>
+                  <a:pt x="1577" y="0"/>
+                </a:moveTo>
+                <a:cubicBezTo>
+                  <a:pt x="833" y="0"/>
+                  <a:pt x="833" y="0"/>
+                  <a:pt x="833" y="0"/>
+                </a:cubicBezTo>
+                <a:cubicBezTo>
+                  <a:pt x="768" y="0"/>
+                  <a:pt x="768" y="0"/>
+                  <a:pt x="768" y="0"/>
+                </a:cubicBezTo>
+                <a:cubicBezTo>
+                  <a:pt x="24" y="0"/>
+                  <a:pt x="24" y="0"/>
+                  <a:pt x="24" y="0"/>
+                </a:cubicBezTo>
+                <a:cubicBezTo>
+                  <a:pt x="11" y="0"/>
+                  <a:pt x="0" y="12"/>
+                  <a:pt x="0" y="27"/>
+                </a:cubicBezTo>
+                <a:cubicBezTo>
+                  <a:pt x="0" y="669"/>
+                  <a:pt x="0" y="669"/>
+                  <a:pt x="0" y="669"/>
+                </a:cubicBezTo>
+                <a:cubicBezTo>
+                  <a:pt x="0" y="684"/>
+                  <a:pt x="11" y="696"/>
+                  <a:pt x="24" y="696"/>
+                </a:cubicBezTo>
+                <a:cubicBezTo>
+                  <a:pt x="768" y="696"/>
+                  <a:pt x="768" y="696"/>
+                  <a:pt x="768" y="696"/>
+                </a:cubicBezTo>
+                <a:cubicBezTo>
+                  <a:pt x="833" y="696"/>
+                  <a:pt x="833" y="696"/>
+                  <a:pt x="833" y="696"/>
+                </a:cubicBezTo>
+                <a:cubicBezTo>
+                  <a:pt x="1577" y="696"/>
+                  <a:pt x="1577" y="696"/>
+                  <a:pt x="1577" y="696"/>
+                </a:cubicBezTo>
+                <a:cubicBezTo>
+                  <a:pt x="1590" y="696"/>
+                  <a:pt x="1601" y="684"/>
+                  <a:pt x="1601" y="669"/>
+                </a:cubicBezTo>
+                <a:cubicBezTo>
+                  <a:pt x="1601" y="27"/>
+                  <a:pt x="1601" y="27"/>
+                  <a:pt x="1601" y="27"/>
+                </a:cubicBezTo>
+                <a:cubicBezTo>
+                  <a:pt x="1601" y="12"/>
+                  <a:pt x="1590" y="0"/>
+                  <a:pt x="1577" y="0"/>
+                </a:cubicBezTo>
+                <a:close/>
+              </a:path>
+            </a:pathLst>
+          </a:custGeom>
+          <a:ln>
+            <a:noFill/>
+          </a:ln>
+          <a:effectLst>
+            <a:outerShdw blurRad="50800" dist="38100" dir="5400000" algn="tl" rotWithShape="0">
+              <a:srgbClr val="000000">
+                <a:alpha val="43000"/>
+              </a:srgbClr>
+            </a:outerShdw>
+          </a:effectLst>
+          <a:extLst>
+            <a:ext uri="{91240B29-F687-4f45-9708-019B960494DF}">
+              <a14:hiddenLine xmlns:a16="http://schemas.microsoft.com/office/drawing/2014/main" xmlns:p14="http://schemas.microsoft.com/office/powerpoint/2010/main" xmlns:a14="http://schemas.microsoft.com/office/drawing/2010/main" xmlns="" w="9525">
+                <a:solidFill>
+                  <a:srgbClr val="000000"/>
+                </a:solidFill>
+                <a:round/>
+                <a:headEnd/>
+                <a:tailEnd/>
+              </a14:hiddenLine>
+            </a:ext>
+          </a:extLst>
+        </p:spPr>
+        <p:txBody>
+          <a:bodyPr vert="horz" wrap="square" lIns="91440" tIns="45720" rIns="91440" bIns="45720" numCol="1" anchor="t" anchorCtr="0" compatLnSpc="1">
+            <a:prstTxWarp prst="textNoShape">
+              <a:avLst/>
+            </a:prstTxWarp>
+          </a:bodyPr>
+          <a:lstStyle/>
+          <a:p>
+            <a:endParaRPr lang="en-US"/>
+          </a:p>
+        </p:txBody>
+      </p:sp>
+      <p:sp>
+        <p:nvSpPr>
+          <p:cNvPr id="2" name="Title 1">
+            <a:extLst>
+              <a:ext uri="{FF2B5EF4-FFF2-40B4-BE49-F238E27FC236}">
+                <a16:creationId xmlns:a16="http://schemas.microsoft.com/office/drawing/2014/main" id="{A7F2B5DE-6445-CC49-9F8E-7C9072991AF6}"/>
+              </a:ext>
+            </a:extLst>
+          </p:cNvPr>
+          <p:cNvSpPr>
+            <a:spLocks noGrp="1"/>
+          </p:cNvSpPr>
+          <p:nvPr>
+            <p:ph type="ctrTitle"/>
+          </p:nvPr>
+        </p:nvSpPr>
+        <p:spPr>
+          <a:xfrm>
+            <a:off x="2480733" y="2074339"/>
+            <a:ext cx="7219954" cy="2308818"/>
+          </a:xfrm>
+        </p:spPr>
+        <p:txBody>
+          <a:bodyPr>
+            <a:normAutofit fontScale="90000"/>
+          </a:bodyPr>
+          <a:lstStyle/>
+          <a:p>
+            <a:r>
+              <a:rPr lang="en-US" sz="4800" dirty="0"/>
+              <a:t>CITS1003 Introduction to Cybersecurity</a:t>
+            </a:r>
+            <a:br>
+              <a:rPr lang="en-US" sz="4800" dirty="0"/>
+            </a:br>
+            <a:r>
+              <a:rPr lang="en-US" sz="4800" dirty="0"/>
+              <a:t>[10] Critical Infrastructure and </a:t>
+            </a:r>
+            <a:r>
+              <a:rPr lang="en-US" sz="4800" dirty="0" err="1"/>
+              <a:t>Cyberphysical</a:t>
+            </a:r>
+            <a:r>
+              <a:rPr lang="en-US" sz="4800" dirty="0"/>
+              <a:t> Systems - 2</a:t>
+            </a:r>
+          </a:p>
+        </p:txBody>
+      </p:sp>
+      <p:sp>
+        <p:nvSpPr>
+          <p:cNvPr id="3" name="Subtitle 2">
+            <a:extLst>
+              <a:ext uri="{FF2B5EF4-FFF2-40B4-BE49-F238E27FC236}">
+                <a16:creationId xmlns:a16="http://schemas.microsoft.com/office/drawing/2014/main" id="{1804B053-88E2-6F47-B5CB-F0B21DD687A8}"/>
+              </a:ext>
+            </a:extLst>
+          </p:cNvPr>
+          <p:cNvSpPr>
+            <a:spLocks noGrp="1"/>
+          </p:cNvSpPr>
+          <p:nvPr>
+            <p:ph type="subTitle" idx="1"/>
+          </p:nvPr>
+        </p:nvSpPr>
+        <p:spPr>
+          <a:xfrm>
+            <a:off x="2480733" y="4383157"/>
+            <a:ext cx="7219954" cy="569848"/>
+          </a:xfrm>
+        </p:spPr>
+        <p:txBody>
+          <a:bodyPr>
+            <a:normAutofit/>
+          </a:bodyPr>
+          <a:lstStyle/>
+          <a:p>
+            <a:r>
+              <a:rPr lang="en-US" dirty="0">
+                <a:solidFill>
+                  <a:srgbClr val="20D1FF"/>
+                </a:solidFill>
+              </a:rPr>
+              <a:t>Dr David Glance</a:t>
+            </a:r>
+          </a:p>
+        </p:txBody>
+      </p:sp>
+    </p:spTree>
+    <p:extLst>
+      <p:ext uri="{BB962C8B-B14F-4D97-AF65-F5344CB8AC3E}">
+        <p14:creationId xmlns:p14="http://schemas.microsoft.com/office/powerpoint/2010/main" val="1077586671"/>
+      </p:ext>
+    </p:extLst>
+  </p:cSld>
+  <p:clrMapOvr>
+    <a:masterClrMapping/>
+  </p:clrMapOvr>
+</p:sld>
+</file>
+
+<file path=ppt/slides/slide10.xml><?xml version="1.0" encoding="utf-8"?>
+<p:sld xmlns:a="http://schemas.openxmlformats.org/drawingml/2006/main" xmlns:r="http://schemas.openxmlformats.org/officeDocument/2006/relationships" xmlns:p="http://schemas.openxmlformats.org/presentationml/2006/main">
+  <p:cSld>
+    <p:spTree>
+      <p:nvGrpSpPr>
+        <p:cNvPr id="1" name=""/>
+        <p:cNvGrpSpPr/>
+        <p:nvPr/>
+      </p:nvGrpSpPr>
+      <p:grpSpPr>
+        <a:xfrm>
+          <a:off x="0" y="0"/>
+          <a:ext cx="0" cy="0"/>
+          <a:chOff x="0" y="0"/>
+          <a:chExt cx="0" cy="0"/>
+        </a:xfrm>
+      </p:grpSpPr>
+      <p:sp>
+        <p:nvSpPr>
+          <p:cNvPr id="2" name="Title 1">
+            <a:extLst>
+              <a:ext uri="{FF2B5EF4-FFF2-40B4-BE49-F238E27FC236}">
+                <a16:creationId xmlns:a16="http://schemas.microsoft.com/office/drawing/2014/main" id="{07F6FF8C-A74B-E640-AF2F-9B4E07A213CF}"/>
+              </a:ext>
+            </a:extLst>
+          </p:cNvPr>
+          <p:cNvSpPr>
+            <a:spLocks noGrp="1"/>
+          </p:cNvSpPr>
+          <p:nvPr>
+            <p:ph type="title"/>
+          </p:nvPr>
+        </p:nvSpPr>
+        <p:spPr/>
+        <p:txBody>
+          <a:bodyPr/>
+          <a:lstStyle/>
+          <a:p>
+            <a:r>
+              <a:rPr lang="en-AU" dirty="0"/>
+              <a:t>Stuxnet</a:t>
+            </a:r>
+          </a:p>
+        </p:txBody>
+      </p:sp>
+      <p:sp>
+        <p:nvSpPr>
+          <p:cNvPr id="3" name="Content Placeholder 2">
+            <a:extLst>
+              <a:ext uri="{FF2B5EF4-FFF2-40B4-BE49-F238E27FC236}">
+                <a16:creationId xmlns:a16="http://schemas.microsoft.com/office/drawing/2014/main" id="{C29FA815-F1A1-E848-8BE0-A481039CE411}"/>
+              </a:ext>
+            </a:extLst>
+          </p:cNvPr>
+          <p:cNvSpPr>
+            <a:spLocks noGrp="1"/>
+          </p:cNvSpPr>
+          <p:nvPr>
+            <p:ph idx="1"/>
+          </p:nvPr>
+        </p:nvSpPr>
+        <p:spPr/>
+        <p:txBody>
+          <a:bodyPr>
+            <a:normAutofit/>
+          </a:bodyPr>
+          <a:lstStyle/>
+          <a:p>
+            <a:r>
+              <a:rPr lang="en-AU" b="1" dirty="0">
+                <a:effectLst/>
+              </a:rPr>
+              <a:t>Stuxnet was discovered in 2010</a:t>
+            </a:r>
+          </a:p>
+          <a:p>
+            <a:r>
+              <a:rPr lang="en-AU" b="1" dirty="0">
+                <a:effectLst/>
+              </a:rPr>
+              <a:t>Launched in 2005 against specific SCADA controlling uranium enrichment centrifuges in Iran</a:t>
+            </a:r>
+          </a:p>
+          <a:p>
+            <a:r>
+              <a:rPr lang="en-AU" b="1" dirty="0">
+                <a:effectLst/>
+              </a:rPr>
+              <a:t>Initial target is Windows networks</a:t>
+            </a:r>
+          </a:p>
+          <a:p>
+            <a:r>
+              <a:rPr lang="en-AU" b="1" dirty="0">
+                <a:effectLst/>
+              </a:rPr>
+              <a:t>Then specifically targets the PLC running Siemens Step 7 software</a:t>
+            </a:r>
+          </a:p>
+          <a:p>
+            <a:r>
+              <a:rPr lang="en-AU" b="1" dirty="0">
+                <a:effectLst/>
+              </a:rPr>
+              <a:t>Causes the centrifuge to spin at a dangerously high speed eventually causing damage and inoperability</a:t>
+            </a:r>
+          </a:p>
+          <a:p>
+            <a:r>
+              <a:rPr lang="en-AU" b="1" dirty="0">
+                <a:effectLst/>
+              </a:rPr>
+              <a:t>Masks activities by reporting a normal operating environment</a:t>
+            </a:r>
+          </a:p>
+          <a:p>
+            <a:endParaRPr lang="en-AU" dirty="0"/>
+          </a:p>
+          <a:p>
+            <a:endParaRPr lang="en-US" dirty="0"/>
+          </a:p>
+          <a:p>
+            <a:pPr marL="36900" indent="0">
+              <a:buNone/>
+            </a:pPr>
+            <a:endParaRPr lang="en-AU" dirty="0">
+              <a:effectLst/>
+            </a:endParaRPr>
+          </a:p>
+          <a:p>
+            <a:endParaRPr lang="en-AU" sz="2000" dirty="0"/>
+          </a:p>
+        </p:txBody>
+      </p:sp>
+    </p:spTree>
+    <p:extLst>
+      <p:ext uri="{BB962C8B-B14F-4D97-AF65-F5344CB8AC3E}">
+        <p14:creationId xmlns:p14="http://schemas.microsoft.com/office/powerpoint/2010/main" val="3827500938"/>
+      </p:ext>
+    </p:extLst>
+  </p:cSld>
+  <p:clrMapOvr>
+    <a:masterClrMapping/>
+  </p:clrMapOvr>
+</p:sld>
+</file>
+
+<file path=ppt/slides/slide11.xml><?xml version="1.0" encoding="utf-8"?>
+<p:sld xmlns:a="http://schemas.openxmlformats.org/drawingml/2006/main" xmlns:r="http://schemas.openxmlformats.org/officeDocument/2006/relationships" xmlns:p="http://schemas.openxmlformats.org/presentationml/2006/main">
+  <p:cSld>
+    <p:spTree>
+      <p:nvGrpSpPr>
+        <p:cNvPr id="1" name=""/>
+        <p:cNvGrpSpPr/>
+        <p:nvPr/>
+      </p:nvGrpSpPr>
+      <p:grpSpPr>
+        <a:xfrm>
+          <a:off x="0" y="0"/>
+          <a:ext cx="0" cy="0"/>
+          <a:chOff x="0" y="0"/>
+          <a:chExt cx="0" cy="0"/>
+        </a:xfrm>
+      </p:grpSpPr>
+      <p:sp>
+        <p:nvSpPr>
+          <p:cNvPr id="2" name="Title 1">
+            <a:extLst>
+              <a:ext uri="{FF2B5EF4-FFF2-40B4-BE49-F238E27FC236}">
+                <a16:creationId xmlns:a16="http://schemas.microsoft.com/office/drawing/2014/main" id="{07F6FF8C-A74B-E640-AF2F-9B4E07A213CF}"/>
+              </a:ext>
+            </a:extLst>
+          </p:cNvPr>
+          <p:cNvSpPr>
+            <a:spLocks noGrp="1"/>
+          </p:cNvSpPr>
+          <p:nvPr>
+            <p:ph type="title"/>
+          </p:nvPr>
+        </p:nvSpPr>
+        <p:spPr/>
+        <p:txBody>
+          <a:bodyPr/>
+          <a:lstStyle/>
+          <a:p>
+            <a:r>
+              <a:rPr lang="en-AU" dirty="0"/>
+              <a:t>Stuxnet 2</a:t>
+            </a:r>
+          </a:p>
+        </p:txBody>
+      </p:sp>
+      <p:sp>
+        <p:nvSpPr>
+          <p:cNvPr id="3" name="Content Placeholder 2">
+            <a:extLst>
+              <a:ext uri="{FF2B5EF4-FFF2-40B4-BE49-F238E27FC236}">
+                <a16:creationId xmlns:a16="http://schemas.microsoft.com/office/drawing/2014/main" id="{C29FA815-F1A1-E848-8BE0-A481039CE411}"/>
+              </a:ext>
+            </a:extLst>
+          </p:cNvPr>
+          <p:cNvSpPr>
+            <a:spLocks noGrp="1"/>
+          </p:cNvSpPr>
+          <p:nvPr>
+            <p:ph idx="1"/>
+          </p:nvPr>
+        </p:nvSpPr>
+        <p:spPr/>
+        <p:txBody>
+          <a:bodyPr>
+            <a:normAutofit/>
+          </a:bodyPr>
+          <a:lstStyle/>
+          <a:p>
+            <a:r>
+              <a:rPr lang="en-AU" b="1" dirty="0">
+                <a:effectLst/>
+              </a:rPr>
+              <a:t>Infects computers via USB memory stick and so can cross air gaps but then uses a variety of other techniques to travel across networks</a:t>
+            </a:r>
+          </a:p>
+          <a:p>
+            <a:r>
+              <a:rPr lang="en-AU" b="1" dirty="0">
+                <a:effectLst/>
+              </a:rPr>
+              <a:t>The malware only operates if it finds Siemens software and was coded initially to only target specific networks</a:t>
+            </a:r>
+          </a:p>
+          <a:p>
+            <a:r>
+              <a:rPr lang="en-AU" b="1" dirty="0">
+                <a:effectLst/>
+              </a:rPr>
+              <a:t>However, a programming error meant it spread and was found infecting machines on the Internet </a:t>
+            </a:r>
+          </a:p>
+          <a:p>
+            <a:r>
+              <a:rPr lang="en-AU" b="1" dirty="0">
+                <a:effectLst/>
+              </a:rPr>
+              <a:t>It involves a large number of zero days and this is unusual in malware</a:t>
+            </a:r>
+          </a:p>
+          <a:p>
+            <a:r>
+              <a:rPr lang="en-AU" b="1" dirty="0">
+                <a:effectLst/>
+              </a:rPr>
+              <a:t>Related malware: </a:t>
+            </a:r>
+            <a:r>
+              <a:rPr lang="en-AU" b="1" dirty="0" err="1">
+                <a:effectLst/>
+              </a:rPr>
+              <a:t>Duqu</a:t>
+            </a:r>
+            <a:r>
+              <a:rPr lang="en-AU" b="1" dirty="0">
+                <a:effectLst/>
+              </a:rPr>
+              <a:t> and Flame</a:t>
+            </a:r>
+          </a:p>
+          <a:p>
+            <a:endParaRPr lang="en-AU" dirty="0"/>
+          </a:p>
+          <a:p>
+            <a:endParaRPr lang="en-US" dirty="0"/>
+          </a:p>
+          <a:p>
+            <a:pPr marL="36900" indent="0">
+              <a:buNone/>
+            </a:pPr>
+            <a:endParaRPr lang="en-AU" dirty="0">
+              <a:effectLst/>
+            </a:endParaRPr>
+          </a:p>
+          <a:p>
+            <a:endParaRPr lang="en-AU" sz="2000" dirty="0"/>
+          </a:p>
+        </p:txBody>
+      </p:sp>
+    </p:spTree>
+    <p:extLst>
+      <p:ext uri="{BB962C8B-B14F-4D97-AF65-F5344CB8AC3E}">
+        <p14:creationId xmlns:p14="http://schemas.microsoft.com/office/powerpoint/2010/main" val="4205009929"/>
+      </p:ext>
+    </p:extLst>
+  </p:cSld>
+  <p:clrMapOvr>
+    <a:masterClrMapping/>
+  </p:clrMapOvr>
+</p:sld>
+</file>
+
+<file path=ppt/slides/slide12.xml><?xml version="1.0" encoding="utf-8"?>
+<p:sld xmlns:a="http://schemas.openxmlformats.org/drawingml/2006/main" xmlns:r="http://schemas.openxmlformats.org/officeDocument/2006/relationships" xmlns:p="http://schemas.openxmlformats.org/presentationml/2006/main">
+  <p:cSld>
+    <p:spTree>
+      <p:nvGrpSpPr>
+        <p:cNvPr id="1" name=""/>
+        <p:cNvGrpSpPr/>
+        <p:nvPr/>
+      </p:nvGrpSpPr>
+      <p:grpSpPr>
+        <a:xfrm>
+          <a:off x="0" y="0"/>
+          <a:ext cx="0" cy="0"/>
+          <a:chOff x="0" y="0"/>
+          <a:chExt cx="0" cy="0"/>
+        </a:xfrm>
+      </p:grpSpPr>
+      <p:sp>
+        <p:nvSpPr>
+          <p:cNvPr id="2" name="Title 1">
+            <a:extLst>
+              <a:ext uri="{FF2B5EF4-FFF2-40B4-BE49-F238E27FC236}">
+                <a16:creationId xmlns:a16="http://schemas.microsoft.com/office/drawing/2014/main" id="{07F6FF8C-A74B-E640-AF2F-9B4E07A213CF}"/>
+              </a:ext>
+            </a:extLst>
+          </p:cNvPr>
+          <p:cNvSpPr>
+            <a:spLocks noGrp="1"/>
+          </p:cNvSpPr>
+          <p:nvPr>
+            <p:ph type="title"/>
+          </p:nvPr>
+        </p:nvSpPr>
+        <p:spPr/>
+        <p:txBody>
+          <a:bodyPr/>
+          <a:lstStyle/>
+          <a:p>
+            <a:r>
+              <a:rPr lang="en-AU" dirty="0"/>
+              <a:t>Stuxnet Attribution</a:t>
+            </a:r>
+          </a:p>
+        </p:txBody>
+      </p:sp>
+      <p:sp>
+        <p:nvSpPr>
+          <p:cNvPr id="3" name="Content Placeholder 2">
+            <a:extLst>
+              <a:ext uri="{FF2B5EF4-FFF2-40B4-BE49-F238E27FC236}">
+                <a16:creationId xmlns:a16="http://schemas.microsoft.com/office/drawing/2014/main" id="{C29FA815-F1A1-E848-8BE0-A481039CE411}"/>
+              </a:ext>
+            </a:extLst>
+          </p:cNvPr>
+          <p:cNvSpPr>
+            <a:spLocks noGrp="1"/>
+          </p:cNvSpPr>
+          <p:nvPr>
+            <p:ph idx="1"/>
+          </p:nvPr>
+        </p:nvSpPr>
+        <p:spPr/>
+        <p:txBody>
+          <a:bodyPr>
+            <a:normAutofit lnSpcReduction="10000"/>
+          </a:bodyPr>
+          <a:lstStyle/>
+          <a:p>
+            <a:r>
+              <a:rPr lang="en-AU" b="1" dirty="0">
+                <a:effectLst/>
+              </a:rPr>
+              <a:t>It has been suggested that this attack was part of a joint US-Israel operation called Operation Olympic Games launched by US President Obama </a:t>
+            </a:r>
+          </a:p>
+          <a:p>
+            <a:r>
+              <a:rPr lang="en-AU" b="1" dirty="0">
+                <a:effectLst/>
+              </a:rPr>
+              <a:t>Significant code similarities with code released by the Shadow Brokers in 2017 which purported to include an “exploit development framework” developed by the Equation Group, a cybersecurity development team at the NSA in the USA</a:t>
+            </a:r>
+          </a:p>
+          <a:p>
+            <a:r>
+              <a:rPr lang="en-AU" b="1" dirty="0">
+                <a:effectLst/>
+              </a:rPr>
+              <a:t>It is also thought that only a nation state actor would have invested the time and resources in mounting this attack</a:t>
+            </a:r>
+          </a:p>
+          <a:p>
+            <a:r>
+              <a:rPr lang="en-AU" b="1" dirty="0">
+                <a:effectLst/>
+              </a:rPr>
+              <a:t>A more recent attack cutting power to Iranian nuclear power facilities may have been another targeted attack by a nation state</a:t>
+            </a:r>
+          </a:p>
+          <a:p>
+            <a:endParaRPr lang="en-AU" dirty="0"/>
+          </a:p>
+          <a:p>
+            <a:endParaRPr lang="en-US" dirty="0"/>
+          </a:p>
+          <a:p>
+            <a:pPr marL="36900" indent="0">
+              <a:buNone/>
+            </a:pPr>
+            <a:endParaRPr lang="en-AU" dirty="0">
+              <a:effectLst/>
+            </a:endParaRPr>
+          </a:p>
+          <a:p>
+            <a:endParaRPr lang="en-AU" sz="2000" dirty="0"/>
+          </a:p>
+        </p:txBody>
+      </p:sp>
+    </p:spTree>
+    <p:extLst>
+      <p:ext uri="{BB962C8B-B14F-4D97-AF65-F5344CB8AC3E}">
+        <p14:creationId xmlns:p14="http://schemas.microsoft.com/office/powerpoint/2010/main" val="4037122507"/>
+      </p:ext>
+    </p:extLst>
+  </p:cSld>
+  <p:clrMapOvr>
+    <a:masterClrMapping/>
+  </p:clrMapOvr>
+</p:sld>
+</file>
+
+<file path=ppt/slides/slide13.xml><?xml version="1.0" encoding="utf-8"?>
+<p:sld xmlns:a="http://schemas.openxmlformats.org/drawingml/2006/main" xmlns:r="http://schemas.openxmlformats.org/officeDocument/2006/relationships" xmlns:p="http://schemas.openxmlformats.org/presentationml/2006/main">
+  <p:cSld>
+    <p:spTree>
+      <p:nvGrpSpPr>
+        <p:cNvPr id="1" name=""/>
+        <p:cNvGrpSpPr/>
+        <p:nvPr/>
+      </p:nvGrpSpPr>
+      <p:grpSpPr>
+        <a:xfrm>
+          <a:off x="0" y="0"/>
+          <a:ext cx="0" cy="0"/>
+          <a:chOff x="0" y="0"/>
+          <a:chExt cx="0" cy="0"/>
+        </a:xfrm>
+      </p:grpSpPr>
+      <p:sp>
+        <p:nvSpPr>
+          <p:cNvPr id="2" name="Title 1">
+            <a:extLst>
+              <a:ext uri="{FF2B5EF4-FFF2-40B4-BE49-F238E27FC236}">
+                <a16:creationId xmlns:a16="http://schemas.microsoft.com/office/drawing/2014/main" id="{07F6FF8C-A74B-E640-AF2F-9B4E07A213CF}"/>
+              </a:ext>
+            </a:extLst>
+          </p:cNvPr>
+          <p:cNvSpPr>
+            <a:spLocks noGrp="1"/>
+          </p:cNvSpPr>
+          <p:nvPr>
+            <p:ph type="title"/>
+          </p:nvPr>
+        </p:nvSpPr>
+        <p:spPr/>
+        <p:txBody>
+          <a:bodyPr/>
+          <a:lstStyle/>
+          <a:p>
+            <a:r>
+              <a:rPr lang="en-AU" dirty="0" err="1"/>
+              <a:t>Cyberphysical</a:t>
+            </a:r>
+            <a:r>
+              <a:rPr lang="en-AU" dirty="0"/>
+              <a:t> Systems</a:t>
+            </a:r>
+          </a:p>
+        </p:txBody>
+      </p:sp>
+      <p:sp>
+        <p:nvSpPr>
+          <p:cNvPr id="3" name="Content Placeholder 2">
+            <a:extLst>
+              <a:ext uri="{FF2B5EF4-FFF2-40B4-BE49-F238E27FC236}">
+                <a16:creationId xmlns:a16="http://schemas.microsoft.com/office/drawing/2014/main" id="{C29FA815-F1A1-E848-8BE0-A481039CE411}"/>
+              </a:ext>
+            </a:extLst>
+          </p:cNvPr>
+          <p:cNvSpPr>
+            <a:spLocks noGrp="1"/>
+          </p:cNvSpPr>
+          <p:nvPr>
+            <p:ph idx="1"/>
+          </p:nvPr>
+        </p:nvSpPr>
+        <p:spPr/>
+        <p:txBody>
+          <a:bodyPr>
+            <a:normAutofit/>
+          </a:bodyPr>
+          <a:lstStyle/>
+          <a:p>
+            <a:r>
+              <a:rPr lang="en-AU" b="1" dirty="0" err="1">
+                <a:effectLst/>
+              </a:rPr>
+              <a:t>Cyberphysical</a:t>
+            </a:r>
+            <a:r>
+              <a:rPr lang="en-AU" b="1" dirty="0">
+                <a:effectLst/>
+              </a:rPr>
+              <a:t> systems (CPS) are the combination of sensors, communications, processing and control systems to interface with and control the physical environment.</a:t>
+            </a:r>
+          </a:p>
+          <a:p>
+            <a:r>
+              <a:rPr lang="en-AU" b="1" dirty="0">
+                <a:effectLst/>
+              </a:rPr>
+              <a:t>Related to IoT, Smart Cities, (Smart Anything)</a:t>
+            </a:r>
+          </a:p>
+          <a:p>
+            <a:r>
+              <a:rPr lang="en-AU" b="1" dirty="0">
+                <a:effectLst/>
+              </a:rPr>
+              <a:t>Examples include ICS, smart grids, autonomous vehicles, robots, healthcare systems</a:t>
+            </a:r>
+          </a:p>
+          <a:p>
+            <a:r>
+              <a:rPr lang="en-AU" b="1" dirty="0">
+                <a:effectLst/>
+              </a:rPr>
+              <a:t> Communication is via a number of different protocols but will increasingly rely on 5G+ technologies</a:t>
+            </a:r>
+          </a:p>
+          <a:p>
+            <a:pPr lvl="1"/>
+            <a:r>
+              <a:rPr lang="en-AU" b="1" dirty="0">
+                <a:effectLst/>
+              </a:rPr>
+              <a:t>Involves M2M (Machine-to-Machine) communication</a:t>
+            </a:r>
+          </a:p>
+          <a:p>
+            <a:endParaRPr lang="en-AU" dirty="0"/>
+          </a:p>
+          <a:p>
+            <a:endParaRPr lang="en-US" dirty="0"/>
+          </a:p>
+          <a:p>
+            <a:pPr marL="36900" indent="0">
+              <a:buNone/>
+            </a:pPr>
+            <a:endParaRPr lang="en-AU" dirty="0">
+              <a:effectLst/>
+            </a:endParaRPr>
+          </a:p>
+          <a:p>
+            <a:endParaRPr lang="en-AU" sz="2000" dirty="0"/>
+          </a:p>
+        </p:txBody>
+      </p:sp>
+    </p:spTree>
+    <p:extLst>
+      <p:ext uri="{BB962C8B-B14F-4D97-AF65-F5344CB8AC3E}">
+        <p14:creationId xmlns:p14="http://schemas.microsoft.com/office/powerpoint/2010/main" val="674822591"/>
+      </p:ext>
+    </p:extLst>
+  </p:cSld>
+  <p:clrMapOvr>
+    <a:masterClrMapping/>
+  </p:clrMapOvr>
+</p:sld>
+</file>
+
+<file path=ppt/slides/slide14.xml><?xml version="1.0" encoding="utf-8"?>
+<p:sld xmlns:a="http://schemas.openxmlformats.org/drawingml/2006/main" xmlns:r="http://schemas.openxmlformats.org/officeDocument/2006/relationships" xmlns:p="http://schemas.openxmlformats.org/presentationml/2006/main">
+  <p:cSld>
+    <p:bg>
+      <p:bgPr>
+        <a:blipFill rotWithShape="1">
+          <a:blip r:embed="rId3">
+            <a:duotone>
+              <a:schemeClr val="bg1">
+                <a:shade val="80000"/>
+                <a:lumMod val="80000"/>
+              </a:schemeClr>
+              <a:schemeClr val="bg1">
+                <a:tint val="98000"/>
+              </a:schemeClr>
+            </a:duotone>
+          </a:blip>
+          <a:stretch/>
+        </a:blipFill>
+        <a:effectLst/>
+      </p:bgPr>
+    </p:bg>
+    <p:spTree>
+      <p:nvGrpSpPr>
+        <p:cNvPr id="1" name=""/>
+        <p:cNvGrpSpPr/>
+        <p:nvPr/>
+      </p:nvGrpSpPr>
+      <p:grpSpPr>
+        <a:xfrm>
+          <a:off x="0" y="0"/>
+          <a:ext cx="0" cy="0"/>
+          <a:chOff x="0" y="0"/>
+          <a:chExt cx="0" cy="0"/>
+        </a:xfrm>
+      </p:grpSpPr>
+      <p:sp>
+        <p:nvSpPr>
+          <p:cNvPr id="10" name="Rectangle 9">
+            <a:extLst>
+              <a:ext uri="{FF2B5EF4-FFF2-40B4-BE49-F238E27FC236}">
+                <a16:creationId xmlns:a16="http://schemas.microsoft.com/office/drawing/2014/main" id="{A98FD4FC-479A-4C2B-84A5-CF81E055FBC0}"/>
+              </a:ext>
+              <a:ext uri="{C183D7F6-B498-43B3-948B-1728B52AA6E4}">
+                <adec:decorative xmlns:adec="http://schemas.microsoft.com/office/drawing/2017/decorative" val="1"/>
+              </a:ext>
+            </a:extLst>
+          </p:cNvPr>
+          <p:cNvSpPr>
+            <a:spLocks noGrp="1" noRot="1" noChangeAspect="1" noMove="1" noResize="1" noEditPoints="1" noAdjustHandles="1" noChangeArrowheads="1" noChangeShapeType="1" noTextEdit="1"/>
+          </p:cNvSpPr>
+          <p:nvPr>
+            <p:extLst>
+              <p:ext uri="{386F3935-93C4-4BCD-93E2-E3B085C9AB24}">
+                <p16:designElem xmlns:p16="http://schemas.microsoft.com/office/powerpoint/2015/main" val="1"/>
+              </p:ext>
+            </p:extLst>
+          </p:nvPr>
+        </p:nvSpPr>
+        <p:spPr>
+          <a:xfrm>
+            <a:off x="0" y="0"/>
+            <a:ext cx="12192000" cy="6858000"/>
+          </a:xfrm>
+          <a:prstGeom prst="rect">
+            <a:avLst/>
+          </a:prstGeom>
+          <a:solidFill>
+            <a:srgbClr val="FFFFFF"/>
+          </a:solidFill>
+          <a:ln>
+            <a:noFill/>
+          </a:ln>
+        </p:spPr>
+        <p:style>
+          <a:lnRef idx="2">
+            <a:schemeClr val="accent1">
+              <a:shade val="50000"/>
+            </a:schemeClr>
+          </a:lnRef>
+          <a:fillRef idx="1">
+            <a:schemeClr val="accent1"/>
+          </a:fillRef>
+          <a:effectRef idx="0">
+            <a:schemeClr val="accent1"/>
+          </a:effectRef>
+          <a:fontRef idx="minor">
+            <a:schemeClr val="lt1"/>
+          </a:fontRef>
+        </p:style>
+        <p:txBody>
+          <a:bodyPr rtlCol="0" anchor="ctr"/>
+          <a:lstStyle/>
+          <a:p>
+            <a:pPr algn="ctr"/>
+            <a:endParaRPr lang="en-US"/>
+          </a:p>
+        </p:txBody>
+      </p:sp>
+      <p:sp useBgFill="1">
+        <p:nvSpPr>
+          <p:cNvPr id="12" name="Freeform 5">
+            <a:extLst>
+              <a:ext uri="{FF2B5EF4-FFF2-40B4-BE49-F238E27FC236}">
+                <a16:creationId xmlns:a16="http://schemas.microsoft.com/office/drawing/2014/main" id="{37D54B6C-87D0-4C03-8335-3955179D2B5B}"/>
+              </a:ext>
+              <a:ext uri="{C183D7F6-B498-43B3-948B-1728B52AA6E4}">
+                <adec:decorative xmlns:adec="http://schemas.microsoft.com/office/drawing/2017/decorative" val="1"/>
+              </a:ext>
+            </a:extLst>
+          </p:cNvPr>
+          <p:cNvSpPr>
+            <a:spLocks noGrp="1" noRot="1" noChangeAspect="1" noMove="1" noResize="1" noEditPoints="1" noAdjustHandles="1" noChangeArrowheads="1" noChangeShapeType="1" noTextEdit="1"/>
+          </p:cNvSpPr>
+          <p:nvPr>
+            <p:extLst>
+              <p:ext uri="{386F3935-93C4-4BCD-93E2-E3B085C9AB24}">
+                <p16:designElem xmlns:p16="http://schemas.microsoft.com/office/powerpoint/2015/main" val="1"/>
+              </p:ext>
+            </p:extLst>
+          </p:nvPr>
+        </p:nvSpPr>
+        <p:spPr bwMode="auto">
+          <a:xfrm rot="5400000">
+            <a:off x="-118536" y="1371603"/>
+            <a:ext cx="5624423" cy="4100418"/>
           </a:xfrm>
           <a:custGeom>
             <a:avLst/>
@@ -9868,7 +12953,7 @@
           <p:cNvPr id="2" name="Title 1">
             <a:extLst>
               <a:ext uri="{FF2B5EF4-FFF2-40B4-BE49-F238E27FC236}">
-                <a16:creationId xmlns:a16="http://schemas.microsoft.com/office/drawing/2014/main" id="{A7F2B5DE-6445-CC49-9F8E-7C9072991AF6}"/>
+                <a16:creationId xmlns:a16="http://schemas.microsoft.com/office/drawing/2014/main" id="{07F6FF8C-A74B-E640-AF2F-9B4E07A213CF}"/>
               </a:ext>
             </a:extLst>
           </p:cNvPr>
@@ -9876,49 +12961,35 @@
             <a:spLocks noGrp="1"/>
           </p:cNvSpPr>
           <p:nvPr>
-            <p:ph type="ctrTitle"/>
+            <p:ph type="title"/>
           </p:nvPr>
         </p:nvSpPr>
         <p:spPr>
           <a:xfrm>
-            <a:off x="2480733" y="2074339"/>
-            <a:ext cx="7219954" cy="2308818"/>
+            <a:off x="1039905" y="845387"/>
+            <a:ext cx="3470310" cy="1066689"/>
           </a:xfrm>
         </p:spPr>
         <p:txBody>
-          <a:bodyPr>
-            <a:normAutofit fontScale="90000"/>
+          <a:bodyPr anchor="b">
+            <a:normAutofit/>
           </a:bodyPr>
           <a:lstStyle/>
           <a:p>
-            <a:r>
-              <a:rPr lang="en-US" sz="4800" dirty="0"/>
-              <a:t>CITS1003 Introduction to Cybersecurity</a:t>
-            </a:r>
-            <a:br>
-              <a:rPr lang="en-US" sz="4800" dirty="0"/>
-            </a:br>
-            <a:r>
-              <a:rPr lang="en-US" sz="4800" dirty="0"/>
-              <a:t>[9] Critical Infrastructure and </a:t>
-            </a:r>
-            <a:r>
-              <a:rPr lang="en-US" sz="4800" dirty="0" err="1"/>
-              <a:t>Cyberphysical</a:t>
-            </a:r>
-            <a:r>
-              <a:rPr lang="en-US" sz="4800" dirty="0"/>
-              <a:t> Systems</a:t>
-            </a:r>
-          </a:p>
-        </p:txBody>
-      </p:sp>
-      <p:sp>
-        <p:nvSpPr>
-          <p:cNvPr id="3" name="Subtitle 2">
+            <a:pPr algn="l"/>
+            <a:r>
+              <a:rPr lang="en-AU" sz="2400" dirty="0"/>
+              <a:t>Characteristics of CPS</a:t>
+            </a:r>
+          </a:p>
+        </p:txBody>
+      </p:sp>
+      <p:sp>
+        <p:nvSpPr>
+          <p:cNvPr id="3" name="Content Placeholder 2">
             <a:extLst>
               <a:ext uri="{FF2B5EF4-FFF2-40B4-BE49-F238E27FC236}">
-                <a16:creationId xmlns:a16="http://schemas.microsoft.com/office/drawing/2014/main" id="{1804B053-88E2-6F47-B5CB-F0B21DD687A8}"/>
+                <a16:creationId xmlns:a16="http://schemas.microsoft.com/office/drawing/2014/main" id="{C29FA815-F1A1-E848-8BE0-A481039CE411}"/>
               </a:ext>
             </a:extLst>
           </p:cNvPr>
@@ -9926,36 +12997,153 @@
             <a:spLocks noGrp="1"/>
           </p:cNvSpPr>
           <p:nvPr>
-            <p:ph type="subTitle" idx="1"/>
+            <p:ph idx="1"/>
           </p:nvPr>
         </p:nvSpPr>
         <p:spPr>
           <a:xfrm>
-            <a:off x="2480733" y="4383157"/>
-            <a:ext cx="7219954" cy="569848"/>
+            <a:off x="1039905" y="2147862"/>
+            <a:ext cx="3405573" cy="3499563"/>
           </a:xfrm>
         </p:spPr>
         <p:txBody>
-          <a:bodyPr>
+          <a:bodyPr anchor="t">
             <a:normAutofit/>
           </a:bodyPr>
           <a:lstStyle/>
           <a:p>
-            <a:r>
-              <a:rPr lang="en-US" dirty="0">
-                <a:solidFill>
-                  <a:srgbClr val="20D1FF"/>
-                </a:solidFill>
+            <a:pPr>
+              <a:lnSpc>
+                <a:spcPct val="90000"/>
+              </a:lnSpc>
+            </a:pPr>
+            <a:r>
+              <a:rPr lang="en-AU" sz="1200" b="1" dirty="0">
+                <a:effectLst/>
               </a:rPr>
-              <a:t>Dr David Glance</a:t>
-            </a:r>
-          </a:p>
-        </p:txBody>
-      </p:sp>
+              <a:t>Embedded Systems: CPS does not need general purpose computing and full operating system – often it is just firmware</a:t>
+            </a:r>
+          </a:p>
+          <a:p>
+            <a:pPr>
+              <a:lnSpc>
+                <a:spcPct val="90000"/>
+              </a:lnSpc>
+            </a:pPr>
+            <a:r>
+              <a:rPr lang="en-AU" sz="1200" b="1" dirty="0">
+                <a:effectLst/>
+              </a:rPr>
+              <a:t>Real-Time Systems: Many CPS require real-time systems</a:t>
+            </a:r>
+          </a:p>
+          <a:p>
+            <a:pPr>
+              <a:lnSpc>
+                <a:spcPct val="90000"/>
+              </a:lnSpc>
+            </a:pPr>
+            <a:r>
+              <a:rPr lang="en-AU" sz="1200" b="1" dirty="0">
+                <a:effectLst/>
+              </a:rPr>
+              <a:t>Network protocols: raft of standards that are not particularly secure. Only just moving to IP-based protocols</a:t>
+            </a:r>
+          </a:p>
+          <a:p>
+            <a:pPr>
+              <a:lnSpc>
+                <a:spcPct val="90000"/>
+              </a:lnSpc>
+            </a:pPr>
+            <a:r>
+              <a:rPr lang="en-AU" sz="1200" b="1" dirty="0">
+                <a:effectLst/>
+              </a:rPr>
+              <a:t>Power: power and power supply a significant issue in CPS</a:t>
+            </a:r>
+          </a:p>
+          <a:p>
+            <a:pPr>
+              <a:lnSpc>
+                <a:spcPct val="90000"/>
+              </a:lnSpc>
+            </a:pPr>
+            <a:endParaRPr lang="en-AU" sz="1200" b="1" dirty="0">
+              <a:effectLst/>
+            </a:endParaRPr>
+          </a:p>
+          <a:p>
+            <a:pPr>
+              <a:lnSpc>
+                <a:spcPct val="90000"/>
+              </a:lnSpc>
+            </a:pPr>
+            <a:endParaRPr lang="en-AU" sz="1200" dirty="0"/>
+          </a:p>
+          <a:p>
+            <a:pPr>
+              <a:lnSpc>
+                <a:spcPct val="90000"/>
+              </a:lnSpc>
+            </a:pPr>
+            <a:endParaRPr lang="en-US" sz="1200" dirty="0"/>
+          </a:p>
+          <a:p>
+            <a:pPr marL="36900" indent="0">
+              <a:lnSpc>
+                <a:spcPct val="90000"/>
+              </a:lnSpc>
+              <a:buNone/>
+            </a:pPr>
+            <a:endParaRPr lang="en-AU" sz="1200" dirty="0">
+              <a:effectLst/>
+            </a:endParaRPr>
+          </a:p>
+          <a:p>
+            <a:pPr>
+              <a:lnSpc>
+                <a:spcPct val="90000"/>
+              </a:lnSpc>
+            </a:pPr>
+            <a:endParaRPr lang="en-AU" sz="1200" dirty="0"/>
+          </a:p>
+        </p:txBody>
+      </p:sp>
+      <p:pic>
+        <p:nvPicPr>
+          <p:cNvPr id="5" name="Picture 4" descr="Diagram&#10;&#10;Description automatically generated">
+            <a:extLst>
+              <a:ext uri="{FF2B5EF4-FFF2-40B4-BE49-F238E27FC236}">
+                <a16:creationId xmlns:a16="http://schemas.microsoft.com/office/drawing/2014/main" id="{886B0769-7A95-4141-9253-CDF210DC765B}"/>
+              </a:ext>
+            </a:extLst>
+          </p:cNvPr>
+          <p:cNvPicPr>
+            <a:picLocks noChangeAspect="1"/>
+          </p:cNvPicPr>
+          <p:nvPr/>
+        </p:nvPicPr>
+        <p:blipFill>
+          <a:blip r:embed="rId4"/>
+          <a:stretch>
+            <a:fillRect/>
+          </a:stretch>
+        </p:blipFill>
+        <p:spPr>
+          <a:xfrm>
+            <a:off x="5387351" y="769162"/>
+            <a:ext cx="6161183" cy="5329422"/>
+          </a:xfrm>
+          <a:prstGeom prst="rect">
+            <a:avLst/>
+          </a:prstGeom>
+        </p:spPr>
+      </p:pic>
     </p:spTree>
     <p:extLst>
       <p:ext uri="{BB962C8B-B14F-4D97-AF65-F5344CB8AC3E}">
-        <p14:creationId xmlns:p14="http://schemas.microsoft.com/office/powerpoint/2010/main" val="1077586671"/>
+        <p14:creationId xmlns:p14="http://schemas.microsoft.com/office/powerpoint/2010/main" val="2264461342"/>
       </p:ext>
     </p:extLst>
   </p:cSld>
@@ -9965,7 +13153,7 @@
 </p:sld>
 </file>
 
-<file path=ppt/slides/slide10.xml><?xml version="1.0" encoding="utf-8"?>
+<file path=ppt/slides/slide15.xml><?xml version="1.0" encoding="utf-8"?>
 <p:sld xmlns:a="http://schemas.openxmlformats.org/drawingml/2006/main" xmlns:r="http://schemas.openxmlformats.org/officeDocument/2006/relationships" xmlns:p="http://schemas.openxmlformats.org/presentationml/2006/main">
   <p:cSld>
     <p:spTree>
@@ -10005,7 +13193,7 @@
           <a:p>
             <a:r>
               <a:rPr lang="en-AU" dirty="0"/>
-              <a:t>Stuxnet</a:t>
+              <a:t>CPS Cybersecurity Challenges</a:t>
             </a:r>
           </a:p>
         </p:txBody>
@@ -10029,7 +13217,7 @@
         <p:spPr/>
         <p:txBody>
           <a:bodyPr>
-            <a:normAutofit/>
+            <a:normAutofit lnSpcReduction="10000"/>
           </a:bodyPr>
           <a:lstStyle/>
           <a:p>
@@ -10037,7 +13225,7 @@
               <a:rPr lang="en-AU" b="1" dirty="0">
                 <a:effectLst/>
               </a:rPr>
-              <a:t>Stuxnet was discovered in 2010</a:t>
+              <a:t>Attacks may result in physical harm, even death</a:t>
             </a:r>
           </a:p>
           <a:p>
@@ -10045,7 +13233,7 @@
               <a:rPr lang="en-AU" b="1" dirty="0">
                 <a:effectLst/>
               </a:rPr>
-              <a:t>Launched in 2005 against specific SCADA controlling uranium enrichment centrifuges in Iran</a:t>
+              <a:t>Difficult to switch off devices or parts of the network</a:t>
             </a:r>
           </a:p>
           <a:p>
@@ -10053,7 +13241,7 @@
               <a:rPr lang="en-AU" b="1" dirty="0">
                 <a:effectLst/>
               </a:rPr>
-              <a:t>Initial target is Windows networks</a:t>
+              <a:t>Default administrative ports left open with insecure protocols such as Telnet, FTP, TFTP, HTTP</a:t>
             </a:r>
           </a:p>
           <a:p>
@@ -10061,7 +13249,7 @@
               <a:rPr lang="en-AU" b="1" dirty="0">
                 <a:effectLst/>
               </a:rPr>
-              <a:t>Then specifically targets the PLC running Siemens Step 7 software</a:t>
+              <a:t>Default manufacturer passwords used for administrative functions</a:t>
             </a:r>
           </a:p>
           <a:p>
@@ -10069,7 +13257,7 @@
               <a:rPr lang="en-AU" b="1" dirty="0">
                 <a:effectLst/>
               </a:rPr>
-              <a:t>Causes the centrifuge to spin at a dangerously high speed eventually causing damage and inoperability</a:t>
+              <a:t>Limited memory and processing</a:t>
             </a:r>
           </a:p>
           <a:p>
@@ -10077,7 +13265,15 @@
               <a:rPr lang="en-AU" b="1" dirty="0">
                 <a:effectLst/>
               </a:rPr>
-              <a:t>Masks activities by reporting a normal operating environment</a:t>
+              <a:t>Asset lifetime is 15 – 20 years</a:t>
+            </a:r>
+          </a:p>
+          <a:p>
+            <a:r>
+              <a:rPr lang="en-AU" b="1" dirty="0">
+                <a:effectLst/>
+              </a:rPr>
+              <a:t>Environmental threats </a:t>
             </a:r>
           </a:p>
           <a:p>
@@ -10102,7 +13298,7 @@
     </p:spTree>
     <p:extLst>
       <p:ext uri="{BB962C8B-B14F-4D97-AF65-F5344CB8AC3E}">
-        <p14:creationId xmlns:p14="http://schemas.microsoft.com/office/powerpoint/2010/main" val="3827500938"/>
+        <p14:creationId xmlns:p14="http://schemas.microsoft.com/office/powerpoint/2010/main" val="29475427"/>
       </p:ext>
     </p:extLst>
   </p:cSld>
@@ -10112,7 +13308,7 @@
 </p:sld>
 </file>
 
-<file path=ppt/slides/slide11.xml><?xml version="1.0" encoding="utf-8"?>
+<file path=ppt/slides/slide16.xml><?xml version="1.0" encoding="utf-8"?>
 <p:sld xmlns:a="http://schemas.openxmlformats.org/drawingml/2006/main" xmlns:r="http://schemas.openxmlformats.org/officeDocument/2006/relationships" xmlns:p="http://schemas.openxmlformats.org/presentationml/2006/main">
   <p:cSld>
     <p:spTree>
@@ -10152,7 +13348,7 @@
           <a:p>
             <a:r>
               <a:rPr lang="en-AU" dirty="0"/>
-              <a:t>Stuxnet 2</a:t>
+              <a:t>CPS Cybersecurity Challenges</a:t>
             </a:r>
           </a:p>
         </p:txBody>
@@ -10184,7 +13380,7 @@
               <a:rPr lang="en-AU" b="1" dirty="0">
                 <a:effectLst/>
               </a:rPr>
-              <a:t>Infects computers via USB memory stick and so can cross air gaps but then uses a variety of other techniques to travel across networks</a:t>
+              <a:t>No code signing or checking done on firmware updates</a:t>
             </a:r>
           </a:p>
           <a:p>
@@ -10192,7 +13388,7 @@
               <a:rPr lang="en-AU" b="1" dirty="0">
                 <a:effectLst/>
               </a:rPr>
-              <a:t>The malware only operates if it finds Siemens software and was coded initially to only target specific networks</a:t>
+              <a:t>Communication is done unencrypted</a:t>
             </a:r>
           </a:p>
           <a:p>
@@ -10200,7 +13396,7 @@
               <a:rPr lang="en-AU" b="1" dirty="0">
                 <a:effectLst/>
               </a:rPr>
-              <a:t>However, a programming error meant it spread and was found infecting machines on the Internet </a:t>
+              <a:t>Subject to injection attacks through malicious commands</a:t>
             </a:r>
           </a:p>
           <a:p>
@@ -10208,7 +13404,7 @@
               <a:rPr lang="en-AU" b="1" dirty="0">
                 <a:effectLst/>
               </a:rPr>
-              <a:t>It involves a large number of zero days and this is unusual in malware</a:t>
+              <a:t>Also vulnerable to all other types of attacks: malware, sniffing, spoofing, denial of service, etc.</a:t>
             </a:r>
           </a:p>
           <a:p>
@@ -10216,19 +13412,7 @@
               <a:rPr lang="en-AU" b="1" dirty="0">
                 <a:effectLst/>
               </a:rPr>
-              <a:t>Related malware: </a:t>
-            </a:r>
-            <a:r>
-              <a:rPr lang="en-AU" b="1" dirty="0" err="1">
-                <a:effectLst/>
-              </a:rPr>
-              <a:t>Duqu</a:t>
-            </a:r>
-            <a:r>
-              <a:rPr lang="en-AU" b="1" dirty="0">
-                <a:effectLst/>
-              </a:rPr>
-              <a:t> and Flame</a:t>
+              <a:t>Physical access to devices is hard to control</a:t>
             </a:r>
           </a:p>
           <a:p>
@@ -10253,7 +13437,7 @@
     </p:spTree>
     <p:extLst>
       <p:ext uri="{BB962C8B-B14F-4D97-AF65-F5344CB8AC3E}">
-        <p14:creationId xmlns:p14="http://schemas.microsoft.com/office/powerpoint/2010/main" val="4205009929"/>
+        <p14:creationId xmlns:p14="http://schemas.microsoft.com/office/powerpoint/2010/main" val="1887735505"/>
       </p:ext>
     </p:extLst>
   </p:cSld>
@@ -10263,7 +13447,7 @@
 </p:sld>
 </file>
 
-<file path=ppt/slides/slide12.xml><?xml version="1.0" encoding="utf-8"?>
+<file path=ppt/slides/slide17.xml><?xml version="1.0" encoding="utf-8"?>
 <p:sld xmlns:a="http://schemas.openxmlformats.org/drawingml/2006/main" xmlns:r="http://schemas.openxmlformats.org/officeDocument/2006/relationships" xmlns:p="http://schemas.openxmlformats.org/presentationml/2006/main">
   <p:cSld>
     <p:spTree>
@@ -10303,7 +13487,7 @@
           <a:p>
             <a:r>
               <a:rPr lang="en-AU" dirty="0"/>
-              <a:t>Stuxnet Attribution</a:t>
+              <a:t>CPS Challenges: Updating Firmware</a:t>
             </a:r>
           </a:p>
         </p:txBody>
@@ -10327,7 +13511,7 @@
         <p:spPr/>
         <p:txBody>
           <a:bodyPr>
-            <a:normAutofit lnSpcReduction="10000"/>
+            <a:normAutofit/>
           </a:bodyPr>
           <a:lstStyle/>
           <a:p>
@@ -10335,7 +13519,7 @@
               <a:rPr lang="en-AU" b="1" dirty="0">
                 <a:effectLst/>
               </a:rPr>
-              <a:t>It has been suggested that this attack was part of a joint US-Israel operation called Operation Olympic Games launched by US President Obama </a:t>
+              <a:t>One of the main challenges of CPS is updating firmware, especially when this is done over-the-air (OTA)</a:t>
             </a:r>
           </a:p>
           <a:p>
@@ -10343,7 +13527,7 @@
               <a:rPr lang="en-AU" b="1" dirty="0">
                 <a:effectLst/>
               </a:rPr>
-              <a:t>Significant code similarities with code released by the Shadow Brokers in 2017 which purported to include an “exploit development framework” developed by the Equation Group, a cybersecurity development team at the NSA in the USA</a:t>
+              <a:t>Can use code signing to ensure the firmware update has not been tampered with and is from a trusted source</a:t>
             </a:r>
           </a:p>
           <a:p>
@@ -10351,7 +13535,7 @@
               <a:rPr lang="en-AU" b="1" dirty="0">
                 <a:effectLst/>
               </a:rPr>
-              <a:t>It is also thought that only a nation state actor would have invested the time and resources in mounting this attack</a:t>
+              <a:t>The device holds a public key for the update service</a:t>
             </a:r>
           </a:p>
           <a:p>
@@ -10359,7 +13543,15 @@
               <a:rPr lang="en-AU" b="1" dirty="0">
                 <a:effectLst/>
               </a:rPr>
-              <a:t>A more recent attack cutting power to Iranian nuclear power facilities may have been another targeted attack by a nation state</a:t>
+              <a:t>Individual files within the firmware update can be signed as well</a:t>
+            </a:r>
+          </a:p>
+          <a:p>
+            <a:r>
+              <a:rPr lang="en-AU" b="1" dirty="0">
+                <a:effectLst/>
+              </a:rPr>
+              <a:t>Need a cryptographic bootloader to handle the loading and checking of firmware</a:t>
             </a:r>
           </a:p>
           <a:p>
@@ -10384,7 +13576,7 @@
     </p:spTree>
     <p:extLst>
       <p:ext uri="{BB962C8B-B14F-4D97-AF65-F5344CB8AC3E}">
-        <p14:creationId xmlns:p14="http://schemas.microsoft.com/office/powerpoint/2010/main" val="4037122507"/>
+        <p14:creationId xmlns:p14="http://schemas.microsoft.com/office/powerpoint/2010/main" val="2217583293"/>
       </p:ext>
     </p:extLst>
   </p:cSld>
@@ -10394,7 +13586,7 @@
 </p:sld>
 </file>
 
-<file path=ppt/slides/slide13.xml><?xml version="1.0" encoding="utf-8"?>
+<file path=ppt/slides/slide18.xml><?xml version="1.0" encoding="utf-8"?>
 <p:sld xmlns:a="http://schemas.openxmlformats.org/drawingml/2006/main" xmlns:r="http://schemas.openxmlformats.org/officeDocument/2006/relationships" xmlns:p="http://schemas.openxmlformats.org/presentationml/2006/main">
   <p:cSld>
     <p:spTree>
@@ -10434,7 +13626,7 @@
           <a:p>
             <a:r>
               <a:rPr lang="en-AU" dirty="0"/>
-              <a:t>Cyber-Physical Systems</a:t>
+              <a:t>CPS Cybersecurity Mitigation</a:t>
             </a:r>
           </a:p>
         </p:txBody>
@@ -10466,31 +13658,34 @@
               <a:rPr lang="en-AU" b="1" dirty="0">
                 <a:effectLst/>
               </a:rPr>
-              <a:t>Cyber-physical systems (CPS) are the combination of sensors, communications, processing and control systems to interface with and control the physical environment.</a:t>
-            </a:r>
-          </a:p>
-          <a:p>
+              <a:t>Traditional protections through:</a:t>
+            </a:r>
+          </a:p>
+          <a:p>
+            <a:pPr lvl="1"/>
             <a:r>
               <a:rPr lang="en-AU" b="1" dirty="0">
                 <a:effectLst/>
               </a:rPr>
-              <a:t>Related to IoT, Smart Cities, (Smart Anything)</a:t>
-            </a:r>
-          </a:p>
-          <a:p>
+              <a:t>Firewalls</a:t>
+            </a:r>
+          </a:p>
+          <a:p>
+            <a:pPr lvl="1"/>
             <a:r>
               <a:rPr lang="en-AU" b="1" dirty="0">
                 <a:effectLst/>
               </a:rPr>
-              <a:t>Examples include ICS, smart grids, autonomous vehicles, robots, healthcare systems</a:t>
-            </a:r>
-          </a:p>
-          <a:p>
+              <a:t>IDPS</a:t>
+            </a:r>
+          </a:p>
+          <a:p>
+            <a:pPr lvl="1"/>
             <a:r>
               <a:rPr lang="en-AU" b="1" dirty="0">
                 <a:effectLst/>
               </a:rPr>
-              <a:t> Communication is via a number of different protocols but will increasingly rely on 5G+ technologies</a:t>
+              <a:t>Segregation of network</a:t>
             </a:r>
           </a:p>
           <a:p>
@@ -10499,7 +13694,23 @@
               <a:rPr lang="en-AU" b="1" dirty="0">
                 <a:effectLst/>
               </a:rPr>
-              <a:t>Involves M2M (Machine-to-Machine) communication</a:t>
+              <a:t>Access control – especially of remote access</a:t>
+            </a:r>
+          </a:p>
+          <a:p>
+            <a:r>
+              <a:rPr lang="en-AU" b="1" dirty="0">
+                <a:effectLst/>
+              </a:rPr>
+              <a:t>Closing default administration ports and changing default passwords</a:t>
+            </a:r>
+          </a:p>
+          <a:p>
+            <a:r>
+              <a:rPr lang="en-AU" b="1" dirty="0">
+                <a:effectLst/>
+              </a:rPr>
+              <a:t>Updating firmware through regular updates</a:t>
             </a:r>
           </a:p>
           <a:p>
@@ -10524,7 +13735,7 @@
     </p:spTree>
     <p:extLst>
       <p:ext uri="{BB962C8B-B14F-4D97-AF65-F5344CB8AC3E}">
-        <p14:creationId xmlns:p14="http://schemas.microsoft.com/office/powerpoint/2010/main" val="674822591"/>
+        <p14:creationId xmlns:p14="http://schemas.microsoft.com/office/powerpoint/2010/main" val="1622938597"/>
       </p:ext>
     </p:extLst>
   </p:cSld>
@@ -10534,13 +13745,188 @@
 </p:sld>
 </file>
 
-<file path=ppt/slides/slide14.xml><?xml version="1.0" encoding="utf-8"?>
+<file path=ppt/slides/slide19.xml><?xml version="1.0" encoding="utf-8"?>
+<p:sld xmlns:a="http://schemas.openxmlformats.org/drawingml/2006/main" xmlns:r="http://schemas.openxmlformats.org/officeDocument/2006/relationships" xmlns:p="http://schemas.openxmlformats.org/presentationml/2006/main">
+  <p:cSld>
+    <p:spTree>
+      <p:nvGrpSpPr>
+        <p:cNvPr id="1" name=""/>
+        <p:cNvGrpSpPr/>
+        <p:nvPr/>
+      </p:nvGrpSpPr>
+      <p:grpSpPr>
+        <a:xfrm>
+          <a:off x="0" y="0"/>
+          <a:ext cx="0" cy="0"/>
+          <a:chOff x="0" y="0"/>
+          <a:chExt cx="0" cy="0"/>
+        </a:xfrm>
+      </p:grpSpPr>
+      <p:sp>
+        <p:nvSpPr>
+          <p:cNvPr id="2" name="Title 1">
+            <a:extLst>
+              <a:ext uri="{FF2B5EF4-FFF2-40B4-BE49-F238E27FC236}">
+                <a16:creationId xmlns:a16="http://schemas.microsoft.com/office/drawing/2014/main" id="{07F6FF8C-A74B-E640-AF2F-9B4E07A213CF}"/>
+              </a:ext>
+            </a:extLst>
+          </p:cNvPr>
+          <p:cNvSpPr>
+            <a:spLocks noGrp="1"/>
+          </p:cNvSpPr>
+          <p:nvPr>
+            <p:ph type="title"/>
+          </p:nvPr>
+        </p:nvSpPr>
+        <p:spPr>
+          <a:xfrm>
+            <a:off x="913795" y="304800"/>
+            <a:ext cx="10353762" cy="615949"/>
+          </a:xfrm>
+        </p:spPr>
+        <p:txBody>
+          <a:bodyPr>
+            <a:normAutofit fontScale="90000"/>
+          </a:bodyPr>
+          <a:lstStyle/>
+          <a:p>
+            <a:r>
+              <a:rPr lang="en-AU" dirty="0"/>
+              <a:t>IoT in Healthcare</a:t>
+            </a:r>
+          </a:p>
+        </p:txBody>
+      </p:sp>
+      <p:sp>
+        <p:nvSpPr>
+          <p:cNvPr id="3" name="Content Placeholder 2">
+            <a:extLst>
+              <a:ext uri="{FF2B5EF4-FFF2-40B4-BE49-F238E27FC236}">
+                <a16:creationId xmlns:a16="http://schemas.microsoft.com/office/drawing/2014/main" id="{C29FA815-F1A1-E848-8BE0-A481039CE411}"/>
+              </a:ext>
+            </a:extLst>
+          </p:cNvPr>
+          <p:cNvSpPr>
+            <a:spLocks noGrp="1"/>
+          </p:cNvSpPr>
+          <p:nvPr>
+            <p:ph idx="1"/>
+          </p:nvPr>
+        </p:nvSpPr>
+        <p:spPr/>
+        <p:txBody>
+          <a:bodyPr>
+            <a:normAutofit/>
+          </a:bodyPr>
+          <a:lstStyle/>
+          <a:p>
+            <a:endParaRPr lang="en-AU" dirty="0"/>
+          </a:p>
+          <a:p>
+            <a:endParaRPr lang="en-US" dirty="0"/>
+          </a:p>
+          <a:p>
+            <a:pPr marL="36900" indent="0">
+              <a:buNone/>
+            </a:pPr>
+            <a:endParaRPr lang="en-AU" dirty="0">
+              <a:effectLst/>
+            </a:endParaRPr>
+          </a:p>
+          <a:p>
+            <a:endParaRPr lang="en-AU" sz="2000" dirty="0"/>
+          </a:p>
+        </p:txBody>
+      </p:sp>
+      <p:pic>
+        <p:nvPicPr>
+          <p:cNvPr id="4" name="Picture 3">
+            <a:extLst>
+              <a:ext uri="{FF2B5EF4-FFF2-40B4-BE49-F238E27FC236}">
+                <a16:creationId xmlns:a16="http://schemas.microsoft.com/office/drawing/2014/main" id="{53821BF3-2CA3-D143-8F25-E8275A8A29E6}"/>
+              </a:ext>
+            </a:extLst>
+          </p:cNvPr>
+          <p:cNvPicPr/>
+          <p:nvPr/>
+        </p:nvPicPr>
+        <p:blipFill>
+          <a:blip r:embed="rId3" cstate="print">
+            <a:extLst>
+              <a:ext uri="{28A0092B-C50C-407E-A947-70E740481C1C}">
+                <a14:useLocalDpi xmlns:a14="http://schemas.microsoft.com/office/drawing/2010/main" val="0"/>
+              </a:ext>
+            </a:extLst>
+          </a:blip>
+          <a:stretch>
+            <a:fillRect/>
+          </a:stretch>
+        </p:blipFill>
+        <p:spPr>
+          <a:xfrm>
+            <a:off x="924443" y="920749"/>
+            <a:ext cx="9743557" cy="5600699"/>
+          </a:xfrm>
+          <a:prstGeom prst="rect">
+            <a:avLst/>
+          </a:prstGeom>
+        </p:spPr>
+      </p:pic>
+      <p:sp>
+        <p:nvSpPr>
+          <p:cNvPr id="5" name="TextBox 4">
+            <a:extLst>
+              <a:ext uri="{FF2B5EF4-FFF2-40B4-BE49-F238E27FC236}">
+                <a16:creationId xmlns:a16="http://schemas.microsoft.com/office/drawing/2014/main" id="{BCB0EE0A-04C4-0847-8130-097831A160DE}"/>
+              </a:ext>
+            </a:extLst>
+          </p:cNvPr>
+          <p:cNvSpPr txBox="1"/>
+          <p:nvPr/>
+        </p:nvSpPr>
+        <p:spPr>
+          <a:xfrm>
+            <a:off x="279133" y="6553200"/>
+            <a:ext cx="1494320" cy="246221"/>
+          </a:xfrm>
+          <a:prstGeom prst="rect">
+            <a:avLst/>
+          </a:prstGeom>
+          <a:noFill/>
+        </p:spPr>
+        <p:txBody>
+          <a:bodyPr wrap="none" rtlCol="0">
+            <a:spAutoFit/>
+          </a:bodyPr>
+          <a:lstStyle/>
+          <a:p>
+            <a:r>
+              <a:rPr lang="en-AU" sz="1000" dirty="0"/>
+              <a:t>Frost and Sullivan Phillips</a:t>
+            </a:r>
+          </a:p>
+        </p:txBody>
+      </p:sp>
+    </p:spTree>
+    <p:extLst>
+      <p:ext uri="{BB962C8B-B14F-4D97-AF65-F5344CB8AC3E}">
+        <p14:creationId xmlns:p14="http://schemas.microsoft.com/office/powerpoint/2010/main" val="1293635912"/>
+      </p:ext>
+    </p:extLst>
+  </p:cSld>
+  <p:clrMapOvr>
+    <a:masterClrMapping/>
+  </p:clrMapOvr>
+</p:sld>
+</file>
+
+<file path=ppt/slides/slide2.xml><?xml version="1.0" encoding="utf-8"?>
 <p:sld xmlns:a="http://schemas.openxmlformats.org/drawingml/2006/main" xmlns:r="http://schemas.openxmlformats.org/officeDocument/2006/relationships" xmlns:p="http://schemas.openxmlformats.org/presentationml/2006/main">
   <p:cSld>
     <p:bg>
       <p:bgPr>
         <a:blipFill rotWithShape="1">
-          <a:blip r:embed="rId2">
+          <a:blip r:embed="rId3">
             <a:duotone>
               <a:schemeClr val="bg1">
                 <a:shade val="80000"/>
@@ -10572,7 +13958,7 @@
       </p:grpSpPr>
       <p:sp>
         <p:nvSpPr>
-          <p:cNvPr id="10" name="Rectangle 9">
+          <p:cNvPr id="73" name="Rectangle 72">
             <a:extLst>
               <a:ext uri="{FF2B5EF4-FFF2-40B4-BE49-F238E27FC236}">
                 <a16:creationId xmlns:a16="http://schemas.microsoft.com/office/drawing/2014/main" id="{A98FD4FC-479A-4C2B-84A5-CF81E055FBC0}"/>
@@ -10635,7 +14021,7 @@
       </p:sp>
       <p:sp useBgFill="1">
         <p:nvSpPr>
-          <p:cNvPr id="12" name="Freeform 5">
+          <p:cNvPr id="75" name="Freeform 5">
             <a:extLst>
               <a:ext uri="{FF2B5EF4-FFF2-40B4-BE49-F238E27FC236}">
                 <a16:creationId xmlns:a16="http://schemas.microsoft.com/office/drawing/2014/main" id="{37D54B6C-87D0-4C03-8335-3955179D2B5B}"/>
@@ -10815,7 +14201,7 @@
           </a:effectLst>
           <a:extLst>
             <a:ext uri="{91240B29-F687-4f45-9708-019B960494DF}">
-              <a14:hiddenLine xmlns:a16="http://schemas.microsoft.com/office/drawing/2014/main" xmlns:p14="http://schemas.microsoft.com/office/powerpoint/2010/main" xmlns:a14="http://schemas.microsoft.com/office/drawing/2010/main" xmlns="" w="9525">
+              <a14:hiddenLine xmlns="" xmlns:a14="http://schemas.microsoft.com/office/drawing/2010/main" xmlns:p14="http://schemas.microsoft.com/office/powerpoint/2010/main" xmlns:a16="http://schemas.microsoft.com/office/drawing/2014/main" w="9525">
                 <a:solidFill>
                   <a:srgbClr val="000000"/>
                 </a:solidFill>
@@ -10843,7 +14229,7 @@
           <p:cNvPr id="2" name="Title 1">
             <a:extLst>
               <a:ext uri="{FF2B5EF4-FFF2-40B4-BE49-F238E27FC236}">
-                <a16:creationId xmlns:a16="http://schemas.microsoft.com/office/drawing/2014/main" id="{07F6FF8C-A74B-E640-AF2F-9B4E07A213CF}"/>
+                <a16:creationId xmlns:a16="http://schemas.microsoft.com/office/drawing/2014/main" id="{5C4F01C5-5333-2248-B03B-703C97F7CC69}"/>
               </a:ext>
             </a:extLst>
           </p:cNvPr>
@@ -10861,179 +14247,288 @@
           </a:xfrm>
         </p:spPr>
         <p:txBody>
-          <a:bodyPr anchor="b">
+          <a:bodyPr vert="horz" lIns="91440" tIns="45720" rIns="91440" bIns="45720" rtlCol="0" anchor="b">
             <a:normAutofit/>
           </a:bodyPr>
           <a:lstStyle/>
           <a:p>
             <a:pPr algn="l"/>
             <a:r>
-              <a:rPr lang="en-AU" sz="2400" dirty="0"/>
-              <a:t>Characteristics of CPS</a:t>
-            </a:r>
-          </a:p>
-        </p:txBody>
-      </p:sp>
-      <p:sp>
-        <p:nvSpPr>
-          <p:cNvPr id="3" name="Content Placeholder 2">
+              <a:rPr lang="en-US" sz="2400" kern="1200">
+                <a:ln>
+                  <a:solidFill>
+                    <a:schemeClr val="bg1">
+                      <a:lumMod val="75000"/>
+                      <a:lumOff val="25000"/>
+                      <a:alpha val="10000"/>
+                    </a:schemeClr>
+                  </a:solidFill>
+                </a:ln>
+                <a:solidFill>
+                  <a:schemeClr val="tx2"/>
+                </a:solidFill>
+                <a:effectLst>
+                  <a:outerShdw blurRad="9525" dist="25400" dir="14640000" algn="tl" rotWithShape="0">
+                    <a:schemeClr val="bg1">
+                      <a:alpha val="30000"/>
+                    </a:schemeClr>
+                  </a:outerShdw>
+                </a:effectLst>
+                <a:latin typeface="+mj-lt"/>
+                <a:ea typeface="+mj-ea"/>
+                <a:cs typeface="Trebuchet MS"/>
+              </a:rPr>
+              <a:t>A unit about </a:t>
+            </a:r>
+            <a:r>
+              <a:rPr lang="en-US" sz="2400" strike="sngStrike" kern="1200">
+                <a:ln>
+                  <a:solidFill>
+                    <a:schemeClr val="bg1">
+                      <a:lumMod val="75000"/>
+                      <a:lumOff val="25000"/>
+                      <a:alpha val="10000"/>
+                    </a:schemeClr>
+                  </a:solidFill>
+                </a:ln>
+                <a:solidFill>
+                  <a:schemeClr val="tx2"/>
+                </a:solidFill>
+                <a:effectLst>
+                  <a:outerShdw blurRad="9525" dist="25400" dir="14640000" algn="tl" rotWithShape="0">
+                    <a:schemeClr val="bg1">
+                      <a:alpha val="30000"/>
+                    </a:schemeClr>
+                  </a:outerShdw>
+                </a:effectLst>
+                <a:latin typeface="+mj-lt"/>
+                <a:ea typeface="+mj-ea"/>
+                <a:cs typeface="Trebuchet MS"/>
+              </a:rPr>
+              <a:t>cats</a:t>
+            </a:r>
+            <a:r>
+              <a:rPr lang="en-US" sz="2400" kern="1200">
+                <a:ln>
+                  <a:solidFill>
+                    <a:schemeClr val="bg1">
+                      <a:lumMod val="75000"/>
+                      <a:lumOff val="25000"/>
+                      <a:alpha val="10000"/>
+                    </a:schemeClr>
+                  </a:solidFill>
+                </a:ln>
+                <a:solidFill>
+                  <a:schemeClr val="tx2"/>
+                </a:solidFill>
+                <a:effectLst>
+                  <a:outerShdw blurRad="9525" dist="25400" dir="14640000" algn="tl" rotWithShape="0">
+                    <a:schemeClr val="bg1">
+                      <a:alpha val="30000"/>
+                    </a:schemeClr>
+                  </a:outerShdw>
+                </a:effectLst>
+                <a:latin typeface="+mj-lt"/>
+                <a:ea typeface="+mj-ea"/>
+                <a:cs typeface="Trebuchet MS"/>
+              </a:rPr>
+              <a:t> cybersecurity</a:t>
+            </a:r>
+            <a:endParaRPr lang="en-US" sz="2400" kern="1200" dirty="0">
+              <a:ln>
+                <a:solidFill>
+                  <a:schemeClr val="bg1">
+                    <a:lumMod val="75000"/>
+                    <a:lumOff val="25000"/>
+                    <a:alpha val="10000"/>
+                  </a:schemeClr>
+                </a:solidFill>
+              </a:ln>
+              <a:solidFill>
+                <a:schemeClr val="tx2"/>
+              </a:solidFill>
+              <a:effectLst>
+                <a:outerShdw blurRad="9525" dist="25400" dir="14640000" algn="tl" rotWithShape="0">
+                  <a:schemeClr val="bg1">
+                    <a:alpha val="30000"/>
+                  </a:schemeClr>
+                </a:outerShdw>
+              </a:effectLst>
+              <a:latin typeface="+mj-lt"/>
+              <a:ea typeface="+mj-ea"/>
+              <a:cs typeface="Trebuchet MS"/>
+            </a:endParaRPr>
+          </a:p>
+        </p:txBody>
+      </p:sp>
+      <p:sp>
+        <p:nvSpPr>
+          <p:cNvPr id="3" name="TextBox 2">
             <a:extLst>
               <a:ext uri="{FF2B5EF4-FFF2-40B4-BE49-F238E27FC236}">
-                <a16:creationId xmlns:a16="http://schemas.microsoft.com/office/drawing/2014/main" id="{C29FA815-F1A1-E848-8BE0-A481039CE411}"/>
+                <a16:creationId xmlns:a16="http://schemas.microsoft.com/office/drawing/2014/main" id="{D04A9560-61A7-8541-B04F-4C1E6892BE66}"/>
               </a:ext>
             </a:extLst>
           </p:cNvPr>
-          <p:cNvSpPr>
-            <a:spLocks noGrp="1"/>
-          </p:cNvSpPr>
-          <p:nvPr>
-            <p:ph idx="1"/>
-          </p:nvPr>
+          <p:cNvSpPr txBox="1"/>
+          <p:nvPr/>
         </p:nvSpPr>
         <p:spPr>
           <a:xfrm>
             <a:off x="1039905" y="2147862"/>
             <a:ext cx="3405573" cy="3499563"/>
           </a:xfrm>
+          <a:prstGeom prst="rect">
+            <a:avLst/>
+          </a:prstGeom>
         </p:spPr>
         <p:txBody>
-          <a:bodyPr anchor="t">
+          <a:bodyPr vert="horz" lIns="91440" tIns="45720" rIns="91440" bIns="45720" rtlCol="0" anchor="t">
             <a:normAutofit/>
           </a:bodyPr>
           <a:lstStyle/>
           <a:p>
-            <a:pPr>
-              <a:lnSpc>
-                <a:spcPct val="90000"/>
-              </a:lnSpc>
+            <a:pPr defTabSz="457200">
+              <a:spcBef>
+                <a:spcPct val="20000"/>
+              </a:spcBef>
+              <a:spcAft>
+                <a:spcPts val="600"/>
+              </a:spcAft>
+              <a:buClr>
+                <a:schemeClr val="tx2"/>
+              </a:buClr>
+              <a:buSzPct val="70000"/>
+              <a:buFont typeface="Wingdings 2" charset="2"/>
             </a:pPr>
-            <a:r>
-              <a:rPr lang="en-AU" sz="1200" b="1" dirty="0">
-                <a:effectLst/>
-              </a:rPr>
-              <a:t>Embedded Systems: CPS does not need general purpose computing and full operating system – often it is just firmware</a:t>
-            </a:r>
-          </a:p>
-          <a:p>
-            <a:pPr>
-              <a:lnSpc>
-                <a:spcPct val="90000"/>
-              </a:lnSpc>
-            </a:pPr>
-            <a:r>
-              <a:rPr lang="en-AU" sz="1200" b="1" dirty="0">
-                <a:effectLst/>
-              </a:rPr>
-              <a:t>Real-Time Systems: Many CPS require real-time systems</a:t>
-            </a:r>
-          </a:p>
-          <a:p>
-            <a:pPr>
-              <a:lnSpc>
-                <a:spcPct val="90000"/>
-              </a:lnSpc>
-            </a:pPr>
-            <a:r>
-              <a:rPr lang="en-AU" sz="1200" b="1" dirty="0">
-                <a:effectLst/>
-              </a:rPr>
-              <a:t>Network protocols: raft of standards that are not particularly secure. Only just moving to IP-based protocols</a:t>
-            </a:r>
-          </a:p>
-          <a:p>
-            <a:pPr>
-              <a:lnSpc>
-                <a:spcPct val="90000"/>
-              </a:lnSpc>
-            </a:pPr>
-            <a:r>
-              <a:rPr lang="en-AU" sz="1200" b="1" dirty="0">
-                <a:effectLst/>
-              </a:rPr>
-              <a:t>Power: power and power supply a significant issue in CPS</a:t>
-            </a:r>
-          </a:p>
-          <a:p>
-            <a:pPr>
-              <a:lnSpc>
-                <a:spcPct val="90000"/>
-              </a:lnSpc>
-            </a:pPr>
-            <a:endParaRPr lang="en-AU" sz="1200" b="1" dirty="0">
-              <a:effectLst/>
+            <a:endParaRPr lang="en-US" sz="1600" dirty="0">
+              <a:ln>
+                <a:solidFill>
+                  <a:schemeClr val="bg1">
+                    <a:lumMod val="75000"/>
+                    <a:lumOff val="25000"/>
+                    <a:alpha val="10000"/>
+                  </a:schemeClr>
+                </a:solidFill>
+              </a:ln>
+              <a:solidFill>
+                <a:schemeClr val="tx2"/>
+              </a:solidFill>
+              <a:effectLst>
+                <a:outerShdw blurRad="9525" dist="25400" dir="14640000" algn="tl" rotWithShape="0">
+                  <a:schemeClr val="bg1">
+                    <a:alpha val="30000"/>
+                  </a:schemeClr>
+                </a:outerShdw>
+              </a:effectLst>
             </a:endParaRPr>
           </a:p>
-          <a:p>
-            <a:pPr>
-              <a:lnSpc>
-                <a:spcPct val="90000"/>
-              </a:lnSpc>
-            </a:pPr>
-            <a:endParaRPr lang="en-AU" sz="1200" dirty="0"/>
-          </a:p>
-          <a:p>
-            <a:pPr>
-              <a:lnSpc>
-                <a:spcPct val="90000"/>
-              </a:lnSpc>
-            </a:pPr>
-            <a:endParaRPr lang="en-US" sz="1200" dirty="0"/>
-          </a:p>
-          <a:p>
-            <a:pPr marL="36900" indent="0">
-              <a:lnSpc>
-                <a:spcPct val="90000"/>
-              </a:lnSpc>
-              <a:buNone/>
-            </a:pPr>
-            <a:endParaRPr lang="en-AU" sz="1200" dirty="0">
-              <a:effectLst/>
-            </a:endParaRPr>
-          </a:p>
-          <a:p>
-            <a:pPr>
-              <a:lnSpc>
-                <a:spcPct val="90000"/>
-              </a:lnSpc>
-            </a:pPr>
-            <a:endParaRPr lang="en-AU" sz="1200" dirty="0"/>
+        </p:txBody>
+      </p:sp>
+      <p:sp>
+        <p:nvSpPr>
+          <p:cNvPr id="7" name="TextBox 6">
+            <a:extLst>
+              <a:ext uri="{FF2B5EF4-FFF2-40B4-BE49-F238E27FC236}">
+                <a16:creationId xmlns:a16="http://schemas.microsoft.com/office/drawing/2014/main" id="{DCE4D174-E44F-CF4F-AA1C-D2B815E60ABC}"/>
+              </a:ext>
+            </a:extLst>
+          </p:cNvPr>
+          <p:cNvSpPr txBox="1"/>
+          <p:nvPr/>
+        </p:nvSpPr>
+        <p:spPr>
+          <a:xfrm>
+            <a:off x="1079331" y="2128644"/>
+            <a:ext cx="2661306" cy="246221"/>
+          </a:xfrm>
+          <a:prstGeom prst="rect">
+            <a:avLst/>
+          </a:prstGeom>
+          <a:noFill/>
+        </p:spPr>
+        <p:txBody>
+          <a:bodyPr wrap="none" rtlCol="0">
+            <a:spAutoFit/>
+          </a:bodyPr>
+          <a:lstStyle/>
+          <a:p>
+            <a:r>
+              <a:rPr lang="en-AU" sz="1000" dirty="0" err="1"/>
+              <a:t>MarsCat</a:t>
+            </a:r>
+            <a:r>
+              <a:rPr lang="en-AU" sz="1000" dirty="0"/>
+              <a:t> https://</a:t>
+            </a:r>
+            <a:r>
+              <a:rPr lang="en-AU" sz="1000" dirty="0" err="1"/>
+              <a:t>www.elephantrobotics.com</a:t>
+            </a:r>
+            <a:r>
+              <a:rPr lang="en-AU" sz="1000" dirty="0"/>
+              <a:t>/</a:t>
+            </a:r>
+            <a:r>
+              <a:rPr lang="en-AU" sz="1000" dirty="0" err="1"/>
+              <a:t>en</a:t>
+            </a:r>
+            <a:r>
+              <a:rPr lang="en-AU" sz="1000" dirty="0"/>
+              <a:t>/</a:t>
+            </a:r>
           </a:p>
         </p:txBody>
       </p:sp>
       <p:pic>
         <p:nvPicPr>
-          <p:cNvPr id="5" name="Picture 4" descr="Diagram&#10;&#10;Description automatically generated">
+          <p:cNvPr id="11" name="Picture 2">
             <a:extLst>
               <a:ext uri="{FF2B5EF4-FFF2-40B4-BE49-F238E27FC236}">
-                <a16:creationId xmlns:a16="http://schemas.microsoft.com/office/drawing/2014/main" id="{886B0769-7A95-4141-9253-CDF210DC765B}"/>
+                <a16:creationId xmlns:a16="http://schemas.microsoft.com/office/drawing/2014/main" id="{F9153DA4-2B0B-754D-A65D-6393A35566C7}"/>
               </a:ext>
             </a:extLst>
           </p:cNvPr>
           <p:cNvPicPr>
-            <a:picLocks noChangeAspect="1"/>
+            <a:picLocks noChangeAspect="1" noChangeArrowheads="1"/>
           </p:cNvPicPr>
           <p:nvPr/>
         </p:nvPicPr>
-        <p:blipFill>
-          <a:blip r:embed="rId3"/>
-          <a:stretch>
-            <a:fillRect/>
-          </a:stretch>
+        <p:blipFill rotWithShape="1">
+          <a:blip r:embed="rId4">
+            <a:extLst>
+              <a:ext uri="{28A0092B-C50C-407E-A947-70E740481C1C}">
+                <a14:useLocalDpi xmlns:a14="http://schemas.microsoft.com/office/drawing/2010/main" val="0"/>
+              </a:ext>
+            </a:extLst>
+          </a:blip>
+          <a:srcRect l="13063" r="13570" b="-1"/>
+          <a:stretch/>
         </p:blipFill>
-        <p:spPr>
+        <p:spPr bwMode="auto">
           <a:xfrm>
-            <a:off x="5387351" y="769162"/>
-            <a:ext cx="6161183" cy="5329422"/>
+            <a:off x="5682131" y="845387"/>
+            <a:ext cx="5659346" cy="5149012"/>
           </a:xfrm>
           <a:prstGeom prst="rect">
             <a:avLst/>
           </a:prstGeom>
+          <a:noFill/>
+          <a:extLst>
+            <a:ext uri="{909E8E84-426E-40DD-AFC4-6F175D3DCCD1}">
+              <a14:hiddenFill xmlns:a14="http://schemas.microsoft.com/office/drawing/2010/main">
+                <a:solidFill>
+                  <a:srgbClr val="FFFFFF"/>
+                </a:solidFill>
+              </a14:hiddenFill>
+            </a:ext>
+          </a:extLst>
         </p:spPr>
       </p:pic>
     </p:spTree>
     <p:extLst>
       <p:ext uri="{BB962C8B-B14F-4D97-AF65-F5344CB8AC3E}">
-        <p14:creationId xmlns:p14="http://schemas.microsoft.com/office/powerpoint/2010/main" val="2264461342"/>
+        <p14:creationId xmlns:p14="http://schemas.microsoft.com/office/powerpoint/2010/main" val="2972598590"/>
       </p:ext>
     </p:extLst>
   </p:cSld>
@@ -11043,7 +14538,7 @@
 </p:sld>
 </file>
 
-<file path=ppt/slides/slide15.xml><?xml version="1.0" encoding="utf-8"?>
+<file path=ppt/slides/slide20.xml><?xml version="1.0" encoding="utf-8"?>
 <p:sld xmlns:a="http://schemas.openxmlformats.org/drawingml/2006/main" xmlns:r="http://schemas.openxmlformats.org/officeDocument/2006/relationships" xmlns:p="http://schemas.openxmlformats.org/presentationml/2006/main">
   <p:cSld>
     <p:spTree>
@@ -11083,7 +14578,7 @@
           <a:p>
             <a:r>
               <a:rPr lang="en-AU" dirty="0"/>
-              <a:t>CPS Cybersecurity Challenges</a:t>
+              <a:t>IoT Healthcare</a:t>
             </a:r>
           </a:p>
         </p:txBody>
@@ -11107,7 +14602,7 @@
         <p:spPr/>
         <p:txBody>
           <a:bodyPr>
-            <a:normAutofit lnSpcReduction="10000"/>
+            <a:normAutofit fontScale="85000" lnSpcReduction="10000"/>
           </a:bodyPr>
           <a:lstStyle/>
           <a:p>
@@ -11115,7 +14610,7 @@
               <a:rPr lang="en-AU" b="1" dirty="0">
                 <a:effectLst/>
               </a:rPr>
-              <a:t>Attacks may result in physical harm, even death</a:t>
+              <a:t>Biggest area of use is in monitoring, including remote monitoring</a:t>
             </a:r>
           </a:p>
           <a:p>
@@ -11123,7 +14618,7 @@
               <a:rPr lang="en-AU" b="1" dirty="0">
                 <a:effectLst/>
               </a:rPr>
-              <a:t>Difficult to switch off devices or parts of the network</a:t>
+              <a:t>New hospitals like Fiona Stanley and Perth Children’s Hospital in Perth WA have 50,000+ sensors that monitor environment, equipment, even bedding and uniforms. Robotic pharmacies and food delivery.</a:t>
             </a:r>
           </a:p>
           <a:p>
@@ -11131,7 +14626,7 @@
               <a:rPr lang="en-AU" b="1" dirty="0">
                 <a:effectLst/>
               </a:rPr>
-              <a:t>Default administrative ports left open with insecure protocols such as Telnet, FTP, TFTP, HTTP</a:t>
+              <a:t>Ageing in place: allowing the elderly to stay in homes for longer</a:t>
             </a:r>
           </a:p>
           <a:p>
@@ -11139,7 +14634,7 @@
               <a:rPr lang="en-AU" b="1" dirty="0">
                 <a:effectLst/>
               </a:rPr>
-              <a:t>Default manufacturer passwords used for administrative functions</a:t>
+              <a:t>IoT are used to establish Activities of Daily Living and detect changes from the norm</a:t>
             </a:r>
           </a:p>
           <a:p>
@@ -11147,24 +14642,39 @@
               <a:rPr lang="en-AU" b="1" dirty="0">
                 <a:effectLst/>
               </a:rPr>
-              <a:t>Limited memory and processing</a:t>
-            </a:r>
-          </a:p>
-          <a:p>
+              <a:t>Cardiac Implantable Electronic Devices (CIED): In the EU between 500,000 and 1 million devices a year are implanted</a:t>
+            </a:r>
+          </a:p>
+          <a:p>
+            <a:pPr lvl="1"/>
             <a:r>
               <a:rPr lang="en-AU" b="1" dirty="0">
                 <a:effectLst/>
               </a:rPr>
-              <a:t>Asset lifetime is 15 – 20 years</a:t>
-            </a:r>
-          </a:p>
-          <a:p>
+              <a:t>Monitor heart rate for arrythmias </a:t>
+            </a:r>
+          </a:p>
+          <a:p>
+            <a:pPr lvl="1"/>
             <a:r>
               <a:rPr lang="en-AU" b="1" dirty="0">
                 <a:effectLst/>
               </a:rPr>
-              <a:t>Environmental threats </a:t>
-            </a:r>
+              <a:t>Some are Bluetooth enabled to allow data upload to remote monitoring service</a:t>
+            </a:r>
+          </a:p>
+          <a:p>
+            <a:r>
+              <a:rPr lang="en-AU" b="1" dirty="0">
+                <a:effectLst/>
+              </a:rPr>
+              <a:t>Consumer heart monitors like Smart Watches including arrythmia detection of Apple Watch and Garmin</a:t>
+            </a:r>
+          </a:p>
+          <a:p>
+            <a:endParaRPr lang="en-AU" b="1" dirty="0">
+              <a:effectLst/>
+            </a:endParaRPr>
           </a:p>
           <a:p>
             <a:endParaRPr lang="en-AU" dirty="0"/>
@@ -11188,7 +14698,7 @@
     </p:spTree>
     <p:extLst>
       <p:ext uri="{BB962C8B-B14F-4D97-AF65-F5344CB8AC3E}">
-        <p14:creationId xmlns:p14="http://schemas.microsoft.com/office/powerpoint/2010/main" val="29475427"/>
+        <p14:creationId xmlns:p14="http://schemas.microsoft.com/office/powerpoint/2010/main" val="2191242134"/>
       </p:ext>
     </p:extLst>
   </p:cSld>
@@ -11198,7 +14708,7 @@
 </p:sld>
 </file>
 
-<file path=ppt/slides/slide16.xml><?xml version="1.0" encoding="utf-8"?>
+<file path=ppt/slides/slide21.xml><?xml version="1.0" encoding="utf-8"?>
 <p:sld xmlns:a="http://schemas.openxmlformats.org/drawingml/2006/main" xmlns:r="http://schemas.openxmlformats.org/officeDocument/2006/relationships" xmlns:p="http://schemas.openxmlformats.org/presentationml/2006/main">
   <p:cSld>
     <p:spTree>
@@ -11238,7 +14748,7 @@
           <a:p>
             <a:r>
               <a:rPr lang="en-AU" dirty="0"/>
-              <a:t>CPS Cybersecurity Challenges</a:t>
+              <a:t>IoT Healthcare: Risks</a:t>
             </a:r>
           </a:p>
         </p:txBody>
@@ -11262,7 +14772,7 @@
         <p:spPr/>
         <p:txBody>
           <a:bodyPr>
-            <a:normAutofit/>
+            <a:normAutofit fontScale="92500"/>
           </a:bodyPr>
           <a:lstStyle/>
           <a:p>
@@ -11270,7 +14780,7 @@
               <a:rPr lang="en-AU" b="1" dirty="0">
                 <a:effectLst/>
               </a:rPr>
-              <a:t>No code signing or checking done on firmware updates</a:t>
+              <a:t>Privacy is probably the biggest risk with these devices</a:t>
             </a:r>
           </a:p>
           <a:p>
@@ -11278,15 +14788,20 @@
               <a:rPr lang="en-AU" b="1" dirty="0">
                 <a:effectLst/>
               </a:rPr>
-              <a:t>Communication is done unencrypted</a:t>
-            </a:r>
-          </a:p>
-          <a:p>
+              <a:t>The ability to interfere with commands for insulin pumps or CIEDs to deliver fatal doses of insulin or an excessive charge (</a:t>
+            </a:r>
+            <a:r>
+              <a:rPr lang="en-AU" sz="1400" b="1" dirty="0">
+                <a:effectLst/>
+                <a:hlinkClick r:id="rId3"/>
+              </a:rPr>
+              <a:t>https://www.blackhat.com/us-18/briefings/schedule/#understanding-and-exploiting-implanted-medical-devices-11733</a:t>
+            </a:r>
             <a:r>
               <a:rPr lang="en-AU" b="1" dirty="0">
                 <a:effectLst/>
               </a:rPr>
-              <a:t>Subject to injection attacks through malicious commands</a:t>
+              <a:t>)</a:t>
             </a:r>
           </a:p>
           <a:p>
@@ -11294,7 +14809,7 @@
               <a:rPr lang="en-AU" b="1" dirty="0">
                 <a:effectLst/>
               </a:rPr>
-              <a:t>Also vulnerable to all other types of attacks: malware, sniffing, spoofing, denial of service, etc.</a:t>
+              <a:t>Remote installation of firmware on devices</a:t>
             </a:r>
           </a:p>
           <a:p>
@@ -11302,8 +14817,29 @@
               <a:rPr lang="en-AU" b="1" dirty="0">
                 <a:effectLst/>
               </a:rPr>
-              <a:t>Physical access to devices is hard to control</a:t>
-            </a:r>
+              <a:t>Attack software on phones or computer that allow data to be stolen, commands to be issued</a:t>
+            </a:r>
+          </a:p>
+          <a:p>
+            <a:r>
+              <a:rPr lang="en-AU" b="1" dirty="0">
+                <a:effectLst/>
+              </a:rPr>
+              <a:t>Falsification of vital signs from monitors</a:t>
+            </a:r>
+          </a:p>
+          <a:p>
+            <a:r>
+              <a:rPr lang="en-AU" b="1" dirty="0">
+                <a:effectLst/>
+              </a:rPr>
+              <a:t>Adversarial attacks on machine learning algorithms </a:t>
+            </a:r>
+          </a:p>
+          <a:p>
+            <a:endParaRPr lang="en-AU" b="1" dirty="0">
+              <a:effectLst/>
+            </a:endParaRPr>
           </a:p>
           <a:p>
             <a:endParaRPr lang="en-AU" dirty="0"/>
@@ -11327,7 +14863,7 @@
     </p:spTree>
     <p:extLst>
       <p:ext uri="{BB962C8B-B14F-4D97-AF65-F5344CB8AC3E}">
-        <p14:creationId xmlns:p14="http://schemas.microsoft.com/office/powerpoint/2010/main" val="1887735505"/>
+        <p14:creationId xmlns:p14="http://schemas.microsoft.com/office/powerpoint/2010/main" val="1113189726"/>
       </p:ext>
     </p:extLst>
   </p:cSld>
@@ -11337,7 +14873,7 @@
 </p:sld>
 </file>
 
-<file path=ppt/slides/slide17.xml><?xml version="1.0" encoding="utf-8"?>
+<file path=ppt/slides/slide22.xml><?xml version="1.0" encoding="utf-8"?>
 <p:sld xmlns:a="http://schemas.openxmlformats.org/drawingml/2006/main" xmlns:r="http://schemas.openxmlformats.org/officeDocument/2006/relationships" xmlns:p="http://schemas.openxmlformats.org/presentationml/2006/main">
   <p:cSld>
     <p:spTree>
@@ -11377,7 +14913,7 @@
           <a:p>
             <a:r>
               <a:rPr lang="en-AU" dirty="0"/>
-              <a:t>CPS Challenges: Updating Firmware</a:t>
+              <a:t>IoT Healthcare: Mitigations</a:t>
             </a:r>
           </a:p>
         </p:txBody>
@@ -11409,7 +14945,7 @@
               <a:rPr lang="en-AU" b="1" dirty="0">
                 <a:effectLst/>
               </a:rPr>
-              <a:t>One of the main challenges of CPS is updating firmware, especially when this is done over-the-air (OTA)</a:t>
+              <a:t>Manufacturers of healthcare devices are becoming more aware of security in their products</a:t>
             </a:r>
           </a:p>
           <a:p>
@@ -11417,7 +14953,7 @@
               <a:rPr lang="en-AU" b="1" dirty="0">
                 <a:effectLst/>
               </a:rPr>
-              <a:t>Can use code signing to ensure the firmware update has not been tampered with and is from a trusted source</a:t>
+              <a:t>No longer dependent on network isolation or obscure protocols</a:t>
             </a:r>
           </a:p>
           <a:p>
@@ -11425,7 +14961,7 @@
               <a:rPr lang="en-AU" b="1" dirty="0">
                 <a:effectLst/>
               </a:rPr>
-              <a:t>The device holds a public key for the update service</a:t>
+              <a:t>Implementation of encryption and authentication on devices</a:t>
             </a:r>
           </a:p>
           <a:p>
@@ -11433,7 +14969,7 @@
               <a:rPr lang="en-AU" b="1" dirty="0">
                 <a:effectLst/>
               </a:rPr>
-              <a:t>Individual files within the firmware update can be signed as well</a:t>
+              <a:t>Protection against ransomware attacks and applying other more general IT cybersecurity controls</a:t>
             </a:r>
           </a:p>
           <a:p>
@@ -11441,8 +14977,13 @@
               <a:rPr lang="en-AU" b="1" dirty="0">
                 <a:effectLst/>
               </a:rPr>
-              <a:t>Need a cryptographic bootloader to handle the loading and checking of firmware</a:t>
-            </a:r>
+              <a:t>Privacy protection through various means: differential privacy, homomorphic encryption, privacy spaces with edge devices (see Privacy lecture)</a:t>
+            </a:r>
+          </a:p>
+          <a:p>
+            <a:endParaRPr lang="en-AU" b="1" dirty="0">
+              <a:effectLst/>
+            </a:endParaRPr>
           </a:p>
           <a:p>
             <a:endParaRPr lang="en-AU" dirty="0"/>
@@ -11466,7 +15007,7 @@
     </p:spTree>
     <p:extLst>
       <p:ext uri="{BB962C8B-B14F-4D97-AF65-F5344CB8AC3E}">
-        <p14:creationId xmlns:p14="http://schemas.microsoft.com/office/powerpoint/2010/main" val="2217583293"/>
+        <p14:creationId xmlns:p14="http://schemas.microsoft.com/office/powerpoint/2010/main" val="1770937831"/>
       </p:ext>
     </p:extLst>
   </p:cSld>
@@ -11476,7 +15017,7 @@
 </p:sld>
 </file>
 
-<file path=ppt/slides/slide18.xml><?xml version="1.0" encoding="utf-8"?>
+<file path=ppt/slides/slide23.xml><?xml version="1.0" encoding="utf-8"?>
 <p:sld xmlns:a="http://schemas.openxmlformats.org/drawingml/2006/main" xmlns:r="http://schemas.openxmlformats.org/officeDocument/2006/relationships" xmlns:p="http://schemas.openxmlformats.org/presentationml/2006/main">
   <p:cSld>
     <p:spTree>
@@ -11516,7 +15057,7 @@
           <a:p>
             <a:r>
               <a:rPr lang="en-AU" dirty="0"/>
-              <a:t>CPS Cybersecurity Mitigation</a:t>
+              <a:t>Cars</a:t>
             </a:r>
           </a:p>
         </p:txBody>
@@ -11540,7 +15081,7 @@
         <p:spPr/>
         <p:txBody>
           <a:bodyPr>
-            <a:normAutofit/>
+            <a:normAutofit fontScale="92500"/>
           </a:bodyPr>
           <a:lstStyle/>
           <a:p>
@@ -11548,60 +15089,45 @@
               <a:rPr lang="en-AU" b="1" dirty="0">
                 <a:effectLst/>
               </a:rPr>
-              <a:t>Traditional protections through:</a:t>
-            </a:r>
-          </a:p>
-          <a:p>
-            <a:pPr lvl="1"/>
+              <a:t>Modern cars may have 70+ electronic control units (ECU). Semi-autonomous cars like the Tesla also have ECUs (computers) to manage the self-driving. There is also a media control unit (MCU)</a:t>
+            </a:r>
+          </a:p>
+          <a:p>
             <a:r>
               <a:rPr lang="en-AU" b="1" dirty="0">
                 <a:effectLst/>
               </a:rPr>
-              <a:t>Firewalls</a:t>
-            </a:r>
-          </a:p>
-          <a:p>
-            <a:pPr lvl="1"/>
+              <a:t>Communication in the car is via one or more CAN bus (Controller Area Network): control over engine and safety systems, one for lighting, user experience, one for parking systems, cruise control, lane guidance</a:t>
+            </a:r>
+          </a:p>
+          <a:p>
             <a:r>
               <a:rPr lang="en-AU" b="1" dirty="0">
                 <a:effectLst/>
               </a:rPr>
-              <a:t>IDPS</a:t>
-            </a:r>
-          </a:p>
-          <a:p>
-            <a:pPr lvl="1"/>
+              <a:t>CAN does not use encryption but has a Cyclic Redundancy Check (CRC) for message integrity</a:t>
+            </a:r>
+          </a:p>
+          <a:p>
             <a:r>
               <a:rPr lang="en-AU" b="1" dirty="0">
                 <a:effectLst/>
               </a:rPr>
-              <a:t>Segregation of network</a:t>
-            </a:r>
-          </a:p>
-          <a:p>
-            <a:pPr lvl="1"/>
+              <a:t>Can access the CAN via the On-Board Diagnostic (OBD) port</a:t>
+            </a:r>
+          </a:p>
+          <a:p>
             <a:r>
               <a:rPr lang="en-AU" b="1" dirty="0">
                 <a:effectLst/>
               </a:rPr>
-              <a:t>Access control – especially of remote access</a:t>
-            </a:r>
-          </a:p>
-          <a:p>
-            <a:r>
-              <a:rPr lang="en-AU" b="1" dirty="0">
-                <a:effectLst/>
-              </a:rPr>
-              <a:t>Closing default administration ports and changing default passwords</a:t>
-            </a:r>
-          </a:p>
-          <a:p>
-            <a:r>
-              <a:rPr lang="en-AU" b="1" dirty="0">
-                <a:effectLst/>
-              </a:rPr>
-              <a:t>Updating firmware through regular updates</a:t>
-            </a:r>
+              <a:t>Cars are now also internet connected for remote monitoring against breakdowns, theft and there are remote control facilities available</a:t>
+            </a:r>
+          </a:p>
+          <a:p>
+            <a:endParaRPr lang="en-AU" b="1" dirty="0">
+              <a:effectLst/>
+            </a:endParaRPr>
           </a:p>
           <a:p>
             <a:endParaRPr lang="en-AU" dirty="0"/>
@@ -11625,7 +15151,7 @@
     </p:spTree>
     <p:extLst>
       <p:ext uri="{BB962C8B-B14F-4D97-AF65-F5344CB8AC3E}">
-        <p14:creationId xmlns:p14="http://schemas.microsoft.com/office/powerpoint/2010/main" val="1622938597"/>
+        <p14:creationId xmlns:p14="http://schemas.microsoft.com/office/powerpoint/2010/main" val="338330801"/>
       </p:ext>
     </p:extLst>
   </p:cSld>
@@ -11635,7 +15161,7 @@
 </p:sld>
 </file>
 
-<file path=ppt/slides/slide19.xml><?xml version="1.0" encoding="utf-8"?>
+<file path=ppt/slides/slide24.xml><?xml version="1.0" encoding="utf-8"?>
 <p:sld xmlns:a="http://schemas.openxmlformats.org/drawingml/2006/main" xmlns:r="http://schemas.openxmlformats.org/officeDocument/2006/relationships" xmlns:p="http://schemas.openxmlformats.org/presentationml/2006/main">
   <p:cSld>
     <p:spTree>
@@ -11668,21 +15194,14 @@
             <p:ph type="title"/>
           </p:nvPr>
         </p:nvSpPr>
-        <p:spPr>
-          <a:xfrm>
-            <a:off x="913795" y="304800"/>
-            <a:ext cx="10353762" cy="615949"/>
-          </a:xfrm>
-        </p:spPr>
-        <p:txBody>
-          <a:bodyPr>
-            <a:normAutofit fontScale="90000"/>
-          </a:bodyPr>
+        <p:spPr/>
+        <p:txBody>
+          <a:bodyPr/>
           <a:lstStyle/>
           <a:p>
             <a:r>
               <a:rPr lang="en-AU" dirty="0"/>
-              <a:t>IoT in Healthcare</a:t>
+              <a:t>Cars: Risks</a:t>
             </a:r>
           </a:p>
         </p:txBody>
@@ -11706,9 +15225,138 @@
         <p:spPr/>
         <p:txBody>
           <a:bodyPr>
-            <a:normAutofit/>
+            <a:normAutofit fontScale="77500" lnSpcReduction="20000"/>
           </a:bodyPr>
           <a:lstStyle/>
+          <a:p>
+            <a:r>
+              <a:rPr lang="en-AU" b="1" dirty="0">
+                <a:effectLst/>
+              </a:rPr>
+              <a:t>Wireless key spoofing or other forms of attack to enter the vehicle and start the car</a:t>
+            </a:r>
+          </a:p>
+          <a:p>
+            <a:r>
+              <a:rPr lang="en-AU" b="1" dirty="0">
+                <a:effectLst/>
+              </a:rPr>
+              <a:t>Spoofing sensors: e.g. 2010 researchers showed the ability to attack the Tire pressure monitoring systems of cars</a:t>
+            </a:r>
+          </a:p>
+          <a:p>
+            <a:r>
+              <a:rPr lang="en-AU" b="1" dirty="0">
+                <a:effectLst/>
+              </a:rPr>
+              <a:t>Denial of service via OBD</a:t>
+            </a:r>
+          </a:p>
+          <a:p>
+            <a:r>
+              <a:rPr lang="en-AU" b="1" dirty="0">
+                <a:effectLst/>
+              </a:rPr>
+              <a:t>Remotely controlling accelerator, breaks and steering (two hackers Miller and </a:t>
+            </a:r>
+            <a:r>
+              <a:rPr lang="en-AU" b="1" dirty="0" err="1">
+                <a:effectLst/>
+              </a:rPr>
+              <a:t>Valasek</a:t>
+            </a:r>
+            <a:r>
+              <a:rPr lang="en-AU" b="1" dirty="0">
+                <a:effectLst/>
+              </a:rPr>
+              <a:t> in 2016 on a Jeep Cherokee) – in one attack they wirelessly accessed the CAN bus and put the ECU into </a:t>
+            </a:r>
+            <a:r>
+              <a:rPr lang="en-AU" b="1" dirty="0" err="1">
+                <a:effectLst/>
+              </a:rPr>
+              <a:t>bootrom</a:t>
+            </a:r>
+            <a:r>
+              <a:rPr lang="en-AU" b="1" dirty="0">
+                <a:effectLst/>
+              </a:rPr>
+              <a:t> mode.</a:t>
+            </a:r>
+          </a:p>
+          <a:p>
+            <a:r>
+              <a:rPr lang="en-AU" b="1" dirty="0">
+                <a:effectLst/>
+              </a:rPr>
+              <a:t>Disabling safety systems</a:t>
+            </a:r>
+          </a:p>
+          <a:p>
+            <a:r>
+              <a:rPr lang="en-AU" b="1" dirty="0">
+                <a:effectLst/>
+              </a:rPr>
+              <a:t>Hacks on the remote monitoring systems such as OnStar</a:t>
+            </a:r>
+          </a:p>
+          <a:p>
+            <a:r>
+              <a:rPr lang="en-AU" b="1" dirty="0">
+                <a:effectLst/>
+              </a:rPr>
+              <a:t>Accessing private information such as location data</a:t>
+            </a:r>
+          </a:p>
+          <a:p>
+            <a:r>
+              <a:rPr lang="en-AU" b="1" dirty="0">
+                <a:effectLst/>
+              </a:rPr>
+              <a:t>Reading: </a:t>
+            </a:r>
+            <a:r>
+              <a:rPr lang="en-AU" b="1" dirty="0" err="1">
+                <a:effectLst/>
+              </a:rPr>
+              <a:t>Bozdal</a:t>
+            </a:r>
+            <a:r>
+              <a:rPr lang="en-AU" b="1" dirty="0">
+                <a:effectLst/>
+              </a:rPr>
+              <a:t>, et al (2020) Evaluation of CAN Bus Security Challenges https://</a:t>
+            </a:r>
+            <a:r>
+              <a:rPr lang="en-AU" b="1" dirty="0" err="1">
+                <a:effectLst/>
+              </a:rPr>
+              <a:t>www.ncbi.nlm.nih.gov</a:t>
+            </a:r>
+            <a:r>
+              <a:rPr lang="en-AU" b="1" dirty="0">
+                <a:effectLst/>
+              </a:rPr>
+              <a:t>/</a:t>
+            </a:r>
+            <a:r>
+              <a:rPr lang="en-AU" b="1" dirty="0" err="1">
+                <a:effectLst/>
+              </a:rPr>
+              <a:t>pmc</a:t>
+            </a:r>
+            <a:r>
+              <a:rPr lang="en-AU" b="1" dirty="0">
+                <a:effectLst/>
+              </a:rPr>
+              <a:t>/articles/PMC7219335/</a:t>
+            </a:r>
+          </a:p>
+          <a:p>
+            <a:endParaRPr lang="en-AU" b="1" dirty="0">
+              <a:effectLst/>
+            </a:endParaRPr>
+          </a:p>
           <a:p>
             <a:endParaRPr lang="en-AU" dirty="0"/>
           </a:p>
@@ -11728,79 +15376,10 @@
           </a:p>
         </p:txBody>
       </p:sp>
-      <p:pic>
-        <p:nvPicPr>
-          <p:cNvPr id="4" name="Picture 3">
-            <a:extLst>
-              <a:ext uri="{FF2B5EF4-FFF2-40B4-BE49-F238E27FC236}">
-                <a16:creationId xmlns:a16="http://schemas.microsoft.com/office/drawing/2014/main" id="{53821BF3-2CA3-D143-8F25-E8275A8A29E6}"/>
-              </a:ext>
-            </a:extLst>
-          </p:cNvPr>
-          <p:cNvPicPr/>
-          <p:nvPr/>
-        </p:nvPicPr>
-        <p:blipFill>
-          <a:blip r:embed="rId2" cstate="print">
-            <a:extLst>
-              <a:ext uri="{28A0092B-C50C-407E-A947-70E740481C1C}">
-                <a14:useLocalDpi xmlns:a14="http://schemas.microsoft.com/office/drawing/2010/main" val="0"/>
-              </a:ext>
-            </a:extLst>
-          </a:blip>
-          <a:stretch>
-            <a:fillRect/>
-          </a:stretch>
-        </p:blipFill>
-        <p:spPr>
-          <a:xfrm>
-            <a:off x="924443" y="920749"/>
-            <a:ext cx="9743557" cy="5600699"/>
-          </a:xfrm>
-          <a:prstGeom prst="rect">
-            <a:avLst/>
-          </a:prstGeom>
-        </p:spPr>
-      </p:pic>
-      <p:sp>
-        <p:nvSpPr>
-          <p:cNvPr id="5" name="TextBox 4">
-            <a:extLst>
-              <a:ext uri="{FF2B5EF4-FFF2-40B4-BE49-F238E27FC236}">
-                <a16:creationId xmlns:a16="http://schemas.microsoft.com/office/drawing/2014/main" id="{BCB0EE0A-04C4-0847-8130-097831A160DE}"/>
-              </a:ext>
-            </a:extLst>
-          </p:cNvPr>
-          <p:cNvSpPr txBox="1"/>
-          <p:nvPr/>
-        </p:nvSpPr>
-        <p:spPr>
-          <a:xfrm>
-            <a:off x="279133" y="6553200"/>
-            <a:ext cx="1494320" cy="246221"/>
-          </a:xfrm>
-          <a:prstGeom prst="rect">
-            <a:avLst/>
-          </a:prstGeom>
-          <a:noFill/>
-        </p:spPr>
-        <p:txBody>
-          <a:bodyPr wrap="none" rtlCol="0">
-            <a:spAutoFit/>
-          </a:bodyPr>
-          <a:lstStyle/>
-          <a:p>
-            <a:r>
-              <a:rPr lang="en-AU" sz="1000" dirty="0"/>
-              <a:t>Frost and Sullivan Phillips</a:t>
-            </a:r>
-          </a:p>
-        </p:txBody>
-      </p:sp>
     </p:spTree>
     <p:extLst>
       <p:ext uri="{BB962C8B-B14F-4D97-AF65-F5344CB8AC3E}">
-        <p14:creationId xmlns:p14="http://schemas.microsoft.com/office/powerpoint/2010/main" val="1293635912"/>
+        <p14:creationId xmlns:p14="http://schemas.microsoft.com/office/powerpoint/2010/main" val="189522420"/>
       </p:ext>
     </p:extLst>
   </p:cSld>
@@ -11810,13 +15389,697 @@
 </p:sld>
 </file>
 
-<file path=ppt/slides/slide2.xml><?xml version="1.0" encoding="utf-8"?>
+<file path=ppt/slides/slide25.xml><?xml version="1.0" encoding="utf-8"?>
+<p:sld xmlns:a="http://schemas.openxmlformats.org/drawingml/2006/main" xmlns:r="http://schemas.openxmlformats.org/officeDocument/2006/relationships" xmlns:p="http://schemas.openxmlformats.org/presentationml/2006/main">
+  <p:cSld>
+    <p:spTree>
+      <p:nvGrpSpPr>
+        <p:cNvPr id="1" name=""/>
+        <p:cNvGrpSpPr/>
+        <p:nvPr/>
+      </p:nvGrpSpPr>
+      <p:grpSpPr>
+        <a:xfrm>
+          <a:off x="0" y="0"/>
+          <a:ext cx="0" cy="0"/>
+          <a:chOff x="0" y="0"/>
+          <a:chExt cx="0" cy="0"/>
+        </a:xfrm>
+      </p:grpSpPr>
+      <p:sp>
+        <p:nvSpPr>
+          <p:cNvPr id="2" name="Title 1">
+            <a:extLst>
+              <a:ext uri="{FF2B5EF4-FFF2-40B4-BE49-F238E27FC236}">
+                <a16:creationId xmlns:a16="http://schemas.microsoft.com/office/drawing/2014/main" id="{07F6FF8C-A74B-E640-AF2F-9B4E07A213CF}"/>
+              </a:ext>
+            </a:extLst>
+          </p:cNvPr>
+          <p:cNvSpPr>
+            <a:spLocks noGrp="1"/>
+          </p:cNvSpPr>
+          <p:nvPr>
+            <p:ph type="title"/>
+          </p:nvPr>
+        </p:nvSpPr>
+        <p:spPr/>
+        <p:txBody>
+          <a:bodyPr/>
+          <a:lstStyle/>
+          <a:p>
+            <a:r>
+              <a:rPr lang="en-AU" dirty="0"/>
+              <a:t>Cars: Mitigations</a:t>
+            </a:r>
+          </a:p>
+        </p:txBody>
+      </p:sp>
+      <p:sp>
+        <p:nvSpPr>
+          <p:cNvPr id="3" name="Content Placeholder 2">
+            <a:extLst>
+              <a:ext uri="{FF2B5EF4-FFF2-40B4-BE49-F238E27FC236}">
+                <a16:creationId xmlns:a16="http://schemas.microsoft.com/office/drawing/2014/main" id="{C29FA815-F1A1-E848-8BE0-A481039CE411}"/>
+              </a:ext>
+            </a:extLst>
+          </p:cNvPr>
+          <p:cNvSpPr>
+            <a:spLocks noGrp="1"/>
+          </p:cNvSpPr>
+          <p:nvPr>
+            <p:ph idx="1"/>
+          </p:nvPr>
+        </p:nvSpPr>
+        <p:spPr/>
+        <p:txBody>
+          <a:bodyPr>
+            <a:normAutofit/>
+          </a:bodyPr>
+          <a:lstStyle/>
+          <a:p>
+            <a:r>
+              <a:rPr lang="en-AU" b="1" dirty="0">
+                <a:effectLst/>
+              </a:rPr>
+              <a:t>Network segmentation: limit access to the end-user</a:t>
+            </a:r>
+          </a:p>
+          <a:p>
+            <a:r>
+              <a:rPr lang="en-AU" b="1" dirty="0">
+                <a:effectLst/>
+              </a:rPr>
+              <a:t>Encryption</a:t>
+            </a:r>
+          </a:p>
+          <a:p>
+            <a:r>
+              <a:rPr lang="en-AU" b="1" dirty="0">
+                <a:effectLst/>
+              </a:rPr>
+              <a:t>Authentication</a:t>
+            </a:r>
+          </a:p>
+          <a:p>
+            <a:r>
+              <a:rPr lang="en-AU" b="1" dirty="0">
+                <a:effectLst/>
+              </a:rPr>
+              <a:t>Intrusion detection system</a:t>
+            </a:r>
+          </a:p>
+          <a:p>
+            <a:r>
+              <a:rPr lang="en-AU" b="1" dirty="0">
+                <a:effectLst/>
+              </a:rPr>
+              <a:t>These mitigations come at increased cost and complexity and industry is reluctant to implement</a:t>
+            </a:r>
+          </a:p>
+          <a:p>
+            <a:r>
+              <a:rPr lang="en-AU" b="1" dirty="0">
+                <a:effectLst/>
+              </a:rPr>
+              <a:t>Limited resources of processing and memory mean encryption and IDS are difficult to implement</a:t>
+            </a:r>
+          </a:p>
+          <a:p>
+            <a:endParaRPr lang="en-AU" b="1" dirty="0">
+              <a:effectLst/>
+            </a:endParaRPr>
+          </a:p>
+          <a:p>
+            <a:endParaRPr lang="en-AU" dirty="0"/>
+          </a:p>
+          <a:p>
+            <a:endParaRPr lang="en-US" dirty="0"/>
+          </a:p>
+          <a:p>
+            <a:pPr marL="36900" indent="0">
+              <a:buNone/>
+            </a:pPr>
+            <a:endParaRPr lang="en-AU" dirty="0">
+              <a:effectLst/>
+            </a:endParaRPr>
+          </a:p>
+          <a:p>
+            <a:endParaRPr lang="en-AU" sz="2000" dirty="0"/>
+          </a:p>
+        </p:txBody>
+      </p:sp>
+    </p:spTree>
+    <p:extLst>
+      <p:ext uri="{BB962C8B-B14F-4D97-AF65-F5344CB8AC3E}">
+        <p14:creationId xmlns:p14="http://schemas.microsoft.com/office/powerpoint/2010/main" val="3566368406"/>
+      </p:ext>
+    </p:extLst>
+  </p:cSld>
+  <p:clrMapOvr>
+    <a:masterClrMapping/>
+  </p:clrMapOvr>
+</p:sld>
+</file>
+
+<file path=ppt/slides/slide3.xml><?xml version="1.0" encoding="utf-8"?>
+<p:sld xmlns:a="http://schemas.openxmlformats.org/drawingml/2006/main" xmlns:r="http://schemas.openxmlformats.org/officeDocument/2006/relationships" xmlns:p="http://schemas.openxmlformats.org/presentationml/2006/main">
+  <p:cSld>
+    <p:bg>
+      <p:bgPr>
+        <a:solidFill>
+          <a:schemeClr val="bg1"/>
+        </a:solidFill>
+        <a:effectLst/>
+      </p:bgPr>
+    </p:bg>
+    <p:spTree>
+      <p:nvGrpSpPr>
+        <p:cNvPr id="1" name=""/>
+        <p:cNvGrpSpPr/>
+        <p:nvPr/>
+      </p:nvGrpSpPr>
+      <p:grpSpPr>
+        <a:xfrm>
+          <a:off x="0" y="0"/>
+          <a:ext cx="0" cy="0"/>
+          <a:chOff x="0" y="0"/>
+          <a:chExt cx="0" cy="0"/>
+        </a:xfrm>
+      </p:grpSpPr>
+      <p:sp>
+        <p:nvSpPr>
+          <p:cNvPr id="9" name="Rectangle 8">
+            <a:extLst>
+              <a:ext uri="{FF2B5EF4-FFF2-40B4-BE49-F238E27FC236}">
+                <a16:creationId xmlns:a16="http://schemas.microsoft.com/office/drawing/2014/main" id="{5BAB7C38-AF9A-43A2-9B1C-F1DEBC80BC7B}"/>
+              </a:ext>
+              <a:ext uri="{C183D7F6-B498-43B3-948B-1728B52AA6E4}">
+                <adec:decorative xmlns:adec="http://schemas.microsoft.com/office/drawing/2017/decorative" val="1"/>
+              </a:ext>
+            </a:extLst>
+          </p:cNvPr>
+          <p:cNvSpPr>
+            <a:spLocks noGrp="1" noRot="1" noChangeAspect="1" noMove="1" noResize="1" noEditPoints="1" noAdjustHandles="1" noChangeArrowheads="1" noChangeShapeType="1" noTextEdit="1"/>
+          </p:cNvSpPr>
+          <p:nvPr>
+            <p:extLst>
+              <p:ext uri="{386F3935-93C4-4BCD-93E2-E3B085C9AB24}">
+                <p16:designElem xmlns:p16="http://schemas.microsoft.com/office/powerpoint/2015/main" val="1"/>
+              </p:ext>
+            </p:extLst>
+          </p:nvPr>
+        </p:nvSpPr>
+        <p:spPr>
+          <a:xfrm>
+            <a:off x="0" y="0"/>
+            <a:ext cx="12186676" cy="2108723"/>
+          </a:xfrm>
+          <a:prstGeom prst="rect">
+            <a:avLst/>
+          </a:prstGeom>
+          <a:ln>
+            <a:noFill/>
+          </a:ln>
+        </p:spPr>
+        <p:style>
+          <a:lnRef idx="2">
+            <a:schemeClr val="accent1">
+              <a:shade val="50000"/>
+            </a:schemeClr>
+          </a:lnRef>
+          <a:fillRef idx="1003">
+            <a:schemeClr val="dk1"/>
+          </a:fillRef>
+          <a:effectRef idx="0">
+            <a:schemeClr val="accent1"/>
+          </a:effectRef>
+          <a:fontRef idx="minor">
+            <a:schemeClr val="lt1"/>
+          </a:fontRef>
+        </p:style>
+        <p:txBody>
+          <a:bodyPr rtlCol="0" anchor="ctr"/>
+          <a:lstStyle/>
+          <a:p>
+            <a:pPr algn="ctr"/>
+            <a:endParaRPr lang="en-US"/>
+          </a:p>
+        </p:txBody>
+      </p:sp>
+      <p:sp>
+        <p:nvSpPr>
+          <p:cNvPr id="2" name="Title 1">
+            <a:extLst>
+              <a:ext uri="{FF2B5EF4-FFF2-40B4-BE49-F238E27FC236}">
+                <a16:creationId xmlns:a16="http://schemas.microsoft.com/office/drawing/2014/main" id="{07F6FF8C-A74B-E640-AF2F-9B4E07A213CF}"/>
+              </a:ext>
+            </a:extLst>
+          </p:cNvPr>
+          <p:cNvSpPr>
+            <a:spLocks noGrp="1"/>
+          </p:cNvSpPr>
+          <p:nvPr>
+            <p:ph type="title"/>
+          </p:nvPr>
+        </p:nvSpPr>
+        <p:spPr>
+          <a:xfrm>
+            <a:off x="913795" y="609600"/>
+            <a:ext cx="10353762" cy="1257300"/>
+          </a:xfrm>
+        </p:spPr>
+        <p:txBody>
+          <a:bodyPr>
+            <a:normAutofit/>
+          </a:bodyPr>
+          <a:lstStyle/>
+          <a:p>
+            <a:r>
+              <a:rPr lang="en-AU">
+                <a:solidFill>
+                  <a:srgbClr val="FFFFFF"/>
+                </a:solidFill>
+              </a:rPr>
+              <a:t>3 things</a:t>
+            </a:r>
+          </a:p>
+        </p:txBody>
+      </p:sp>
+      <p:pic>
+        <p:nvPicPr>
+          <p:cNvPr id="11" name="Picture 10">
+            <a:extLst>
+              <a:ext uri="{FF2B5EF4-FFF2-40B4-BE49-F238E27FC236}">
+                <a16:creationId xmlns:a16="http://schemas.microsoft.com/office/drawing/2014/main" id="{A8D526D7-C782-4F65-A21F-A6B40D869B47}"/>
+              </a:ext>
+              <a:ext uri="{C183D7F6-B498-43B3-948B-1728B52AA6E4}">
+                <adec:decorative xmlns:adec="http://schemas.microsoft.com/office/drawing/2017/decorative" val="1"/>
+              </a:ext>
+            </a:extLst>
+          </p:cNvPr>
+          <p:cNvPicPr preferRelativeResize="0">
+            <a:picLocks noGrp="1" noRot="1" noChangeAspect="1" noMove="1" noResize="1" noEditPoints="1" noAdjustHandles="1" noChangeArrowheads="1" noChangeShapeType="1" noCrop="1"/>
+          </p:cNvPicPr>
+          <p:nvPr>
+            <p:extLst>
+              <p:ext uri="{386F3935-93C4-4BCD-93E2-E3B085C9AB24}">
+                <p16:designElem xmlns:p16="http://schemas.microsoft.com/office/powerpoint/2015/main" val="1"/>
+              </p:ext>
+            </p:extLst>
+          </p:nvPr>
+        </p:nvPicPr>
+        <p:blipFill rotWithShape="1">
+          <a:blip r:embed="rId3">
+            <a:extLst>
+              <a:ext uri="{28A0092B-C50C-407E-A947-70E740481C1C}">
+                <a14:useLocalDpi xmlns:a14="http://schemas.microsoft.com/office/drawing/2010/main" val="0"/>
+              </a:ext>
+            </a:extLst>
+          </a:blip>
+          <a:srcRect l="798" t="2669" r="616"/>
+          <a:stretch/>
+        </p:blipFill>
+        <p:spPr>
+          <a:xfrm>
+            <a:off x="-5325" y="2049331"/>
+            <a:ext cx="12192001" cy="4808669"/>
+          </a:xfrm>
+          <a:prstGeom prst="rect">
+            <a:avLst/>
+          </a:prstGeom>
+          <a:effectLst>
+            <a:innerShdw blurRad="63500" dist="50800" dir="16200000">
+              <a:prstClr val="black">
+                <a:alpha val="50000"/>
+              </a:prstClr>
+            </a:innerShdw>
+          </a:effectLst>
+        </p:spPr>
+      </p:pic>
+      <p:graphicFrame>
+        <p:nvGraphicFramePr>
+          <p:cNvPr id="5" name="Content Placeholder 2">
+            <a:extLst>
+              <a:ext uri="{FF2B5EF4-FFF2-40B4-BE49-F238E27FC236}">
+                <a16:creationId xmlns:a16="http://schemas.microsoft.com/office/drawing/2014/main" id="{B552967A-7806-4FDD-8880-DF16D42CA604}"/>
+              </a:ext>
+            </a:extLst>
+          </p:cNvPr>
+          <p:cNvGraphicFramePr>
+            <a:graphicFrameLocks noGrp="1"/>
+          </p:cNvGraphicFramePr>
+          <p:nvPr>
+            <p:ph idx="1"/>
+            <p:extLst>
+              <p:ext uri="{D42A27DB-BD31-4B8C-83A1-F6EECF244321}">
+                <p14:modId xmlns:p14="http://schemas.microsoft.com/office/powerpoint/2010/main" val="2467832002"/>
+              </p:ext>
+            </p:extLst>
+          </p:nvPr>
+        </p:nvGraphicFramePr>
+        <p:xfrm>
+          <a:off x="914400" y="2647784"/>
+          <a:ext cx="10353675" cy="3143416"/>
+        </p:xfrm>
+        <a:graphic>
+          <a:graphicData uri="http://schemas.openxmlformats.org/drawingml/2006/diagram">
+            <dgm:relIds xmlns:dgm="http://schemas.openxmlformats.org/drawingml/2006/diagram" xmlns:r="http://schemas.openxmlformats.org/officeDocument/2006/relationships" r:dm="rId4" r:lo="rId5" r:qs="rId6" r:cs="rId7"/>
+          </a:graphicData>
+        </a:graphic>
+      </p:graphicFrame>
+    </p:spTree>
+    <p:extLst>
+      <p:ext uri="{BB962C8B-B14F-4D97-AF65-F5344CB8AC3E}">
+        <p14:creationId xmlns:p14="http://schemas.microsoft.com/office/powerpoint/2010/main" val="3530010058"/>
+      </p:ext>
+    </p:extLst>
+  </p:cSld>
+  <p:clrMapOvr>
+    <a:overrideClrMapping bg1="lt1" tx1="dk1" bg2="lt2" tx2="dk2" accent1="accent1" accent2="accent2" accent3="accent3" accent4="accent4" accent5="accent5" accent6="accent6" hlink="hlink" folHlink="folHlink"/>
+  </p:clrMapOvr>
+</p:sld>
+</file>
+
+<file path=ppt/slides/slide4.xml><?xml version="1.0" encoding="utf-8"?>
+<p:sld xmlns:a="http://schemas.openxmlformats.org/drawingml/2006/main" xmlns:r="http://schemas.openxmlformats.org/officeDocument/2006/relationships" xmlns:p="http://schemas.openxmlformats.org/presentationml/2006/main">
+  <p:cSld>
+    <p:spTree>
+      <p:nvGrpSpPr>
+        <p:cNvPr id="1" name=""/>
+        <p:cNvGrpSpPr/>
+        <p:nvPr/>
+      </p:nvGrpSpPr>
+      <p:grpSpPr>
+        <a:xfrm>
+          <a:off x="0" y="0"/>
+          <a:ext cx="0" cy="0"/>
+          <a:chOff x="0" y="0"/>
+          <a:chExt cx="0" cy="0"/>
+        </a:xfrm>
+      </p:grpSpPr>
+      <p:sp>
+        <p:nvSpPr>
+          <p:cNvPr id="2" name="Title 1">
+            <a:extLst>
+              <a:ext uri="{FF2B5EF4-FFF2-40B4-BE49-F238E27FC236}">
+                <a16:creationId xmlns:a16="http://schemas.microsoft.com/office/drawing/2014/main" id="{07F6FF8C-A74B-E640-AF2F-9B4E07A213CF}"/>
+              </a:ext>
+            </a:extLst>
+          </p:cNvPr>
+          <p:cNvSpPr>
+            <a:spLocks noGrp="1"/>
+          </p:cNvSpPr>
+          <p:nvPr>
+            <p:ph type="title"/>
+          </p:nvPr>
+        </p:nvSpPr>
+        <p:spPr/>
+        <p:txBody>
+          <a:bodyPr/>
+          <a:lstStyle/>
+          <a:p>
+            <a:r>
+              <a:rPr lang="en-AU" dirty="0"/>
+              <a:t>Critical Infrastructure</a:t>
+            </a:r>
+          </a:p>
+        </p:txBody>
+      </p:sp>
+      <p:sp>
+        <p:nvSpPr>
+          <p:cNvPr id="3" name="Content Placeholder 2">
+            <a:extLst>
+              <a:ext uri="{FF2B5EF4-FFF2-40B4-BE49-F238E27FC236}">
+                <a16:creationId xmlns:a16="http://schemas.microsoft.com/office/drawing/2014/main" id="{C29FA815-F1A1-E848-8BE0-A481039CE411}"/>
+              </a:ext>
+            </a:extLst>
+          </p:cNvPr>
+          <p:cNvSpPr>
+            <a:spLocks noGrp="1"/>
+          </p:cNvSpPr>
+          <p:nvPr>
+            <p:ph idx="1"/>
+          </p:nvPr>
+        </p:nvSpPr>
+        <p:spPr>
+          <a:xfrm>
+            <a:off x="913795" y="2076450"/>
+            <a:ext cx="10353762" cy="4171950"/>
+          </a:xfrm>
+        </p:spPr>
+        <p:txBody>
+          <a:bodyPr>
+            <a:normAutofit fontScale="92500" lnSpcReduction="20000"/>
+          </a:bodyPr>
+          <a:lstStyle/>
+          <a:p>
+            <a:r>
+              <a:rPr lang="en-AU" b="1" dirty="0">
+                <a:effectLst/>
+              </a:rPr>
+              <a:t>“Those physical facilities, supply chains, information technologies and communication networks which, if destroyed, degraded or rendered unavailable for an extended period, would significantly impact the social or economic wellbeing of the nation or affect Australia’s ability to conduct national defence and ensure national security”</a:t>
+            </a:r>
+          </a:p>
+          <a:p>
+            <a:r>
+              <a:rPr lang="en-AU" b="1" dirty="0">
+                <a:effectLst/>
+              </a:rPr>
+              <a:t>Australian Government Critical Infrastructure Centre </a:t>
+            </a:r>
+          </a:p>
+          <a:p>
+            <a:r>
+              <a:rPr lang="en-AU" b="1" dirty="0">
+                <a:effectLst/>
+              </a:rPr>
+              <a:t>Examples include:</a:t>
+            </a:r>
+          </a:p>
+          <a:p>
+            <a:pPr lvl="1"/>
+            <a:r>
+              <a:rPr lang="en-AU" b="1" dirty="0">
+                <a:effectLst/>
+              </a:rPr>
+              <a:t>Water, Electricity, Gas supply</a:t>
+            </a:r>
+          </a:p>
+          <a:p>
+            <a:pPr lvl="1"/>
+            <a:r>
+              <a:rPr lang="en-AU" b="1" dirty="0">
+                <a:effectLst/>
+              </a:rPr>
+              <a:t>Telecommunication</a:t>
+            </a:r>
+          </a:p>
+          <a:p>
+            <a:pPr lvl="1"/>
+            <a:r>
+              <a:rPr lang="en-AU" b="1" dirty="0">
+                <a:effectLst/>
+              </a:rPr>
+              <a:t>Public Health</a:t>
+            </a:r>
+          </a:p>
+          <a:p>
+            <a:pPr lvl="1"/>
+            <a:r>
+              <a:rPr lang="en-AU" b="1" dirty="0">
+                <a:effectLst/>
+              </a:rPr>
+              <a:t>Agriculture</a:t>
+            </a:r>
+          </a:p>
+          <a:p>
+            <a:pPr lvl="1"/>
+            <a:r>
+              <a:rPr lang="en-AU" b="1" dirty="0">
+                <a:effectLst/>
+              </a:rPr>
+              <a:t>Financial Services</a:t>
+            </a:r>
+          </a:p>
+          <a:p>
+            <a:pPr lvl="1"/>
+            <a:r>
+              <a:rPr lang="en-AU" b="1" dirty="0">
+                <a:effectLst/>
+              </a:rPr>
+              <a:t>Transportation and Shipping</a:t>
+            </a:r>
+            <a:endParaRPr lang="en-AU" dirty="0">
+              <a:effectLst/>
+            </a:endParaRPr>
+          </a:p>
+          <a:p>
+            <a:endParaRPr lang="en-AU" dirty="0"/>
+          </a:p>
+          <a:p>
+            <a:endParaRPr lang="en-US" dirty="0"/>
+          </a:p>
+          <a:p>
+            <a:pPr marL="36900" indent="0">
+              <a:buNone/>
+            </a:pPr>
+            <a:endParaRPr lang="en-AU" dirty="0">
+              <a:effectLst/>
+            </a:endParaRPr>
+          </a:p>
+          <a:p>
+            <a:endParaRPr lang="en-AU" sz="2000" dirty="0"/>
+          </a:p>
+        </p:txBody>
+      </p:sp>
+    </p:spTree>
+    <p:extLst>
+      <p:ext uri="{BB962C8B-B14F-4D97-AF65-F5344CB8AC3E}">
+        <p14:creationId xmlns:p14="http://schemas.microsoft.com/office/powerpoint/2010/main" val="715186591"/>
+      </p:ext>
+    </p:extLst>
+  </p:cSld>
+  <p:clrMapOvr>
+    <a:masterClrMapping/>
+  </p:clrMapOvr>
+</p:sld>
+</file>
+
+<file path=ppt/slides/slide5.xml><?xml version="1.0" encoding="utf-8"?>
+<p:sld xmlns:a="http://schemas.openxmlformats.org/drawingml/2006/main" xmlns:r="http://schemas.openxmlformats.org/officeDocument/2006/relationships" xmlns:p="http://schemas.openxmlformats.org/presentationml/2006/main">
+  <p:cSld>
+    <p:spTree>
+      <p:nvGrpSpPr>
+        <p:cNvPr id="1" name=""/>
+        <p:cNvGrpSpPr/>
+        <p:nvPr/>
+      </p:nvGrpSpPr>
+      <p:grpSpPr>
+        <a:xfrm>
+          <a:off x="0" y="0"/>
+          <a:ext cx="0" cy="0"/>
+          <a:chOff x="0" y="0"/>
+          <a:chExt cx="0" cy="0"/>
+        </a:xfrm>
+      </p:grpSpPr>
+      <p:sp>
+        <p:nvSpPr>
+          <p:cNvPr id="2" name="Title 1">
+            <a:extLst>
+              <a:ext uri="{FF2B5EF4-FFF2-40B4-BE49-F238E27FC236}">
+                <a16:creationId xmlns:a16="http://schemas.microsoft.com/office/drawing/2014/main" id="{07F6FF8C-A74B-E640-AF2F-9B4E07A213CF}"/>
+              </a:ext>
+            </a:extLst>
+          </p:cNvPr>
+          <p:cNvSpPr>
+            <a:spLocks noGrp="1"/>
+          </p:cNvSpPr>
+          <p:nvPr>
+            <p:ph type="title"/>
+          </p:nvPr>
+        </p:nvSpPr>
+        <p:spPr/>
+        <p:txBody>
+          <a:bodyPr/>
+          <a:lstStyle/>
+          <a:p>
+            <a:r>
+              <a:rPr lang="en-AU" dirty="0"/>
+              <a:t>Technologies</a:t>
+            </a:r>
+          </a:p>
+        </p:txBody>
+      </p:sp>
+      <p:sp>
+        <p:nvSpPr>
+          <p:cNvPr id="3" name="Content Placeholder 2">
+            <a:extLst>
+              <a:ext uri="{FF2B5EF4-FFF2-40B4-BE49-F238E27FC236}">
+                <a16:creationId xmlns:a16="http://schemas.microsoft.com/office/drawing/2014/main" id="{C29FA815-F1A1-E848-8BE0-A481039CE411}"/>
+              </a:ext>
+            </a:extLst>
+          </p:cNvPr>
+          <p:cNvSpPr>
+            <a:spLocks noGrp="1"/>
+          </p:cNvSpPr>
+          <p:nvPr>
+            <p:ph idx="1"/>
+          </p:nvPr>
+        </p:nvSpPr>
+        <p:spPr/>
+        <p:txBody>
+          <a:bodyPr>
+            <a:normAutofit/>
+          </a:bodyPr>
+          <a:lstStyle/>
+          <a:p>
+            <a:r>
+              <a:rPr lang="en-AU" dirty="0"/>
+              <a:t>Operational Technology (OT) refers to systems that are used to manage industrial operations</a:t>
+            </a:r>
+          </a:p>
+          <a:p>
+            <a:r>
+              <a:rPr lang="en-AU" dirty="0"/>
+              <a:t>Industrial Control Systems (ICS) are the systems that are used to manage monitor and control systems. Usually of two types:</a:t>
+            </a:r>
+          </a:p>
+          <a:p>
+            <a:pPr lvl="1"/>
+            <a:r>
+              <a:rPr lang="en-AU" dirty="0"/>
+              <a:t>Continuous process control systems managed by programmable logic controllers (PLCs)</a:t>
+            </a:r>
+          </a:p>
+          <a:p>
+            <a:pPr lvl="1"/>
+            <a:r>
+              <a:rPr lang="en-AU" dirty="0"/>
+              <a:t>Discrete  Process Control systems that may use PLCs but also batch process control devices</a:t>
+            </a:r>
+          </a:p>
+          <a:p>
+            <a:r>
+              <a:rPr lang="en-AU" dirty="0"/>
+              <a:t>ICS are often managed by Supervisory Control and Data Acquisition (SCADA)</a:t>
+            </a:r>
+          </a:p>
+          <a:p>
+            <a:endParaRPr lang="en-US" dirty="0"/>
+          </a:p>
+          <a:p>
+            <a:pPr marL="36900" indent="0">
+              <a:buNone/>
+            </a:pPr>
+            <a:endParaRPr lang="en-AU" dirty="0">
+              <a:effectLst/>
+            </a:endParaRPr>
+          </a:p>
+          <a:p>
+            <a:endParaRPr lang="en-AU" sz="2000" dirty="0"/>
+          </a:p>
+        </p:txBody>
+      </p:sp>
+    </p:spTree>
+    <p:extLst>
+      <p:ext uri="{BB962C8B-B14F-4D97-AF65-F5344CB8AC3E}">
+        <p14:creationId xmlns:p14="http://schemas.microsoft.com/office/powerpoint/2010/main" val="1608262887"/>
+      </p:ext>
+    </p:extLst>
+  </p:cSld>
+  <p:clrMapOvr>
+    <a:masterClrMapping/>
+  </p:clrMapOvr>
+</p:sld>
+</file>
+
+<file path=ppt/slides/slide6.xml><?xml version="1.0" encoding="utf-8"?>
 <p:sld xmlns:a="http://schemas.openxmlformats.org/drawingml/2006/main" xmlns:r="http://schemas.openxmlformats.org/officeDocument/2006/relationships" xmlns:p="http://schemas.openxmlformats.org/presentationml/2006/main">
   <p:cSld>
     <p:bg>
       <p:bgPr>
         <a:blipFill rotWithShape="1">
-          <a:blip r:embed="rId2">
+          <a:blip r:embed="rId3">
             <a:duotone>
               <a:schemeClr val="bg1">
                 <a:shade val="80000"/>
@@ -11848,7 +16111,7 @@
       </p:grpSpPr>
       <p:sp>
         <p:nvSpPr>
-          <p:cNvPr id="73" name="Rectangle 72">
+          <p:cNvPr id="71" name="Rectangle 70">
             <a:extLst>
               <a:ext uri="{FF2B5EF4-FFF2-40B4-BE49-F238E27FC236}">
                 <a16:creationId xmlns:a16="http://schemas.microsoft.com/office/drawing/2014/main" id="{A98FD4FC-479A-4C2B-84A5-CF81E055FBC0}"/>
@@ -11911,7 +16174,7 @@
       </p:sp>
       <p:sp useBgFill="1">
         <p:nvSpPr>
-          <p:cNvPr id="75" name="Freeform 5">
+          <p:cNvPr id="73" name="Freeform 5">
             <a:extLst>
               <a:ext uri="{FF2B5EF4-FFF2-40B4-BE49-F238E27FC236}">
                 <a16:creationId xmlns:a16="http://schemas.microsoft.com/office/drawing/2014/main" id="{37D54B6C-87D0-4C03-8335-3955179D2B5B}"/>
@@ -12091,2163 +16354,7 @@
           </a:effectLst>
           <a:extLst>
             <a:ext uri="{91240B29-F687-4f45-9708-019B960494DF}">
-              <a14:hiddenLine xmlns:a16="http://schemas.microsoft.com/office/drawing/2014/main" xmlns:p14="http://schemas.microsoft.com/office/powerpoint/2010/main" xmlns:a14="http://schemas.microsoft.com/office/drawing/2010/main" xmlns="" w="9525">
-                <a:solidFill>
-                  <a:srgbClr val="000000"/>
-                </a:solidFill>
-                <a:round/>
-                <a:headEnd/>
-                <a:tailEnd/>
-              </a14:hiddenLine>
-            </a:ext>
-          </a:extLst>
-        </p:spPr>
-        <p:txBody>
-          <a:bodyPr vert="horz" wrap="square" lIns="91440" tIns="45720" rIns="91440" bIns="45720" numCol="1" anchor="t" anchorCtr="0" compatLnSpc="1">
-            <a:prstTxWarp prst="textNoShape">
-              <a:avLst/>
-            </a:prstTxWarp>
-          </a:bodyPr>
-          <a:lstStyle/>
-          <a:p>
-            <a:endParaRPr lang="en-US"/>
-          </a:p>
-        </p:txBody>
-      </p:sp>
-      <p:sp>
-        <p:nvSpPr>
-          <p:cNvPr id="2" name="Title 1">
-            <a:extLst>
-              <a:ext uri="{FF2B5EF4-FFF2-40B4-BE49-F238E27FC236}">
-                <a16:creationId xmlns:a16="http://schemas.microsoft.com/office/drawing/2014/main" id="{5C4F01C5-5333-2248-B03B-703C97F7CC69}"/>
-              </a:ext>
-            </a:extLst>
-          </p:cNvPr>
-          <p:cNvSpPr>
-            <a:spLocks noGrp="1"/>
-          </p:cNvSpPr>
-          <p:nvPr>
-            <p:ph type="title"/>
-          </p:nvPr>
-        </p:nvSpPr>
-        <p:spPr>
-          <a:xfrm>
-            <a:off x="1039905" y="845387"/>
-            <a:ext cx="3470310" cy="1066689"/>
-          </a:xfrm>
-        </p:spPr>
-        <p:txBody>
-          <a:bodyPr vert="horz" lIns="91440" tIns="45720" rIns="91440" bIns="45720" rtlCol="0" anchor="b">
-            <a:normAutofit/>
-          </a:bodyPr>
-          <a:lstStyle/>
-          <a:p>
-            <a:pPr algn="l"/>
-            <a:r>
-              <a:rPr lang="en-US" sz="2400" kern="1200">
-                <a:ln>
-                  <a:solidFill>
-                    <a:schemeClr val="bg1">
-                      <a:lumMod val="75000"/>
-                      <a:lumOff val="25000"/>
-                      <a:alpha val="10000"/>
-                    </a:schemeClr>
-                  </a:solidFill>
-                </a:ln>
-                <a:solidFill>
-                  <a:schemeClr val="tx2"/>
-                </a:solidFill>
-                <a:effectLst>
-                  <a:outerShdw blurRad="9525" dist="25400" dir="14640000" algn="tl" rotWithShape="0">
-                    <a:schemeClr val="bg1">
-                      <a:alpha val="30000"/>
-                    </a:schemeClr>
-                  </a:outerShdw>
-                </a:effectLst>
-                <a:latin typeface="+mj-lt"/>
-                <a:ea typeface="+mj-ea"/>
-                <a:cs typeface="Trebuchet MS"/>
-              </a:rPr>
-              <a:t>A unit about </a:t>
-            </a:r>
-            <a:r>
-              <a:rPr lang="en-US" sz="2400" strike="sngStrike" kern="1200">
-                <a:ln>
-                  <a:solidFill>
-                    <a:schemeClr val="bg1">
-                      <a:lumMod val="75000"/>
-                      <a:lumOff val="25000"/>
-                      <a:alpha val="10000"/>
-                    </a:schemeClr>
-                  </a:solidFill>
-                </a:ln>
-                <a:solidFill>
-                  <a:schemeClr val="tx2"/>
-                </a:solidFill>
-                <a:effectLst>
-                  <a:outerShdw blurRad="9525" dist="25400" dir="14640000" algn="tl" rotWithShape="0">
-                    <a:schemeClr val="bg1">
-                      <a:alpha val="30000"/>
-                    </a:schemeClr>
-                  </a:outerShdw>
-                </a:effectLst>
-                <a:latin typeface="+mj-lt"/>
-                <a:ea typeface="+mj-ea"/>
-                <a:cs typeface="Trebuchet MS"/>
-              </a:rPr>
-              <a:t>cats</a:t>
-            </a:r>
-            <a:r>
-              <a:rPr lang="en-US" sz="2400" kern="1200">
-                <a:ln>
-                  <a:solidFill>
-                    <a:schemeClr val="bg1">
-                      <a:lumMod val="75000"/>
-                      <a:lumOff val="25000"/>
-                      <a:alpha val="10000"/>
-                    </a:schemeClr>
-                  </a:solidFill>
-                </a:ln>
-                <a:solidFill>
-                  <a:schemeClr val="tx2"/>
-                </a:solidFill>
-                <a:effectLst>
-                  <a:outerShdw blurRad="9525" dist="25400" dir="14640000" algn="tl" rotWithShape="0">
-                    <a:schemeClr val="bg1">
-                      <a:alpha val="30000"/>
-                    </a:schemeClr>
-                  </a:outerShdw>
-                </a:effectLst>
-                <a:latin typeface="+mj-lt"/>
-                <a:ea typeface="+mj-ea"/>
-                <a:cs typeface="Trebuchet MS"/>
-              </a:rPr>
-              <a:t> cybersecurity</a:t>
-            </a:r>
-            <a:endParaRPr lang="en-US" sz="2400" kern="1200" dirty="0">
-              <a:ln>
-                <a:solidFill>
-                  <a:schemeClr val="bg1">
-                    <a:lumMod val="75000"/>
-                    <a:lumOff val="25000"/>
-                    <a:alpha val="10000"/>
-                  </a:schemeClr>
-                </a:solidFill>
-              </a:ln>
-              <a:solidFill>
-                <a:schemeClr val="tx2"/>
-              </a:solidFill>
-              <a:effectLst>
-                <a:outerShdw blurRad="9525" dist="25400" dir="14640000" algn="tl" rotWithShape="0">
-                  <a:schemeClr val="bg1">
-                    <a:alpha val="30000"/>
-                  </a:schemeClr>
-                </a:outerShdw>
-              </a:effectLst>
-              <a:latin typeface="+mj-lt"/>
-              <a:ea typeface="+mj-ea"/>
-              <a:cs typeface="Trebuchet MS"/>
-            </a:endParaRPr>
-          </a:p>
-        </p:txBody>
-      </p:sp>
-      <p:sp>
-        <p:nvSpPr>
-          <p:cNvPr id="3" name="TextBox 2">
-            <a:extLst>
-              <a:ext uri="{FF2B5EF4-FFF2-40B4-BE49-F238E27FC236}">
-                <a16:creationId xmlns:a16="http://schemas.microsoft.com/office/drawing/2014/main" id="{D04A9560-61A7-8541-B04F-4C1E6892BE66}"/>
-              </a:ext>
-            </a:extLst>
-          </p:cNvPr>
-          <p:cNvSpPr txBox="1"/>
-          <p:nvPr/>
-        </p:nvSpPr>
-        <p:spPr>
-          <a:xfrm>
-            <a:off x="1039905" y="2147862"/>
-            <a:ext cx="3405573" cy="3499563"/>
-          </a:xfrm>
-          <a:prstGeom prst="rect">
-            <a:avLst/>
-          </a:prstGeom>
-        </p:spPr>
-        <p:txBody>
-          <a:bodyPr vert="horz" lIns="91440" tIns="45720" rIns="91440" bIns="45720" rtlCol="0" anchor="t">
-            <a:normAutofit/>
-          </a:bodyPr>
-          <a:lstStyle/>
-          <a:p>
-            <a:pPr defTabSz="457200">
-              <a:spcBef>
-                <a:spcPct val="20000"/>
-              </a:spcBef>
-              <a:spcAft>
-                <a:spcPts val="600"/>
-              </a:spcAft>
-              <a:buClr>
-                <a:schemeClr val="tx2"/>
-              </a:buClr>
-              <a:buSzPct val="70000"/>
-              <a:buFont typeface="Wingdings 2" charset="2"/>
-            </a:pPr>
-            <a:endParaRPr lang="en-US" sz="1600" dirty="0">
-              <a:ln>
-                <a:solidFill>
-                  <a:schemeClr val="bg1">
-                    <a:lumMod val="75000"/>
-                    <a:lumOff val="25000"/>
-                    <a:alpha val="10000"/>
-                  </a:schemeClr>
-                </a:solidFill>
-              </a:ln>
-              <a:solidFill>
-                <a:schemeClr val="tx2"/>
-              </a:solidFill>
-              <a:effectLst>
-                <a:outerShdw blurRad="9525" dist="25400" dir="14640000" algn="tl" rotWithShape="0">
-                  <a:schemeClr val="bg1">
-                    <a:alpha val="30000"/>
-                  </a:schemeClr>
-                </a:outerShdw>
-              </a:effectLst>
-            </a:endParaRPr>
-          </a:p>
-        </p:txBody>
-      </p:sp>
-      <p:sp>
-        <p:nvSpPr>
-          <p:cNvPr id="7" name="TextBox 6">
-            <a:extLst>
-              <a:ext uri="{FF2B5EF4-FFF2-40B4-BE49-F238E27FC236}">
-                <a16:creationId xmlns:a16="http://schemas.microsoft.com/office/drawing/2014/main" id="{DCE4D174-E44F-CF4F-AA1C-D2B815E60ABC}"/>
-              </a:ext>
-            </a:extLst>
-          </p:cNvPr>
-          <p:cNvSpPr txBox="1"/>
-          <p:nvPr/>
-        </p:nvSpPr>
-        <p:spPr>
-          <a:xfrm>
-            <a:off x="1079331" y="2128644"/>
-            <a:ext cx="2661306" cy="246221"/>
-          </a:xfrm>
-          <a:prstGeom prst="rect">
-            <a:avLst/>
-          </a:prstGeom>
-          <a:noFill/>
-        </p:spPr>
-        <p:txBody>
-          <a:bodyPr wrap="none" rtlCol="0">
-            <a:spAutoFit/>
-          </a:bodyPr>
-          <a:lstStyle/>
-          <a:p>
-            <a:r>
-              <a:rPr lang="en-AU" sz="1000" dirty="0" err="1"/>
-              <a:t>MarsCat</a:t>
-            </a:r>
-            <a:r>
-              <a:rPr lang="en-AU" sz="1000" dirty="0"/>
-              <a:t> https://</a:t>
-            </a:r>
-            <a:r>
-              <a:rPr lang="en-AU" sz="1000" dirty="0" err="1"/>
-              <a:t>www.elephantrobotics.com</a:t>
-            </a:r>
-            <a:r>
-              <a:rPr lang="en-AU" sz="1000" dirty="0"/>
-              <a:t>/</a:t>
-            </a:r>
-            <a:r>
-              <a:rPr lang="en-AU" sz="1000" dirty="0" err="1"/>
-              <a:t>en</a:t>
-            </a:r>
-            <a:r>
-              <a:rPr lang="en-AU" sz="1000" dirty="0"/>
-              <a:t>/</a:t>
-            </a:r>
-          </a:p>
-        </p:txBody>
-      </p:sp>
-      <p:pic>
-        <p:nvPicPr>
-          <p:cNvPr id="11" name="Picture 2">
-            <a:extLst>
-              <a:ext uri="{FF2B5EF4-FFF2-40B4-BE49-F238E27FC236}">
-                <a16:creationId xmlns:a16="http://schemas.microsoft.com/office/drawing/2014/main" id="{F9153DA4-2B0B-754D-A65D-6393A35566C7}"/>
-              </a:ext>
-            </a:extLst>
-          </p:cNvPr>
-          <p:cNvPicPr>
-            <a:picLocks noChangeAspect="1" noChangeArrowheads="1"/>
-          </p:cNvPicPr>
-          <p:nvPr/>
-        </p:nvPicPr>
-        <p:blipFill rotWithShape="1">
-          <a:blip r:embed="rId3">
-            <a:extLst>
-              <a:ext uri="{28A0092B-C50C-407E-A947-70E740481C1C}">
-                <a14:useLocalDpi xmlns:a14="http://schemas.microsoft.com/office/drawing/2010/main" val="0"/>
-              </a:ext>
-            </a:extLst>
-          </a:blip>
-          <a:srcRect l="13063" r="13570" b="-1"/>
-          <a:stretch/>
-        </p:blipFill>
-        <p:spPr bwMode="auto">
-          <a:xfrm>
-            <a:off x="5682131" y="845387"/>
-            <a:ext cx="5659346" cy="5149012"/>
-          </a:xfrm>
-          <a:prstGeom prst="rect">
-            <a:avLst/>
-          </a:prstGeom>
-          <a:noFill/>
-          <a:extLst>
-            <a:ext uri="{909E8E84-426E-40DD-AFC4-6F175D3DCCD1}">
-              <a14:hiddenFill xmlns:a14="http://schemas.microsoft.com/office/drawing/2010/main">
-                <a:solidFill>
-                  <a:srgbClr val="FFFFFF"/>
-                </a:solidFill>
-              </a14:hiddenFill>
-            </a:ext>
-          </a:extLst>
-        </p:spPr>
-      </p:pic>
-    </p:spTree>
-    <p:extLst>
-      <p:ext uri="{BB962C8B-B14F-4D97-AF65-F5344CB8AC3E}">
-        <p14:creationId xmlns:p14="http://schemas.microsoft.com/office/powerpoint/2010/main" val="2972598590"/>
-      </p:ext>
-    </p:extLst>
-  </p:cSld>
-  <p:clrMapOvr>
-    <a:masterClrMapping/>
-  </p:clrMapOvr>
-</p:sld>
-</file>
-
-<file path=ppt/slides/slide20.xml><?xml version="1.0" encoding="utf-8"?>
-<p:sld xmlns:a="http://schemas.openxmlformats.org/drawingml/2006/main" xmlns:r="http://schemas.openxmlformats.org/officeDocument/2006/relationships" xmlns:p="http://schemas.openxmlformats.org/presentationml/2006/main">
-  <p:cSld>
-    <p:spTree>
-      <p:nvGrpSpPr>
-        <p:cNvPr id="1" name=""/>
-        <p:cNvGrpSpPr/>
-        <p:nvPr/>
-      </p:nvGrpSpPr>
-      <p:grpSpPr>
-        <a:xfrm>
-          <a:off x="0" y="0"/>
-          <a:ext cx="0" cy="0"/>
-          <a:chOff x="0" y="0"/>
-          <a:chExt cx="0" cy="0"/>
-        </a:xfrm>
-      </p:grpSpPr>
-      <p:sp>
-        <p:nvSpPr>
-          <p:cNvPr id="2" name="Title 1">
-            <a:extLst>
-              <a:ext uri="{FF2B5EF4-FFF2-40B4-BE49-F238E27FC236}">
-                <a16:creationId xmlns:a16="http://schemas.microsoft.com/office/drawing/2014/main" id="{07F6FF8C-A74B-E640-AF2F-9B4E07A213CF}"/>
-              </a:ext>
-            </a:extLst>
-          </p:cNvPr>
-          <p:cNvSpPr>
-            <a:spLocks noGrp="1"/>
-          </p:cNvSpPr>
-          <p:nvPr>
-            <p:ph type="title"/>
-          </p:nvPr>
-        </p:nvSpPr>
-        <p:spPr/>
-        <p:txBody>
-          <a:bodyPr/>
-          <a:lstStyle/>
-          <a:p>
-            <a:r>
-              <a:rPr lang="en-AU" dirty="0"/>
-              <a:t>IoT Healthcare</a:t>
-            </a:r>
-          </a:p>
-        </p:txBody>
-      </p:sp>
-      <p:sp>
-        <p:nvSpPr>
-          <p:cNvPr id="3" name="Content Placeholder 2">
-            <a:extLst>
-              <a:ext uri="{FF2B5EF4-FFF2-40B4-BE49-F238E27FC236}">
-                <a16:creationId xmlns:a16="http://schemas.microsoft.com/office/drawing/2014/main" id="{C29FA815-F1A1-E848-8BE0-A481039CE411}"/>
-              </a:ext>
-            </a:extLst>
-          </p:cNvPr>
-          <p:cNvSpPr>
-            <a:spLocks noGrp="1"/>
-          </p:cNvSpPr>
-          <p:nvPr>
-            <p:ph idx="1"/>
-          </p:nvPr>
-        </p:nvSpPr>
-        <p:spPr/>
-        <p:txBody>
-          <a:bodyPr>
-            <a:normAutofit fontScale="85000" lnSpcReduction="10000"/>
-          </a:bodyPr>
-          <a:lstStyle/>
-          <a:p>
-            <a:r>
-              <a:rPr lang="en-AU" b="1" dirty="0">
-                <a:effectLst/>
-              </a:rPr>
-              <a:t>Biggest area of use is in monitoring, including remote monitoring</a:t>
-            </a:r>
-          </a:p>
-          <a:p>
-            <a:r>
-              <a:rPr lang="en-AU" b="1" dirty="0">
-                <a:effectLst/>
-              </a:rPr>
-              <a:t>New hospitals like Fiona Stanley and Perth Children’s Hospital in Perth WA have 50,000+ sensors that monitor environment, equipment, even bedding and uniforms. Robotic pharmacies and food delivery.</a:t>
-            </a:r>
-          </a:p>
-          <a:p>
-            <a:r>
-              <a:rPr lang="en-AU" b="1" dirty="0">
-                <a:effectLst/>
-              </a:rPr>
-              <a:t>Ageing in place: allowing the elderly to stay in homes for longer</a:t>
-            </a:r>
-          </a:p>
-          <a:p>
-            <a:r>
-              <a:rPr lang="en-AU" b="1" dirty="0">
-                <a:effectLst/>
-              </a:rPr>
-              <a:t>IoT are used to establish Activities of Daily Living and detect changes from the norm</a:t>
-            </a:r>
-          </a:p>
-          <a:p>
-            <a:r>
-              <a:rPr lang="en-AU" b="1" dirty="0">
-                <a:effectLst/>
-              </a:rPr>
-              <a:t>Cardiac Implantable Electronic Devices (CIED): In the EU between 500,000 and 1 million devices a year are implanted</a:t>
-            </a:r>
-          </a:p>
-          <a:p>
-            <a:pPr lvl="1"/>
-            <a:r>
-              <a:rPr lang="en-AU" b="1" dirty="0">
-                <a:effectLst/>
-              </a:rPr>
-              <a:t>Monitor heart rate for arrythmias </a:t>
-            </a:r>
-          </a:p>
-          <a:p>
-            <a:pPr lvl="1"/>
-            <a:r>
-              <a:rPr lang="en-AU" b="1" dirty="0">
-                <a:effectLst/>
-              </a:rPr>
-              <a:t>Some are Bluetooth enabled to allow data upload to remote monitoring service</a:t>
-            </a:r>
-          </a:p>
-          <a:p>
-            <a:r>
-              <a:rPr lang="en-AU" b="1" dirty="0">
-                <a:effectLst/>
-              </a:rPr>
-              <a:t>Consumer heart monitors like Smart Watches including arrythmia detection of Apple Watch and Garmin</a:t>
-            </a:r>
-          </a:p>
-          <a:p>
-            <a:endParaRPr lang="en-AU" b="1" dirty="0">
-              <a:effectLst/>
-            </a:endParaRPr>
-          </a:p>
-          <a:p>
-            <a:endParaRPr lang="en-AU" dirty="0"/>
-          </a:p>
-          <a:p>
-            <a:endParaRPr lang="en-US" dirty="0"/>
-          </a:p>
-          <a:p>
-            <a:pPr marL="36900" indent="0">
-              <a:buNone/>
-            </a:pPr>
-            <a:endParaRPr lang="en-AU" dirty="0">
-              <a:effectLst/>
-            </a:endParaRPr>
-          </a:p>
-          <a:p>
-            <a:endParaRPr lang="en-AU" sz="2000" dirty="0"/>
-          </a:p>
-        </p:txBody>
-      </p:sp>
-    </p:spTree>
-    <p:extLst>
-      <p:ext uri="{BB962C8B-B14F-4D97-AF65-F5344CB8AC3E}">
-        <p14:creationId xmlns:p14="http://schemas.microsoft.com/office/powerpoint/2010/main" val="2191242134"/>
-      </p:ext>
-    </p:extLst>
-  </p:cSld>
-  <p:clrMapOvr>
-    <a:masterClrMapping/>
-  </p:clrMapOvr>
-</p:sld>
-</file>
-
-<file path=ppt/slides/slide21.xml><?xml version="1.0" encoding="utf-8"?>
-<p:sld xmlns:a="http://schemas.openxmlformats.org/drawingml/2006/main" xmlns:r="http://schemas.openxmlformats.org/officeDocument/2006/relationships" xmlns:p="http://schemas.openxmlformats.org/presentationml/2006/main">
-  <p:cSld>
-    <p:spTree>
-      <p:nvGrpSpPr>
-        <p:cNvPr id="1" name=""/>
-        <p:cNvGrpSpPr/>
-        <p:nvPr/>
-      </p:nvGrpSpPr>
-      <p:grpSpPr>
-        <a:xfrm>
-          <a:off x="0" y="0"/>
-          <a:ext cx="0" cy="0"/>
-          <a:chOff x="0" y="0"/>
-          <a:chExt cx="0" cy="0"/>
-        </a:xfrm>
-      </p:grpSpPr>
-      <p:sp>
-        <p:nvSpPr>
-          <p:cNvPr id="2" name="Title 1">
-            <a:extLst>
-              <a:ext uri="{FF2B5EF4-FFF2-40B4-BE49-F238E27FC236}">
-                <a16:creationId xmlns:a16="http://schemas.microsoft.com/office/drawing/2014/main" id="{07F6FF8C-A74B-E640-AF2F-9B4E07A213CF}"/>
-              </a:ext>
-            </a:extLst>
-          </p:cNvPr>
-          <p:cNvSpPr>
-            <a:spLocks noGrp="1"/>
-          </p:cNvSpPr>
-          <p:nvPr>
-            <p:ph type="title"/>
-          </p:nvPr>
-        </p:nvSpPr>
-        <p:spPr/>
-        <p:txBody>
-          <a:bodyPr/>
-          <a:lstStyle/>
-          <a:p>
-            <a:r>
-              <a:rPr lang="en-AU" dirty="0"/>
-              <a:t>IoT Healthcare: Risks</a:t>
-            </a:r>
-          </a:p>
-        </p:txBody>
-      </p:sp>
-      <p:sp>
-        <p:nvSpPr>
-          <p:cNvPr id="3" name="Content Placeholder 2">
-            <a:extLst>
-              <a:ext uri="{FF2B5EF4-FFF2-40B4-BE49-F238E27FC236}">
-                <a16:creationId xmlns:a16="http://schemas.microsoft.com/office/drawing/2014/main" id="{C29FA815-F1A1-E848-8BE0-A481039CE411}"/>
-              </a:ext>
-            </a:extLst>
-          </p:cNvPr>
-          <p:cNvSpPr>
-            <a:spLocks noGrp="1"/>
-          </p:cNvSpPr>
-          <p:nvPr>
-            <p:ph idx="1"/>
-          </p:nvPr>
-        </p:nvSpPr>
-        <p:spPr/>
-        <p:txBody>
-          <a:bodyPr>
-            <a:normAutofit fontScale="92500"/>
-          </a:bodyPr>
-          <a:lstStyle/>
-          <a:p>
-            <a:r>
-              <a:rPr lang="en-AU" b="1" dirty="0">
-                <a:effectLst/>
-              </a:rPr>
-              <a:t>Privacy is probably the biggest risk with these devices</a:t>
-            </a:r>
-          </a:p>
-          <a:p>
-            <a:r>
-              <a:rPr lang="en-AU" b="1" dirty="0">
-                <a:effectLst/>
-              </a:rPr>
-              <a:t>The ability to interfere with commands for insulin pumps or CIEDs to deliver fatal doses of insulin or an excessive charge (</a:t>
-            </a:r>
-            <a:r>
-              <a:rPr lang="en-AU" sz="1400" b="1" dirty="0">
-                <a:effectLst/>
-                <a:hlinkClick r:id="rId2"/>
-              </a:rPr>
-              <a:t>https://www.blackhat.com/us-18/briefings/schedule/#understanding-and-exploiting-implanted-medical-devices-11733</a:t>
-            </a:r>
-            <a:r>
-              <a:rPr lang="en-AU" b="1" dirty="0">
-                <a:effectLst/>
-              </a:rPr>
-              <a:t>)</a:t>
-            </a:r>
-          </a:p>
-          <a:p>
-            <a:r>
-              <a:rPr lang="en-AU" b="1" dirty="0">
-                <a:effectLst/>
-              </a:rPr>
-              <a:t>Remote installation of firmware on devices</a:t>
-            </a:r>
-          </a:p>
-          <a:p>
-            <a:r>
-              <a:rPr lang="en-AU" b="1" dirty="0">
-                <a:effectLst/>
-              </a:rPr>
-              <a:t>Attack software on phones or computer that allow data to be stolen, commands to be issued</a:t>
-            </a:r>
-          </a:p>
-          <a:p>
-            <a:r>
-              <a:rPr lang="en-AU" b="1" dirty="0">
-                <a:effectLst/>
-              </a:rPr>
-              <a:t>Falsification of vital signs from monitors</a:t>
-            </a:r>
-          </a:p>
-          <a:p>
-            <a:r>
-              <a:rPr lang="en-AU" b="1" dirty="0">
-                <a:effectLst/>
-              </a:rPr>
-              <a:t>Adversarial attacks on machine learning algorithms </a:t>
-            </a:r>
-          </a:p>
-          <a:p>
-            <a:endParaRPr lang="en-AU" b="1" dirty="0">
-              <a:effectLst/>
-            </a:endParaRPr>
-          </a:p>
-          <a:p>
-            <a:endParaRPr lang="en-AU" dirty="0"/>
-          </a:p>
-          <a:p>
-            <a:endParaRPr lang="en-US" dirty="0"/>
-          </a:p>
-          <a:p>
-            <a:pPr marL="36900" indent="0">
-              <a:buNone/>
-            </a:pPr>
-            <a:endParaRPr lang="en-AU" dirty="0">
-              <a:effectLst/>
-            </a:endParaRPr>
-          </a:p>
-          <a:p>
-            <a:endParaRPr lang="en-AU" sz="2000" dirty="0"/>
-          </a:p>
-        </p:txBody>
-      </p:sp>
-    </p:spTree>
-    <p:extLst>
-      <p:ext uri="{BB962C8B-B14F-4D97-AF65-F5344CB8AC3E}">
-        <p14:creationId xmlns:p14="http://schemas.microsoft.com/office/powerpoint/2010/main" val="1113189726"/>
-      </p:ext>
-    </p:extLst>
-  </p:cSld>
-  <p:clrMapOvr>
-    <a:masterClrMapping/>
-  </p:clrMapOvr>
-</p:sld>
-</file>
-
-<file path=ppt/slides/slide22.xml><?xml version="1.0" encoding="utf-8"?>
-<p:sld xmlns:a="http://schemas.openxmlformats.org/drawingml/2006/main" xmlns:r="http://schemas.openxmlformats.org/officeDocument/2006/relationships" xmlns:p="http://schemas.openxmlformats.org/presentationml/2006/main">
-  <p:cSld>
-    <p:spTree>
-      <p:nvGrpSpPr>
-        <p:cNvPr id="1" name=""/>
-        <p:cNvGrpSpPr/>
-        <p:nvPr/>
-      </p:nvGrpSpPr>
-      <p:grpSpPr>
-        <a:xfrm>
-          <a:off x="0" y="0"/>
-          <a:ext cx="0" cy="0"/>
-          <a:chOff x="0" y="0"/>
-          <a:chExt cx="0" cy="0"/>
-        </a:xfrm>
-      </p:grpSpPr>
-      <p:sp>
-        <p:nvSpPr>
-          <p:cNvPr id="2" name="Title 1">
-            <a:extLst>
-              <a:ext uri="{FF2B5EF4-FFF2-40B4-BE49-F238E27FC236}">
-                <a16:creationId xmlns:a16="http://schemas.microsoft.com/office/drawing/2014/main" id="{07F6FF8C-A74B-E640-AF2F-9B4E07A213CF}"/>
-              </a:ext>
-            </a:extLst>
-          </p:cNvPr>
-          <p:cNvSpPr>
-            <a:spLocks noGrp="1"/>
-          </p:cNvSpPr>
-          <p:nvPr>
-            <p:ph type="title"/>
-          </p:nvPr>
-        </p:nvSpPr>
-        <p:spPr/>
-        <p:txBody>
-          <a:bodyPr/>
-          <a:lstStyle/>
-          <a:p>
-            <a:r>
-              <a:rPr lang="en-AU" dirty="0"/>
-              <a:t>IoT Healthcare: Mitigations</a:t>
-            </a:r>
-          </a:p>
-        </p:txBody>
-      </p:sp>
-      <p:sp>
-        <p:nvSpPr>
-          <p:cNvPr id="3" name="Content Placeholder 2">
-            <a:extLst>
-              <a:ext uri="{FF2B5EF4-FFF2-40B4-BE49-F238E27FC236}">
-                <a16:creationId xmlns:a16="http://schemas.microsoft.com/office/drawing/2014/main" id="{C29FA815-F1A1-E848-8BE0-A481039CE411}"/>
-              </a:ext>
-            </a:extLst>
-          </p:cNvPr>
-          <p:cNvSpPr>
-            <a:spLocks noGrp="1"/>
-          </p:cNvSpPr>
-          <p:nvPr>
-            <p:ph idx="1"/>
-          </p:nvPr>
-        </p:nvSpPr>
-        <p:spPr/>
-        <p:txBody>
-          <a:bodyPr>
-            <a:normAutofit/>
-          </a:bodyPr>
-          <a:lstStyle/>
-          <a:p>
-            <a:r>
-              <a:rPr lang="en-AU" b="1" dirty="0">
-                <a:effectLst/>
-              </a:rPr>
-              <a:t>Manufacturers of healthcare devices are becoming more aware of security in their products</a:t>
-            </a:r>
-          </a:p>
-          <a:p>
-            <a:r>
-              <a:rPr lang="en-AU" b="1" dirty="0">
-                <a:effectLst/>
-              </a:rPr>
-              <a:t>No longer dependent on network isolation or obscure protocols</a:t>
-            </a:r>
-          </a:p>
-          <a:p>
-            <a:r>
-              <a:rPr lang="en-AU" b="1" dirty="0">
-                <a:effectLst/>
-              </a:rPr>
-              <a:t>Implementation of encryption and authentication on devices</a:t>
-            </a:r>
-          </a:p>
-          <a:p>
-            <a:r>
-              <a:rPr lang="en-AU" b="1" dirty="0">
-                <a:effectLst/>
-              </a:rPr>
-              <a:t>Protection against ransomware attacks and applying other more general IT cybersecurity controls</a:t>
-            </a:r>
-          </a:p>
-          <a:p>
-            <a:r>
-              <a:rPr lang="en-AU" b="1" dirty="0">
-                <a:effectLst/>
-              </a:rPr>
-              <a:t>Privacy protection through various means: differential privacy, homomorphic encryption, privacy spaces with edge devices (see Privacy lecture)</a:t>
-            </a:r>
-          </a:p>
-          <a:p>
-            <a:endParaRPr lang="en-AU" b="1" dirty="0">
-              <a:effectLst/>
-            </a:endParaRPr>
-          </a:p>
-          <a:p>
-            <a:endParaRPr lang="en-AU" dirty="0"/>
-          </a:p>
-          <a:p>
-            <a:endParaRPr lang="en-US" dirty="0"/>
-          </a:p>
-          <a:p>
-            <a:pPr marL="36900" indent="0">
-              <a:buNone/>
-            </a:pPr>
-            <a:endParaRPr lang="en-AU" dirty="0">
-              <a:effectLst/>
-            </a:endParaRPr>
-          </a:p>
-          <a:p>
-            <a:endParaRPr lang="en-AU" sz="2000" dirty="0"/>
-          </a:p>
-        </p:txBody>
-      </p:sp>
-    </p:spTree>
-    <p:extLst>
-      <p:ext uri="{BB962C8B-B14F-4D97-AF65-F5344CB8AC3E}">
-        <p14:creationId xmlns:p14="http://schemas.microsoft.com/office/powerpoint/2010/main" val="1770937831"/>
-      </p:ext>
-    </p:extLst>
-  </p:cSld>
-  <p:clrMapOvr>
-    <a:masterClrMapping/>
-  </p:clrMapOvr>
-</p:sld>
-</file>
-
-<file path=ppt/slides/slide23.xml><?xml version="1.0" encoding="utf-8"?>
-<p:sld xmlns:a="http://schemas.openxmlformats.org/drawingml/2006/main" xmlns:r="http://schemas.openxmlformats.org/officeDocument/2006/relationships" xmlns:p="http://schemas.openxmlformats.org/presentationml/2006/main">
-  <p:cSld>
-    <p:spTree>
-      <p:nvGrpSpPr>
-        <p:cNvPr id="1" name=""/>
-        <p:cNvGrpSpPr/>
-        <p:nvPr/>
-      </p:nvGrpSpPr>
-      <p:grpSpPr>
-        <a:xfrm>
-          <a:off x="0" y="0"/>
-          <a:ext cx="0" cy="0"/>
-          <a:chOff x="0" y="0"/>
-          <a:chExt cx="0" cy="0"/>
-        </a:xfrm>
-      </p:grpSpPr>
-      <p:sp>
-        <p:nvSpPr>
-          <p:cNvPr id="2" name="Title 1">
-            <a:extLst>
-              <a:ext uri="{FF2B5EF4-FFF2-40B4-BE49-F238E27FC236}">
-                <a16:creationId xmlns:a16="http://schemas.microsoft.com/office/drawing/2014/main" id="{07F6FF8C-A74B-E640-AF2F-9B4E07A213CF}"/>
-              </a:ext>
-            </a:extLst>
-          </p:cNvPr>
-          <p:cNvSpPr>
-            <a:spLocks noGrp="1"/>
-          </p:cNvSpPr>
-          <p:nvPr>
-            <p:ph type="title"/>
-          </p:nvPr>
-        </p:nvSpPr>
-        <p:spPr/>
-        <p:txBody>
-          <a:bodyPr/>
-          <a:lstStyle/>
-          <a:p>
-            <a:r>
-              <a:rPr lang="en-AU" dirty="0"/>
-              <a:t>Cars</a:t>
-            </a:r>
-          </a:p>
-        </p:txBody>
-      </p:sp>
-      <p:sp>
-        <p:nvSpPr>
-          <p:cNvPr id="3" name="Content Placeholder 2">
-            <a:extLst>
-              <a:ext uri="{FF2B5EF4-FFF2-40B4-BE49-F238E27FC236}">
-                <a16:creationId xmlns:a16="http://schemas.microsoft.com/office/drawing/2014/main" id="{C29FA815-F1A1-E848-8BE0-A481039CE411}"/>
-              </a:ext>
-            </a:extLst>
-          </p:cNvPr>
-          <p:cNvSpPr>
-            <a:spLocks noGrp="1"/>
-          </p:cNvSpPr>
-          <p:nvPr>
-            <p:ph idx="1"/>
-          </p:nvPr>
-        </p:nvSpPr>
-        <p:spPr/>
-        <p:txBody>
-          <a:bodyPr>
-            <a:normAutofit fontScale="92500"/>
-          </a:bodyPr>
-          <a:lstStyle/>
-          <a:p>
-            <a:r>
-              <a:rPr lang="en-AU" b="1" dirty="0">
-                <a:effectLst/>
-              </a:rPr>
-              <a:t>Modern cars may have 70+ electronic control units (ECU). Semi-autonomous cars like the Tesla also have ECUs (computers) to manage the self-driving. There is also a media control unit (MCU)</a:t>
-            </a:r>
-          </a:p>
-          <a:p>
-            <a:r>
-              <a:rPr lang="en-AU" b="1" dirty="0">
-                <a:effectLst/>
-              </a:rPr>
-              <a:t>Communication in the car is via one or more CAN bus (Controller Area Network): control over engine and safety systems, one for lighting, user experience, one for parking systems, cruise control, lane guidance</a:t>
-            </a:r>
-          </a:p>
-          <a:p>
-            <a:r>
-              <a:rPr lang="en-AU" b="1" dirty="0">
-                <a:effectLst/>
-              </a:rPr>
-              <a:t>CAN does not use encryption but has a Cyclic Redundancy Check (CRC) for message integrity</a:t>
-            </a:r>
-          </a:p>
-          <a:p>
-            <a:r>
-              <a:rPr lang="en-AU" b="1" dirty="0">
-                <a:effectLst/>
-              </a:rPr>
-              <a:t>Can access the CAN via the On-Board Diagnostic (OBD) port</a:t>
-            </a:r>
-          </a:p>
-          <a:p>
-            <a:r>
-              <a:rPr lang="en-AU" b="1" dirty="0">
-                <a:effectLst/>
-              </a:rPr>
-              <a:t>Cars are now also internet connected for remote monitoring against breakdowns, theft and there are remote control facilities available</a:t>
-            </a:r>
-          </a:p>
-          <a:p>
-            <a:endParaRPr lang="en-AU" b="1" dirty="0">
-              <a:effectLst/>
-            </a:endParaRPr>
-          </a:p>
-          <a:p>
-            <a:endParaRPr lang="en-AU" dirty="0"/>
-          </a:p>
-          <a:p>
-            <a:endParaRPr lang="en-US" dirty="0"/>
-          </a:p>
-          <a:p>
-            <a:pPr marL="36900" indent="0">
-              <a:buNone/>
-            </a:pPr>
-            <a:endParaRPr lang="en-AU" dirty="0">
-              <a:effectLst/>
-            </a:endParaRPr>
-          </a:p>
-          <a:p>
-            <a:endParaRPr lang="en-AU" sz="2000" dirty="0"/>
-          </a:p>
-        </p:txBody>
-      </p:sp>
-    </p:spTree>
-    <p:extLst>
-      <p:ext uri="{BB962C8B-B14F-4D97-AF65-F5344CB8AC3E}">
-        <p14:creationId xmlns:p14="http://schemas.microsoft.com/office/powerpoint/2010/main" val="338330801"/>
-      </p:ext>
-    </p:extLst>
-  </p:cSld>
-  <p:clrMapOvr>
-    <a:masterClrMapping/>
-  </p:clrMapOvr>
-</p:sld>
-</file>
-
-<file path=ppt/slides/slide24.xml><?xml version="1.0" encoding="utf-8"?>
-<p:sld xmlns:a="http://schemas.openxmlformats.org/drawingml/2006/main" xmlns:r="http://schemas.openxmlformats.org/officeDocument/2006/relationships" xmlns:p="http://schemas.openxmlformats.org/presentationml/2006/main">
-  <p:cSld>
-    <p:spTree>
-      <p:nvGrpSpPr>
-        <p:cNvPr id="1" name=""/>
-        <p:cNvGrpSpPr/>
-        <p:nvPr/>
-      </p:nvGrpSpPr>
-      <p:grpSpPr>
-        <a:xfrm>
-          <a:off x="0" y="0"/>
-          <a:ext cx="0" cy="0"/>
-          <a:chOff x="0" y="0"/>
-          <a:chExt cx="0" cy="0"/>
-        </a:xfrm>
-      </p:grpSpPr>
-      <p:sp>
-        <p:nvSpPr>
-          <p:cNvPr id="2" name="Title 1">
-            <a:extLst>
-              <a:ext uri="{FF2B5EF4-FFF2-40B4-BE49-F238E27FC236}">
-                <a16:creationId xmlns:a16="http://schemas.microsoft.com/office/drawing/2014/main" id="{07F6FF8C-A74B-E640-AF2F-9B4E07A213CF}"/>
-              </a:ext>
-            </a:extLst>
-          </p:cNvPr>
-          <p:cNvSpPr>
-            <a:spLocks noGrp="1"/>
-          </p:cNvSpPr>
-          <p:nvPr>
-            <p:ph type="title"/>
-          </p:nvPr>
-        </p:nvSpPr>
-        <p:spPr/>
-        <p:txBody>
-          <a:bodyPr/>
-          <a:lstStyle/>
-          <a:p>
-            <a:r>
-              <a:rPr lang="en-AU" dirty="0"/>
-              <a:t>Cars: Risks</a:t>
-            </a:r>
-          </a:p>
-        </p:txBody>
-      </p:sp>
-      <p:sp>
-        <p:nvSpPr>
-          <p:cNvPr id="3" name="Content Placeholder 2">
-            <a:extLst>
-              <a:ext uri="{FF2B5EF4-FFF2-40B4-BE49-F238E27FC236}">
-                <a16:creationId xmlns:a16="http://schemas.microsoft.com/office/drawing/2014/main" id="{C29FA815-F1A1-E848-8BE0-A481039CE411}"/>
-              </a:ext>
-            </a:extLst>
-          </p:cNvPr>
-          <p:cNvSpPr>
-            <a:spLocks noGrp="1"/>
-          </p:cNvSpPr>
-          <p:nvPr>
-            <p:ph idx="1"/>
-          </p:nvPr>
-        </p:nvSpPr>
-        <p:spPr/>
-        <p:txBody>
-          <a:bodyPr>
-            <a:normAutofit fontScale="77500" lnSpcReduction="20000"/>
-          </a:bodyPr>
-          <a:lstStyle/>
-          <a:p>
-            <a:r>
-              <a:rPr lang="en-AU" b="1" dirty="0">
-                <a:effectLst/>
-              </a:rPr>
-              <a:t>Wireless key spoofing or other forms of attack to enter the vehicle and start the car</a:t>
-            </a:r>
-          </a:p>
-          <a:p>
-            <a:r>
-              <a:rPr lang="en-AU" b="1" dirty="0">
-                <a:effectLst/>
-              </a:rPr>
-              <a:t>Spoofing sensors: e.g. 2010 researchers showed the ability to attack the Tire pressure monitoring systems of cars</a:t>
-            </a:r>
-          </a:p>
-          <a:p>
-            <a:r>
-              <a:rPr lang="en-AU" b="1" dirty="0">
-                <a:effectLst/>
-              </a:rPr>
-              <a:t>Denial of service via OBD</a:t>
-            </a:r>
-          </a:p>
-          <a:p>
-            <a:r>
-              <a:rPr lang="en-AU" b="1" dirty="0">
-                <a:effectLst/>
-              </a:rPr>
-              <a:t>Remotely controlling accelerator, breaks and steering (two hackers Miller and </a:t>
-            </a:r>
-            <a:r>
-              <a:rPr lang="en-AU" b="1" dirty="0" err="1">
-                <a:effectLst/>
-              </a:rPr>
-              <a:t>Valasek</a:t>
-            </a:r>
-            <a:r>
-              <a:rPr lang="en-AU" b="1" dirty="0">
-                <a:effectLst/>
-              </a:rPr>
-              <a:t> in 2016 on a Jeep Cherokee) – in one attack they wirelessly accessed the CAN bus and put the ECU into </a:t>
-            </a:r>
-            <a:r>
-              <a:rPr lang="en-AU" b="1" dirty="0" err="1">
-                <a:effectLst/>
-              </a:rPr>
-              <a:t>bootrom</a:t>
-            </a:r>
-            <a:r>
-              <a:rPr lang="en-AU" b="1" dirty="0">
-                <a:effectLst/>
-              </a:rPr>
-              <a:t> mode.</a:t>
-            </a:r>
-          </a:p>
-          <a:p>
-            <a:r>
-              <a:rPr lang="en-AU" b="1" dirty="0">
-                <a:effectLst/>
-              </a:rPr>
-              <a:t>Disabling safety systems</a:t>
-            </a:r>
-          </a:p>
-          <a:p>
-            <a:r>
-              <a:rPr lang="en-AU" b="1" dirty="0">
-                <a:effectLst/>
-              </a:rPr>
-              <a:t>Hacks on the remote monitoring systems such as OnStar</a:t>
-            </a:r>
-          </a:p>
-          <a:p>
-            <a:r>
-              <a:rPr lang="en-AU" b="1" dirty="0">
-                <a:effectLst/>
-              </a:rPr>
-              <a:t>Accessing private information such as location data</a:t>
-            </a:r>
-          </a:p>
-          <a:p>
-            <a:r>
-              <a:rPr lang="en-AU" b="1" dirty="0">
-                <a:effectLst/>
-              </a:rPr>
-              <a:t>Reading: </a:t>
-            </a:r>
-            <a:r>
-              <a:rPr lang="en-AU" b="1" dirty="0" err="1">
-                <a:effectLst/>
-              </a:rPr>
-              <a:t>Bozdal</a:t>
-            </a:r>
-            <a:r>
-              <a:rPr lang="en-AU" b="1" dirty="0">
-                <a:effectLst/>
-              </a:rPr>
-              <a:t>, et al (2020) Evaluation of CAN Bus Security Challenges https://</a:t>
-            </a:r>
-            <a:r>
-              <a:rPr lang="en-AU" b="1" dirty="0" err="1">
-                <a:effectLst/>
-              </a:rPr>
-              <a:t>www.ncbi.nlm.nih.gov</a:t>
-            </a:r>
-            <a:r>
-              <a:rPr lang="en-AU" b="1" dirty="0">
-                <a:effectLst/>
-              </a:rPr>
-              <a:t>/</a:t>
-            </a:r>
-            <a:r>
-              <a:rPr lang="en-AU" b="1" dirty="0" err="1">
-                <a:effectLst/>
-              </a:rPr>
-              <a:t>pmc</a:t>
-            </a:r>
-            <a:r>
-              <a:rPr lang="en-AU" b="1" dirty="0">
-                <a:effectLst/>
-              </a:rPr>
-              <a:t>/articles/PMC7219335/</a:t>
-            </a:r>
-          </a:p>
-          <a:p>
-            <a:endParaRPr lang="en-AU" b="1" dirty="0">
-              <a:effectLst/>
-            </a:endParaRPr>
-          </a:p>
-          <a:p>
-            <a:endParaRPr lang="en-AU" dirty="0"/>
-          </a:p>
-          <a:p>
-            <a:endParaRPr lang="en-US" dirty="0"/>
-          </a:p>
-          <a:p>
-            <a:pPr marL="36900" indent="0">
-              <a:buNone/>
-            </a:pPr>
-            <a:endParaRPr lang="en-AU" dirty="0">
-              <a:effectLst/>
-            </a:endParaRPr>
-          </a:p>
-          <a:p>
-            <a:endParaRPr lang="en-AU" sz="2000" dirty="0"/>
-          </a:p>
-        </p:txBody>
-      </p:sp>
-    </p:spTree>
-    <p:extLst>
-      <p:ext uri="{BB962C8B-B14F-4D97-AF65-F5344CB8AC3E}">
-        <p14:creationId xmlns:p14="http://schemas.microsoft.com/office/powerpoint/2010/main" val="189522420"/>
-      </p:ext>
-    </p:extLst>
-  </p:cSld>
-  <p:clrMapOvr>
-    <a:masterClrMapping/>
-  </p:clrMapOvr>
-</p:sld>
-</file>
-
-<file path=ppt/slides/slide25.xml><?xml version="1.0" encoding="utf-8"?>
-<p:sld xmlns:a="http://schemas.openxmlformats.org/drawingml/2006/main" xmlns:r="http://schemas.openxmlformats.org/officeDocument/2006/relationships" xmlns:p="http://schemas.openxmlformats.org/presentationml/2006/main">
-  <p:cSld>
-    <p:spTree>
-      <p:nvGrpSpPr>
-        <p:cNvPr id="1" name=""/>
-        <p:cNvGrpSpPr/>
-        <p:nvPr/>
-      </p:nvGrpSpPr>
-      <p:grpSpPr>
-        <a:xfrm>
-          <a:off x="0" y="0"/>
-          <a:ext cx="0" cy="0"/>
-          <a:chOff x="0" y="0"/>
-          <a:chExt cx="0" cy="0"/>
-        </a:xfrm>
-      </p:grpSpPr>
-      <p:sp>
-        <p:nvSpPr>
-          <p:cNvPr id="2" name="Title 1">
-            <a:extLst>
-              <a:ext uri="{FF2B5EF4-FFF2-40B4-BE49-F238E27FC236}">
-                <a16:creationId xmlns:a16="http://schemas.microsoft.com/office/drawing/2014/main" id="{07F6FF8C-A74B-E640-AF2F-9B4E07A213CF}"/>
-              </a:ext>
-            </a:extLst>
-          </p:cNvPr>
-          <p:cNvSpPr>
-            <a:spLocks noGrp="1"/>
-          </p:cNvSpPr>
-          <p:nvPr>
-            <p:ph type="title"/>
-          </p:nvPr>
-        </p:nvSpPr>
-        <p:spPr/>
-        <p:txBody>
-          <a:bodyPr/>
-          <a:lstStyle/>
-          <a:p>
-            <a:r>
-              <a:rPr lang="en-AU" dirty="0"/>
-              <a:t>Cars: Mitigations</a:t>
-            </a:r>
-          </a:p>
-        </p:txBody>
-      </p:sp>
-      <p:sp>
-        <p:nvSpPr>
-          <p:cNvPr id="3" name="Content Placeholder 2">
-            <a:extLst>
-              <a:ext uri="{FF2B5EF4-FFF2-40B4-BE49-F238E27FC236}">
-                <a16:creationId xmlns:a16="http://schemas.microsoft.com/office/drawing/2014/main" id="{C29FA815-F1A1-E848-8BE0-A481039CE411}"/>
-              </a:ext>
-            </a:extLst>
-          </p:cNvPr>
-          <p:cNvSpPr>
-            <a:spLocks noGrp="1"/>
-          </p:cNvSpPr>
-          <p:nvPr>
-            <p:ph idx="1"/>
-          </p:nvPr>
-        </p:nvSpPr>
-        <p:spPr/>
-        <p:txBody>
-          <a:bodyPr>
-            <a:normAutofit/>
-          </a:bodyPr>
-          <a:lstStyle/>
-          <a:p>
-            <a:r>
-              <a:rPr lang="en-AU" b="1" dirty="0">
-                <a:effectLst/>
-              </a:rPr>
-              <a:t>Network segmentation: limit access to the end-user</a:t>
-            </a:r>
-          </a:p>
-          <a:p>
-            <a:r>
-              <a:rPr lang="en-AU" b="1" dirty="0">
-                <a:effectLst/>
-              </a:rPr>
-              <a:t>Encryption</a:t>
-            </a:r>
-          </a:p>
-          <a:p>
-            <a:r>
-              <a:rPr lang="en-AU" b="1" dirty="0">
-                <a:effectLst/>
-              </a:rPr>
-              <a:t>Authentication</a:t>
-            </a:r>
-          </a:p>
-          <a:p>
-            <a:r>
-              <a:rPr lang="en-AU" b="1" dirty="0">
-                <a:effectLst/>
-              </a:rPr>
-              <a:t>Intrusion detection system</a:t>
-            </a:r>
-          </a:p>
-          <a:p>
-            <a:r>
-              <a:rPr lang="en-AU" b="1" dirty="0">
-                <a:effectLst/>
-              </a:rPr>
-              <a:t>These mitigations come at increased cost and complexity and industry is reluctant to implement</a:t>
-            </a:r>
-          </a:p>
-          <a:p>
-            <a:r>
-              <a:rPr lang="en-AU" b="1" dirty="0">
-                <a:effectLst/>
-              </a:rPr>
-              <a:t>Limited resources of processing and memory mean encryption and IDS are difficult to implement</a:t>
-            </a:r>
-          </a:p>
-          <a:p>
-            <a:endParaRPr lang="en-AU" b="1" dirty="0">
-              <a:effectLst/>
-            </a:endParaRPr>
-          </a:p>
-          <a:p>
-            <a:endParaRPr lang="en-AU" dirty="0"/>
-          </a:p>
-          <a:p>
-            <a:endParaRPr lang="en-US" dirty="0"/>
-          </a:p>
-          <a:p>
-            <a:pPr marL="36900" indent="0">
-              <a:buNone/>
-            </a:pPr>
-            <a:endParaRPr lang="en-AU" dirty="0">
-              <a:effectLst/>
-            </a:endParaRPr>
-          </a:p>
-          <a:p>
-            <a:endParaRPr lang="en-AU" sz="2000" dirty="0"/>
-          </a:p>
-        </p:txBody>
-      </p:sp>
-    </p:spTree>
-    <p:extLst>
-      <p:ext uri="{BB962C8B-B14F-4D97-AF65-F5344CB8AC3E}">
-        <p14:creationId xmlns:p14="http://schemas.microsoft.com/office/powerpoint/2010/main" val="3566368406"/>
-      </p:ext>
-    </p:extLst>
-  </p:cSld>
-  <p:clrMapOvr>
-    <a:masterClrMapping/>
-  </p:clrMapOvr>
-</p:sld>
-</file>
-
-<file path=ppt/slides/slide3.xml><?xml version="1.0" encoding="utf-8"?>
-<p:sld xmlns:a="http://schemas.openxmlformats.org/drawingml/2006/main" xmlns:r="http://schemas.openxmlformats.org/officeDocument/2006/relationships" xmlns:p="http://schemas.openxmlformats.org/presentationml/2006/main">
-  <p:cSld>
-    <p:bg>
-      <p:bgPr>
-        <a:solidFill>
-          <a:schemeClr val="bg1"/>
-        </a:solidFill>
-        <a:effectLst/>
-      </p:bgPr>
-    </p:bg>
-    <p:spTree>
-      <p:nvGrpSpPr>
-        <p:cNvPr id="1" name=""/>
-        <p:cNvGrpSpPr/>
-        <p:nvPr/>
-      </p:nvGrpSpPr>
-      <p:grpSpPr>
-        <a:xfrm>
-          <a:off x="0" y="0"/>
-          <a:ext cx="0" cy="0"/>
-          <a:chOff x="0" y="0"/>
-          <a:chExt cx="0" cy="0"/>
-        </a:xfrm>
-      </p:grpSpPr>
-      <p:sp>
-        <p:nvSpPr>
-          <p:cNvPr id="9" name="Rectangle 8">
-            <a:extLst>
-              <a:ext uri="{FF2B5EF4-FFF2-40B4-BE49-F238E27FC236}">
-                <a16:creationId xmlns:a16="http://schemas.microsoft.com/office/drawing/2014/main" id="{5BAB7C38-AF9A-43A2-9B1C-F1DEBC80BC7B}"/>
-              </a:ext>
-              <a:ext uri="{C183D7F6-B498-43B3-948B-1728B52AA6E4}">
-                <adec:decorative xmlns:adec="http://schemas.microsoft.com/office/drawing/2017/decorative" val="1"/>
-              </a:ext>
-            </a:extLst>
-          </p:cNvPr>
-          <p:cNvSpPr>
-            <a:spLocks noGrp="1" noRot="1" noChangeAspect="1" noMove="1" noResize="1" noEditPoints="1" noAdjustHandles="1" noChangeArrowheads="1" noChangeShapeType="1" noTextEdit="1"/>
-          </p:cNvSpPr>
-          <p:nvPr>
-            <p:extLst>
-              <p:ext uri="{386F3935-93C4-4BCD-93E2-E3B085C9AB24}">
-                <p16:designElem xmlns:p16="http://schemas.microsoft.com/office/powerpoint/2015/main" val="1"/>
-              </p:ext>
-            </p:extLst>
-          </p:nvPr>
-        </p:nvSpPr>
-        <p:spPr>
-          <a:xfrm>
-            <a:off x="0" y="0"/>
-            <a:ext cx="12186676" cy="2108723"/>
-          </a:xfrm>
-          <a:prstGeom prst="rect">
-            <a:avLst/>
-          </a:prstGeom>
-          <a:ln>
-            <a:noFill/>
-          </a:ln>
-        </p:spPr>
-        <p:style>
-          <a:lnRef idx="2">
-            <a:schemeClr val="accent1">
-              <a:shade val="50000"/>
-            </a:schemeClr>
-          </a:lnRef>
-          <a:fillRef idx="1003">
-            <a:schemeClr val="dk1"/>
-          </a:fillRef>
-          <a:effectRef idx="0">
-            <a:schemeClr val="accent1"/>
-          </a:effectRef>
-          <a:fontRef idx="minor">
-            <a:schemeClr val="lt1"/>
-          </a:fontRef>
-        </p:style>
-        <p:txBody>
-          <a:bodyPr rtlCol="0" anchor="ctr"/>
-          <a:lstStyle/>
-          <a:p>
-            <a:pPr algn="ctr"/>
-            <a:endParaRPr lang="en-US"/>
-          </a:p>
-        </p:txBody>
-      </p:sp>
-      <p:sp>
-        <p:nvSpPr>
-          <p:cNvPr id="2" name="Title 1">
-            <a:extLst>
-              <a:ext uri="{FF2B5EF4-FFF2-40B4-BE49-F238E27FC236}">
-                <a16:creationId xmlns:a16="http://schemas.microsoft.com/office/drawing/2014/main" id="{07F6FF8C-A74B-E640-AF2F-9B4E07A213CF}"/>
-              </a:ext>
-            </a:extLst>
-          </p:cNvPr>
-          <p:cNvSpPr>
-            <a:spLocks noGrp="1"/>
-          </p:cNvSpPr>
-          <p:nvPr>
-            <p:ph type="title"/>
-          </p:nvPr>
-        </p:nvSpPr>
-        <p:spPr>
-          <a:xfrm>
-            <a:off x="913795" y="609600"/>
-            <a:ext cx="10353762" cy="1257300"/>
-          </a:xfrm>
-        </p:spPr>
-        <p:txBody>
-          <a:bodyPr>
-            <a:normAutofit/>
-          </a:bodyPr>
-          <a:lstStyle/>
-          <a:p>
-            <a:r>
-              <a:rPr lang="en-AU">
-                <a:solidFill>
-                  <a:srgbClr val="FFFFFF"/>
-                </a:solidFill>
-              </a:rPr>
-              <a:t>3 things</a:t>
-            </a:r>
-          </a:p>
-        </p:txBody>
-      </p:sp>
-      <p:pic>
-        <p:nvPicPr>
-          <p:cNvPr id="11" name="Picture 10">
-            <a:extLst>
-              <a:ext uri="{FF2B5EF4-FFF2-40B4-BE49-F238E27FC236}">
-                <a16:creationId xmlns:a16="http://schemas.microsoft.com/office/drawing/2014/main" id="{A8D526D7-C782-4F65-A21F-A6B40D869B47}"/>
-              </a:ext>
-              <a:ext uri="{C183D7F6-B498-43B3-948B-1728B52AA6E4}">
-                <adec:decorative xmlns:adec="http://schemas.microsoft.com/office/drawing/2017/decorative" val="1"/>
-              </a:ext>
-            </a:extLst>
-          </p:cNvPr>
-          <p:cNvPicPr preferRelativeResize="0">
-            <a:picLocks noGrp="1" noRot="1" noChangeAspect="1" noMove="1" noResize="1" noEditPoints="1" noAdjustHandles="1" noChangeArrowheads="1" noChangeShapeType="1" noCrop="1"/>
-          </p:cNvPicPr>
-          <p:nvPr>
-            <p:extLst>
-              <p:ext uri="{386F3935-93C4-4BCD-93E2-E3B085C9AB24}">
-                <p16:designElem xmlns:p16="http://schemas.microsoft.com/office/powerpoint/2015/main" val="1"/>
-              </p:ext>
-            </p:extLst>
-          </p:nvPr>
-        </p:nvPicPr>
-        <p:blipFill rotWithShape="1">
-          <a:blip r:embed="rId2">
-            <a:extLst>
-              <a:ext uri="{28A0092B-C50C-407E-A947-70E740481C1C}">
-                <a14:useLocalDpi xmlns:a14="http://schemas.microsoft.com/office/drawing/2010/main" val="0"/>
-              </a:ext>
-            </a:extLst>
-          </a:blip>
-          <a:srcRect l="798" t="2669" r="616"/>
-          <a:stretch/>
-        </p:blipFill>
-        <p:spPr>
-          <a:xfrm>
-            <a:off x="-5325" y="2049331"/>
-            <a:ext cx="12192001" cy="4808669"/>
-          </a:xfrm>
-          <a:prstGeom prst="rect">
-            <a:avLst/>
-          </a:prstGeom>
-          <a:effectLst>
-            <a:innerShdw blurRad="63500" dist="50800" dir="16200000">
-              <a:prstClr val="black">
-                <a:alpha val="50000"/>
-              </a:prstClr>
-            </a:innerShdw>
-          </a:effectLst>
-        </p:spPr>
-      </p:pic>
-      <p:graphicFrame>
-        <p:nvGraphicFramePr>
-          <p:cNvPr id="5" name="Content Placeholder 2">
-            <a:extLst>
-              <a:ext uri="{FF2B5EF4-FFF2-40B4-BE49-F238E27FC236}">
-                <a16:creationId xmlns:a16="http://schemas.microsoft.com/office/drawing/2014/main" id="{B552967A-7806-4FDD-8880-DF16D42CA604}"/>
-              </a:ext>
-            </a:extLst>
-          </p:cNvPr>
-          <p:cNvGraphicFramePr>
-            <a:graphicFrameLocks noGrp="1"/>
-          </p:cNvGraphicFramePr>
-          <p:nvPr>
-            <p:ph idx="1"/>
-            <p:extLst>
-              <p:ext uri="{D42A27DB-BD31-4B8C-83A1-F6EECF244321}">
-                <p14:modId xmlns:p14="http://schemas.microsoft.com/office/powerpoint/2010/main" val="2467832002"/>
-              </p:ext>
-            </p:extLst>
-          </p:nvPr>
-        </p:nvGraphicFramePr>
-        <p:xfrm>
-          <a:off x="914400" y="2647784"/>
-          <a:ext cx="10353675" cy="3143416"/>
-        </p:xfrm>
-        <a:graphic>
-          <a:graphicData uri="http://schemas.openxmlformats.org/drawingml/2006/diagram">
-            <dgm:relIds xmlns:dgm="http://schemas.openxmlformats.org/drawingml/2006/diagram" xmlns:r="http://schemas.openxmlformats.org/officeDocument/2006/relationships" r:dm="rId3" r:lo="rId4" r:qs="rId5" r:cs="rId6"/>
-          </a:graphicData>
-        </a:graphic>
-      </p:graphicFrame>
-    </p:spTree>
-    <p:extLst>
-      <p:ext uri="{BB962C8B-B14F-4D97-AF65-F5344CB8AC3E}">
-        <p14:creationId xmlns:p14="http://schemas.microsoft.com/office/powerpoint/2010/main" val="3530010058"/>
-      </p:ext>
-    </p:extLst>
-  </p:cSld>
-  <p:clrMapOvr>
-    <a:overrideClrMapping bg1="lt1" tx1="dk1" bg2="lt2" tx2="dk2" accent1="accent1" accent2="accent2" accent3="accent3" accent4="accent4" accent5="accent5" accent6="accent6" hlink="hlink" folHlink="folHlink"/>
-  </p:clrMapOvr>
-</p:sld>
-</file>
-
-<file path=ppt/slides/slide4.xml><?xml version="1.0" encoding="utf-8"?>
-<p:sld xmlns:a="http://schemas.openxmlformats.org/drawingml/2006/main" xmlns:r="http://schemas.openxmlformats.org/officeDocument/2006/relationships" xmlns:p="http://schemas.openxmlformats.org/presentationml/2006/main">
-  <p:cSld>
-    <p:spTree>
-      <p:nvGrpSpPr>
-        <p:cNvPr id="1" name=""/>
-        <p:cNvGrpSpPr/>
-        <p:nvPr/>
-      </p:nvGrpSpPr>
-      <p:grpSpPr>
-        <a:xfrm>
-          <a:off x="0" y="0"/>
-          <a:ext cx="0" cy="0"/>
-          <a:chOff x="0" y="0"/>
-          <a:chExt cx="0" cy="0"/>
-        </a:xfrm>
-      </p:grpSpPr>
-      <p:sp>
-        <p:nvSpPr>
-          <p:cNvPr id="2" name="Title 1">
-            <a:extLst>
-              <a:ext uri="{FF2B5EF4-FFF2-40B4-BE49-F238E27FC236}">
-                <a16:creationId xmlns:a16="http://schemas.microsoft.com/office/drawing/2014/main" id="{07F6FF8C-A74B-E640-AF2F-9B4E07A213CF}"/>
-              </a:ext>
-            </a:extLst>
-          </p:cNvPr>
-          <p:cNvSpPr>
-            <a:spLocks noGrp="1"/>
-          </p:cNvSpPr>
-          <p:nvPr>
-            <p:ph type="title"/>
-          </p:nvPr>
-        </p:nvSpPr>
-        <p:spPr/>
-        <p:txBody>
-          <a:bodyPr/>
-          <a:lstStyle/>
-          <a:p>
-            <a:r>
-              <a:rPr lang="en-AU" dirty="0"/>
-              <a:t>Critical Infrastructure</a:t>
-            </a:r>
-          </a:p>
-        </p:txBody>
-      </p:sp>
-      <p:sp>
-        <p:nvSpPr>
-          <p:cNvPr id="3" name="Content Placeholder 2">
-            <a:extLst>
-              <a:ext uri="{FF2B5EF4-FFF2-40B4-BE49-F238E27FC236}">
-                <a16:creationId xmlns:a16="http://schemas.microsoft.com/office/drawing/2014/main" id="{C29FA815-F1A1-E848-8BE0-A481039CE411}"/>
-              </a:ext>
-            </a:extLst>
-          </p:cNvPr>
-          <p:cNvSpPr>
-            <a:spLocks noGrp="1"/>
-          </p:cNvSpPr>
-          <p:nvPr>
-            <p:ph idx="1"/>
-          </p:nvPr>
-        </p:nvSpPr>
-        <p:spPr/>
-        <p:txBody>
-          <a:bodyPr>
-            <a:normAutofit fontScale="77500" lnSpcReduction="20000"/>
-          </a:bodyPr>
-          <a:lstStyle/>
-          <a:p>
-            <a:r>
-              <a:rPr lang="en-AU" b="1" dirty="0">
-                <a:effectLst/>
-              </a:rPr>
-              <a:t>“Those physical facilities, supply chains, information technologies and communication networks which, if destroyed, degraded or rendered unavailable for an extended period, would significantly impact the social or economic wellbeing of the nation or affect Australia’s ability to conduct national defence and ensure national security”</a:t>
-            </a:r>
-          </a:p>
-          <a:p>
-            <a:r>
-              <a:rPr lang="en-AU" b="1" dirty="0">
-                <a:effectLst/>
-              </a:rPr>
-              <a:t>Australian Government Critical Infrastructure Centre </a:t>
-            </a:r>
-          </a:p>
-          <a:p>
-            <a:r>
-              <a:rPr lang="en-AU" b="1" dirty="0">
-                <a:effectLst/>
-              </a:rPr>
-              <a:t>Examples include:</a:t>
-            </a:r>
-          </a:p>
-          <a:p>
-            <a:pPr lvl="1"/>
-            <a:r>
-              <a:rPr lang="en-AU" b="1" dirty="0">
-                <a:effectLst/>
-              </a:rPr>
-              <a:t>Water, Electricity, Gas supply</a:t>
-            </a:r>
-          </a:p>
-          <a:p>
-            <a:pPr lvl="1"/>
-            <a:r>
-              <a:rPr lang="en-AU" b="1" dirty="0">
-                <a:effectLst/>
-              </a:rPr>
-              <a:t>Telecommunication</a:t>
-            </a:r>
-          </a:p>
-          <a:p>
-            <a:pPr lvl="1"/>
-            <a:r>
-              <a:rPr lang="en-AU" b="1" dirty="0">
-                <a:effectLst/>
-              </a:rPr>
-              <a:t>Public Health</a:t>
-            </a:r>
-          </a:p>
-          <a:p>
-            <a:pPr lvl="1"/>
-            <a:r>
-              <a:rPr lang="en-AU" b="1" dirty="0">
-                <a:effectLst/>
-              </a:rPr>
-              <a:t>Agriculture</a:t>
-            </a:r>
-          </a:p>
-          <a:p>
-            <a:pPr lvl="1"/>
-            <a:r>
-              <a:rPr lang="en-AU" b="1" dirty="0">
-                <a:effectLst/>
-              </a:rPr>
-              <a:t>Financial Services</a:t>
-            </a:r>
-          </a:p>
-          <a:p>
-            <a:pPr lvl="1"/>
-            <a:r>
-              <a:rPr lang="en-AU" b="1" dirty="0">
-                <a:effectLst/>
-              </a:rPr>
-              <a:t>Transportation and Shipping</a:t>
-            </a:r>
-          </a:p>
-          <a:p>
-            <a:r>
-              <a:rPr lang="en-AU" b="1" dirty="0">
-                <a:effectLst/>
-              </a:rPr>
-              <a:t>I</a:t>
-            </a:r>
-            <a:endParaRPr lang="en-AU" dirty="0">
-              <a:effectLst/>
-            </a:endParaRPr>
-          </a:p>
-          <a:p>
-            <a:endParaRPr lang="en-AU" dirty="0"/>
-          </a:p>
-          <a:p>
-            <a:endParaRPr lang="en-US" dirty="0"/>
-          </a:p>
-          <a:p>
-            <a:pPr marL="36900" indent="0">
-              <a:buNone/>
-            </a:pPr>
-            <a:endParaRPr lang="en-AU" dirty="0">
-              <a:effectLst/>
-            </a:endParaRPr>
-          </a:p>
-          <a:p>
-            <a:endParaRPr lang="en-AU" sz="2000" dirty="0"/>
-          </a:p>
-        </p:txBody>
-      </p:sp>
-    </p:spTree>
-    <p:extLst>
-      <p:ext uri="{BB962C8B-B14F-4D97-AF65-F5344CB8AC3E}">
-        <p14:creationId xmlns:p14="http://schemas.microsoft.com/office/powerpoint/2010/main" val="715186591"/>
-      </p:ext>
-    </p:extLst>
-  </p:cSld>
-  <p:clrMapOvr>
-    <a:masterClrMapping/>
-  </p:clrMapOvr>
-</p:sld>
-</file>
-
-<file path=ppt/slides/slide5.xml><?xml version="1.0" encoding="utf-8"?>
-<p:sld xmlns:a="http://schemas.openxmlformats.org/drawingml/2006/main" xmlns:r="http://schemas.openxmlformats.org/officeDocument/2006/relationships" xmlns:p="http://schemas.openxmlformats.org/presentationml/2006/main">
-  <p:cSld>
-    <p:spTree>
-      <p:nvGrpSpPr>
-        <p:cNvPr id="1" name=""/>
-        <p:cNvGrpSpPr/>
-        <p:nvPr/>
-      </p:nvGrpSpPr>
-      <p:grpSpPr>
-        <a:xfrm>
-          <a:off x="0" y="0"/>
-          <a:ext cx="0" cy="0"/>
-          <a:chOff x="0" y="0"/>
-          <a:chExt cx="0" cy="0"/>
-        </a:xfrm>
-      </p:grpSpPr>
-      <p:sp>
-        <p:nvSpPr>
-          <p:cNvPr id="2" name="Title 1">
-            <a:extLst>
-              <a:ext uri="{FF2B5EF4-FFF2-40B4-BE49-F238E27FC236}">
-                <a16:creationId xmlns:a16="http://schemas.microsoft.com/office/drawing/2014/main" id="{07F6FF8C-A74B-E640-AF2F-9B4E07A213CF}"/>
-              </a:ext>
-            </a:extLst>
-          </p:cNvPr>
-          <p:cNvSpPr>
-            <a:spLocks noGrp="1"/>
-          </p:cNvSpPr>
-          <p:nvPr>
-            <p:ph type="title"/>
-          </p:nvPr>
-        </p:nvSpPr>
-        <p:spPr/>
-        <p:txBody>
-          <a:bodyPr/>
-          <a:lstStyle/>
-          <a:p>
-            <a:r>
-              <a:rPr lang="en-AU" dirty="0"/>
-              <a:t>Technologies</a:t>
-            </a:r>
-          </a:p>
-        </p:txBody>
-      </p:sp>
-      <p:sp>
-        <p:nvSpPr>
-          <p:cNvPr id="3" name="Content Placeholder 2">
-            <a:extLst>
-              <a:ext uri="{FF2B5EF4-FFF2-40B4-BE49-F238E27FC236}">
-                <a16:creationId xmlns:a16="http://schemas.microsoft.com/office/drawing/2014/main" id="{C29FA815-F1A1-E848-8BE0-A481039CE411}"/>
-              </a:ext>
-            </a:extLst>
-          </p:cNvPr>
-          <p:cNvSpPr>
-            <a:spLocks noGrp="1"/>
-          </p:cNvSpPr>
-          <p:nvPr>
-            <p:ph idx="1"/>
-          </p:nvPr>
-        </p:nvSpPr>
-        <p:spPr/>
-        <p:txBody>
-          <a:bodyPr>
-            <a:normAutofit/>
-          </a:bodyPr>
-          <a:lstStyle/>
-          <a:p>
-            <a:r>
-              <a:rPr lang="en-AU" dirty="0"/>
-              <a:t>Operational Technology (OT) refers to systems that are used to manage industrial operations</a:t>
-            </a:r>
-          </a:p>
-          <a:p>
-            <a:r>
-              <a:rPr lang="en-AU" dirty="0"/>
-              <a:t>Industrial Control Systems (ICS) are the systems that are used to manage monitor and control systems. Usually of two types:</a:t>
-            </a:r>
-          </a:p>
-          <a:p>
-            <a:pPr lvl="1"/>
-            <a:r>
-              <a:rPr lang="en-AU" dirty="0"/>
-              <a:t>Continuous process control systems managed by programmable logic controllers (PLCs)</a:t>
-            </a:r>
-          </a:p>
-          <a:p>
-            <a:pPr lvl="1"/>
-            <a:r>
-              <a:rPr lang="en-AU" dirty="0"/>
-              <a:t>Discrete  Process Control systems that may use PLCs but also batch process control devices</a:t>
-            </a:r>
-          </a:p>
-          <a:p>
-            <a:r>
-              <a:rPr lang="en-AU" dirty="0"/>
-              <a:t>ICS are often managed by Supervisory Control and Data Acquisition (SCADA)</a:t>
-            </a:r>
-          </a:p>
-          <a:p>
-            <a:endParaRPr lang="en-US" dirty="0"/>
-          </a:p>
-          <a:p>
-            <a:pPr marL="36900" indent="0">
-              <a:buNone/>
-            </a:pPr>
-            <a:endParaRPr lang="en-AU" dirty="0">
-              <a:effectLst/>
-            </a:endParaRPr>
-          </a:p>
-          <a:p>
-            <a:endParaRPr lang="en-AU" sz="2000" dirty="0"/>
-          </a:p>
-        </p:txBody>
-      </p:sp>
-    </p:spTree>
-    <p:extLst>
-      <p:ext uri="{BB962C8B-B14F-4D97-AF65-F5344CB8AC3E}">
-        <p14:creationId xmlns:p14="http://schemas.microsoft.com/office/powerpoint/2010/main" val="1608262887"/>
-      </p:ext>
-    </p:extLst>
-  </p:cSld>
-  <p:clrMapOvr>
-    <a:masterClrMapping/>
-  </p:clrMapOvr>
-</p:sld>
-</file>
-
-<file path=ppt/slides/slide6.xml><?xml version="1.0" encoding="utf-8"?>
-<p:sld xmlns:a="http://schemas.openxmlformats.org/drawingml/2006/main" xmlns:r="http://schemas.openxmlformats.org/officeDocument/2006/relationships" xmlns:p="http://schemas.openxmlformats.org/presentationml/2006/main">
-  <p:cSld>
-    <p:bg>
-      <p:bgPr>
-        <a:blipFill rotWithShape="1">
-          <a:blip r:embed="rId2">
-            <a:duotone>
-              <a:schemeClr val="bg1">
-                <a:shade val="80000"/>
-                <a:lumMod val="80000"/>
-              </a:schemeClr>
-              <a:schemeClr val="bg1">
-                <a:tint val="98000"/>
-              </a:schemeClr>
-            </a:duotone>
-          </a:blip>
-          <a:stretch/>
-        </a:blipFill>
-        <a:effectLst/>
-      </p:bgPr>
-    </p:bg>
-    <p:spTree>
-      <p:nvGrpSpPr>
-        <p:cNvPr id="1" name=""/>
-        <p:cNvGrpSpPr/>
-        <p:nvPr/>
-      </p:nvGrpSpPr>
-      <p:grpSpPr>
-        <a:xfrm>
-          <a:off x="0" y="0"/>
-          <a:ext cx="0" cy="0"/>
-          <a:chOff x="0" y="0"/>
-          <a:chExt cx="0" cy="0"/>
-        </a:xfrm>
-      </p:grpSpPr>
-      <p:sp>
-        <p:nvSpPr>
-          <p:cNvPr id="71" name="Rectangle 70">
-            <a:extLst>
-              <a:ext uri="{FF2B5EF4-FFF2-40B4-BE49-F238E27FC236}">
-                <a16:creationId xmlns:a16="http://schemas.microsoft.com/office/drawing/2014/main" id="{A98FD4FC-479A-4C2B-84A5-CF81E055FBC0}"/>
-              </a:ext>
-              <a:ext uri="{C183D7F6-B498-43B3-948B-1728B52AA6E4}">
-                <adec:decorative xmlns:adec="http://schemas.microsoft.com/office/drawing/2017/decorative" val="1"/>
-              </a:ext>
-            </a:extLst>
-          </p:cNvPr>
-          <p:cNvSpPr>
-            <a:spLocks noGrp="1" noRot="1" noChangeAspect="1" noMove="1" noResize="1" noEditPoints="1" noAdjustHandles="1" noChangeArrowheads="1" noChangeShapeType="1" noTextEdit="1"/>
-          </p:cNvSpPr>
-          <p:nvPr>
-            <p:extLst>
-              <p:ext uri="{386F3935-93C4-4BCD-93E2-E3B085C9AB24}">
-                <p16:designElem xmlns:p16="http://schemas.microsoft.com/office/powerpoint/2015/main" val="1"/>
-              </p:ext>
-            </p:extLst>
-          </p:nvPr>
-        </p:nvSpPr>
-        <p:spPr>
-          <a:xfrm>
-            <a:off x="0" y="0"/>
-            <a:ext cx="12192000" cy="6858000"/>
-          </a:xfrm>
-          <a:prstGeom prst="rect">
-            <a:avLst/>
-          </a:prstGeom>
-          <a:solidFill>
-            <a:srgbClr val="FFFFFF"/>
-          </a:solidFill>
-          <a:ln>
-            <a:noFill/>
-          </a:ln>
-        </p:spPr>
-        <p:style>
-          <a:lnRef idx="2">
-            <a:schemeClr val="accent1">
-              <a:shade val="50000"/>
-            </a:schemeClr>
-          </a:lnRef>
-          <a:fillRef idx="1">
-            <a:schemeClr val="accent1"/>
-          </a:fillRef>
-          <a:effectRef idx="0">
-            <a:schemeClr val="accent1"/>
-          </a:effectRef>
-          <a:fontRef idx="minor">
-            <a:schemeClr val="lt1"/>
-          </a:fontRef>
-        </p:style>
-        <p:txBody>
-          <a:bodyPr rtlCol="0" anchor="ctr"/>
-          <a:lstStyle/>
-          <a:p>
-            <a:pPr algn="ctr"/>
-            <a:endParaRPr lang="en-US"/>
-          </a:p>
-        </p:txBody>
-      </p:sp>
-      <p:sp useBgFill="1">
-        <p:nvSpPr>
-          <p:cNvPr id="73" name="Freeform 5">
-            <a:extLst>
-              <a:ext uri="{FF2B5EF4-FFF2-40B4-BE49-F238E27FC236}">
-                <a16:creationId xmlns:a16="http://schemas.microsoft.com/office/drawing/2014/main" id="{37D54B6C-87D0-4C03-8335-3955179D2B5B}"/>
-              </a:ext>
-              <a:ext uri="{C183D7F6-B498-43B3-948B-1728B52AA6E4}">
-                <adec:decorative xmlns:adec="http://schemas.microsoft.com/office/drawing/2017/decorative" val="1"/>
-              </a:ext>
-            </a:extLst>
-          </p:cNvPr>
-          <p:cNvSpPr>
-            <a:spLocks noGrp="1" noRot="1" noChangeAspect="1" noMove="1" noResize="1" noEditPoints="1" noAdjustHandles="1" noChangeArrowheads="1" noChangeShapeType="1" noTextEdit="1"/>
-          </p:cNvSpPr>
-          <p:nvPr>
-            <p:extLst>
-              <p:ext uri="{386F3935-93C4-4BCD-93E2-E3B085C9AB24}">
-                <p16:designElem xmlns:p16="http://schemas.microsoft.com/office/powerpoint/2015/main" val="1"/>
-              </p:ext>
-            </p:extLst>
-          </p:nvPr>
-        </p:nvSpPr>
-        <p:spPr bwMode="auto">
-          <a:xfrm rot="5400000">
-            <a:off x="-118536" y="1371603"/>
-            <a:ext cx="5624423" cy="4100418"/>
-          </a:xfrm>
-          <a:custGeom>
-            <a:avLst/>
-            <a:gdLst>
-              <a:gd name="T0" fmla="*/ 1577 w 1601"/>
-              <a:gd name="T1" fmla="*/ 0 h 696"/>
-              <a:gd name="T2" fmla="*/ 833 w 1601"/>
-              <a:gd name="T3" fmla="*/ 0 h 696"/>
-              <a:gd name="T4" fmla="*/ 768 w 1601"/>
-              <a:gd name="T5" fmla="*/ 0 h 696"/>
-              <a:gd name="T6" fmla="*/ 24 w 1601"/>
-              <a:gd name="T7" fmla="*/ 0 h 696"/>
-              <a:gd name="T8" fmla="*/ 0 w 1601"/>
-              <a:gd name="T9" fmla="*/ 27 h 696"/>
-              <a:gd name="T10" fmla="*/ 0 w 1601"/>
-              <a:gd name="T11" fmla="*/ 669 h 696"/>
-              <a:gd name="T12" fmla="*/ 24 w 1601"/>
-              <a:gd name="T13" fmla="*/ 696 h 696"/>
-              <a:gd name="T14" fmla="*/ 768 w 1601"/>
-              <a:gd name="T15" fmla="*/ 696 h 696"/>
-              <a:gd name="T16" fmla="*/ 833 w 1601"/>
-              <a:gd name="T17" fmla="*/ 696 h 696"/>
-              <a:gd name="T18" fmla="*/ 1577 w 1601"/>
-              <a:gd name="T19" fmla="*/ 696 h 696"/>
-              <a:gd name="T20" fmla="*/ 1601 w 1601"/>
-              <a:gd name="T21" fmla="*/ 669 h 696"/>
-              <a:gd name="T22" fmla="*/ 1601 w 1601"/>
-              <a:gd name="T23" fmla="*/ 27 h 696"/>
-              <a:gd name="T24" fmla="*/ 1577 w 1601"/>
-              <a:gd name="T25" fmla="*/ 0 h 696"/>
-            </a:gdLst>
-            <a:ahLst/>
-            <a:cxnLst>
-              <a:cxn ang="0">
-                <a:pos x="T0" y="T1"/>
-              </a:cxn>
-              <a:cxn ang="0">
-                <a:pos x="T2" y="T3"/>
-              </a:cxn>
-              <a:cxn ang="0">
-                <a:pos x="T4" y="T5"/>
-              </a:cxn>
-              <a:cxn ang="0">
-                <a:pos x="T6" y="T7"/>
-              </a:cxn>
-              <a:cxn ang="0">
-                <a:pos x="T8" y="T9"/>
-              </a:cxn>
-              <a:cxn ang="0">
-                <a:pos x="T10" y="T11"/>
-              </a:cxn>
-              <a:cxn ang="0">
-                <a:pos x="T12" y="T13"/>
-              </a:cxn>
-              <a:cxn ang="0">
-                <a:pos x="T14" y="T15"/>
-              </a:cxn>
-              <a:cxn ang="0">
-                <a:pos x="T16" y="T17"/>
-              </a:cxn>
-              <a:cxn ang="0">
-                <a:pos x="T18" y="T19"/>
-              </a:cxn>
-              <a:cxn ang="0">
-                <a:pos x="T20" y="T21"/>
-              </a:cxn>
-              <a:cxn ang="0">
-                <a:pos x="T22" y="T23"/>
-              </a:cxn>
-              <a:cxn ang="0">
-                <a:pos x="T24" y="T25"/>
-              </a:cxn>
-            </a:cxnLst>
-            <a:rect l="0" t="0" r="r" b="b"/>
-            <a:pathLst>
-              <a:path w="1601" h="696">
-                <a:moveTo>
-                  <a:pt x="1577" y="0"/>
-                </a:moveTo>
-                <a:cubicBezTo>
-                  <a:pt x="833" y="0"/>
-                  <a:pt x="833" y="0"/>
-                  <a:pt x="833" y="0"/>
-                </a:cubicBezTo>
-                <a:cubicBezTo>
-                  <a:pt x="768" y="0"/>
-                  <a:pt x="768" y="0"/>
-                  <a:pt x="768" y="0"/>
-                </a:cubicBezTo>
-                <a:cubicBezTo>
-                  <a:pt x="24" y="0"/>
-                  <a:pt x="24" y="0"/>
-                  <a:pt x="24" y="0"/>
-                </a:cubicBezTo>
-                <a:cubicBezTo>
-                  <a:pt x="11" y="0"/>
-                  <a:pt x="0" y="12"/>
-                  <a:pt x="0" y="27"/>
-                </a:cubicBezTo>
-                <a:cubicBezTo>
-                  <a:pt x="0" y="669"/>
-                  <a:pt x="0" y="669"/>
-                  <a:pt x="0" y="669"/>
-                </a:cubicBezTo>
-                <a:cubicBezTo>
-                  <a:pt x="0" y="684"/>
-                  <a:pt x="11" y="696"/>
-                  <a:pt x="24" y="696"/>
-                </a:cubicBezTo>
-                <a:cubicBezTo>
-                  <a:pt x="768" y="696"/>
-                  <a:pt x="768" y="696"/>
-                  <a:pt x="768" y="696"/>
-                </a:cubicBezTo>
-                <a:cubicBezTo>
-                  <a:pt x="833" y="696"/>
-                  <a:pt x="833" y="696"/>
-                  <a:pt x="833" y="696"/>
-                </a:cubicBezTo>
-                <a:cubicBezTo>
-                  <a:pt x="1577" y="696"/>
-                  <a:pt x="1577" y="696"/>
-                  <a:pt x="1577" y="696"/>
-                </a:cubicBezTo>
-                <a:cubicBezTo>
-                  <a:pt x="1590" y="696"/>
-                  <a:pt x="1601" y="684"/>
-                  <a:pt x="1601" y="669"/>
-                </a:cubicBezTo>
-                <a:cubicBezTo>
-                  <a:pt x="1601" y="27"/>
-                  <a:pt x="1601" y="27"/>
-                  <a:pt x="1601" y="27"/>
-                </a:cubicBezTo>
-                <a:cubicBezTo>
-                  <a:pt x="1601" y="12"/>
-                  <a:pt x="1590" y="0"/>
-                  <a:pt x="1577" y="0"/>
-                </a:cubicBezTo>
-                <a:close/>
-              </a:path>
-            </a:pathLst>
-          </a:custGeom>
-          <a:ln>
-            <a:noFill/>
-          </a:ln>
-          <a:effectLst>
-            <a:outerShdw blurRad="50800" dist="38100" dir="5400000" algn="tl" rotWithShape="0">
-              <a:srgbClr val="000000">
-                <a:alpha val="43000"/>
-              </a:srgbClr>
-            </a:outerShdw>
-          </a:effectLst>
-          <a:extLst>
-            <a:ext uri="{91240B29-F687-4f45-9708-019B960494DF}">
-              <a14:hiddenLine xmlns:a16="http://schemas.microsoft.com/office/drawing/2014/main" xmlns:p14="http://schemas.microsoft.com/office/powerpoint/2010/main" xmlns:a14="http://schemas.microsoft.com/office/drawing/2010/main" xmlns="" w="9525">
+              <a14:hiddenLine xmlns="" xmlns:a14="http://schemas.microsoft.com/office/drawing/2010/main" xmlns:p14="http://schemas.microsoft.com/office/powerpoint/2010/main" xmlns:a16="http://schemas.microsoft.com/office/drawing/2014/main" w="9525">
                 <a:solidFill>
                   <a:srgbClr val="000000"/>
                 </a:solidFill>
@@ -14391,7 +16498,7 @@
           <p:nvPr/>
         </p:nvPicPr>
         <p:blipFill>
-          <a:blip r:embed="rId3">
+          <a:blip r:embed="rId4">
             <a:extLst>
               <a:ext uri="{28A0092B-C50C-407E-A947-70E740481C1C}">
                 <a14:useLocalDpi xmlns:a14="http://schemas.microsoft.com/office/drawing/2010/main" val="0"/>
